--- a/rough-diag-may13.pptx
+++ b/rough-diag-may13.pptx
@@ -5,7 +5,7 @@
     <p:sldMasterId id="2147483648" r:id="rId1"/>
   </p:sldMasterIdLst>
   <p:notesMasterIdLst>
-    <p:notesMasterId r:id="rId11"/>
+    <p:notesMasterId r:id="rId17"/>
   </p:notesMasterIdLst>
   <p:sldIdLst>
     <p:sldId id="705" r:id="rId2"/>
@@ -17,6 +17,12 @@
     <p:sldId id="702" r:id="rId8"/>
     <p:sldId id="703" r:id="rId9"/>
     <p:sldId id="704" r:id="rId10"/>
+    <p:sldId id="709" r:id="rId11"/>
+    <p:sldId id="710" r:id="rId12"/>
+    <p:sldId id="711" r:id="rId13"/>
+    <p:sldId id="712" r:id="rId14"/>
+    <p:sldId id="713" r:id="rId15"/>
+    <p:sldId id="714" r:id="rId16"/>
   </p:sldIdLst>
   <p:sldSz cx="9144000" cy="5715000" type="screen16x10"/>
   <p:notesSz cx="6858000" cy="9144000"/>
@@ -3924,6 +3930,4483 @@
 </p:sld>
 </file>
 
+<file path=ppt/slides/slide10.xml><?xml version="1.0" encoding="utf-8"?>
+<p:sld xmlns:a="http://schemas.openxmlformats.org/drawingml/2006/main" xmlns:r="http://schemas.openxmlformats.org/officeDocument/2006/relationships" xmlns:p="http://schemas.openxmlformats.org/presentationml/2006/main">
+  <p:cSld>
+    <p:spTree>
+      <p:nvGrpSpPr>
+        <p:cNvPr id="1" name=""/>
+        <p:cNvGrpSpPr/>
+        <p:nvPr/>
+      </p:nvGrpSpPr>
+      <p:grpSpPr>
+        <a:xfrm>
+          <a:off x="0" y="0"/>
+          <a:ext cx="0" cy="0"/>
+          <a:chOff x="0" y="0"/>
+          <a:chExt cx="0" cy="0"/>
+        </a:xfrm>
+      </p:grpSpPr>
+      <p:sp>
+        <p:nvSpPr>
+          <p:cNvPr id="2" name="Rectangle 1"/>
+          <p:cNvSpPr/>
+          <p:nvPr/>
+        </p:nvSpPr>
+        <p:spPr>
+          <a:xfrm>
+            <a:off x="2362200" y="266700"/>
+            <a:ext cx="6248400" cy="5067300"/>
+          </a:xfrm>
+          <a:prstGeom prst="rect">
+            <a:avLst/>
+          </a:prstGeom>
+          <a:noFill/>
+        </p:spPr>
+        <p:style>
+          <a:lnRef idx="2">
+            <a:schemeClr val="accent1">
+              <a:shade val="50000"/>
+            </a:schemeClr>
+          </a:lnRef>
+          <a:fillRef idx="1">
+            <a:schemeClr val="accent1"/>
+          </a:fillRef>
+          <a:effectRef idx="0">
+            <a:schemeClr val="accent1"/>
+          </a:effectRef>
+          <a:fontRef idx="minor">
+            <a:schemeClr val="lt1"/>
+          </a:fontRef>
+        </p:style>
+        <p:txBody>
+          <a:bodyPr rtlCol="0" anchor="ctr"/>
+          <a:lstStyle/>
+          <a:p>
+            <a:pPr algn="ctr"/>
+            <a:endParaRPr lang="en-US"/>
+          </a:p>
+        </p:txBody>
+      </p:sp>
+      <p:sp>
+        <p:nvSpPr>
+          <p:cNvPr id="3" name="TextBox 2"/>
+          <p:cNvSpPr txBox="1"/>
+          <p:nvPr/>
+        </p:nvSpPr>
+        <p:spPr>
+          <a:xfrm>
+            <a:off x="2362200" y="266700"/>
+            <a:ext cx="2644752" cy="369332"/>
+          </a:xfrm>
+          <a:prstGeom prst="rect">
+            <a:avLst/>
+          </a:prstGeom>
+          <a:noFill/>
+        </p:spPr>
+        <p:txBody>
+          <a:bodyPr wrap="square" rtlCol="0">
+            <a:spAutoFit/>
+          </a:bodyPr>
+          <a:lstStyle/>
+          <a:p>
+            <a:r>
+              <a:rPr lang="en-US" dirty="0" err="1" smtClean="0"/>
+              <a:t>Minikube</a:t>
+            </a:r>
+            <a:r>
+              <a:rPr lang="en-US" dirty="0" smtClean="0"/>
+              <a:t> 192.168.99.100</a:t>
+            </a:r>
+            <a:endParaRPr lang="en-US" dirty="0"/>
+          </a:p>
+        </p:txBody>
+      </p:sp>
+      <p:sp>
+        <p:nvSpPr>
+          <p:cNvPr id="4" name="TextBox 3"/>
+          <p:cNvSpPr txBox="1"/>
+          <p:nvPr/>
+        </p:nvSpPr>
+        <p:spPr>
+          <a:xfrm>
+            <a:off x="2971800" y="1409700"/>
+            <a:ext cx="1905000" cy="830997"/>
+          </a:xfrm>
+          <a:prstGeom prst="rect">
+            <a:avLst/>
+          </a:prstGeom>
+          <a:noFill/>
+        </p:spPr>
+        <p:txBody>
+          <a:bodyPr wrap="square" rtlCol="0">
+            <a:spAutoFit/>
+          </a:bodyPr>
+          <a:lstStyle/>
+          <a:p>
+            <a:r>
+              <a:rPr lang="en-US" sz="1600" dirty="0" smtClean="0"/>
+              <a:t>w</a:t>
+            </a:r>
+            <a:r>
+              <a:rPr lang="en-US" sz="1600" dirty="0" smtClean="0"/>
+              <a:t>1</a:t>
+            </a:r>
+          </a:p>
+          <a:p>
+            <a:r>
+              <a:rPr lang="en-US" sz="1600" dirty="0" smtClean="0"/>
+              <a:t>172.17.0.14</a:t>
+            </a:r>
+          </a:p>
+          <a:p>
+            <a:r>
+              <a:rPr lang="en-US" sz="1600" dirty="0" smtClean="0"/>
+              <a:t>ping 172.17.0.15</a:t>
+            </a:r>
+            <a:endParaRPr lang="en-US" sz="1600" dirty="0"/>
+          </a:p>
+        </p:txBody>
+      </p:sp>
+      <p:sp>
+        <p:nvSpPr>
+          <p:cNvPr id="5" name="TextBox 4"/>
+          <p:cNvSpPr txBox="1"/>
+          <p:nvPr/>
+        </p:nvSpPr>
+        <p:spPr>
+          <a:xfrm>
+            <a:off x="5486400" y="1333500"/>
+            <a:ext cx="1172116" cy="584775"/>
+          </a:xfrm>
+          <a:prstGeom prst="rect">
+            <a:avLst/>
+          </a:prstGeom>
+          <a:noFill/>
+        </p:spPr>
+        <p:txBody>
+          <a:bodyPr wrap="none" rtlCol="0">
+            <a:spAutoFit/>
+          </a:bodyPr>
+          <a:lstStyle/>
+          <a:p>
+            <a:r>
+              <a:rPr lang="en-US" sz="1600" dirty="0" smtClean="0"/>
+              <a:t>w2</a:t>
+            </a:r>
+          </a:p>
+          <a:p>
+            <a:r>
+              <a:rPr lang="en-US" sz="1600" dirty="0" smtClean="0"/>
+              <a:t>172.17.0.15</a:t>
+            </a:r>
+            <a:endParaRPr lang="en-US" sz="1600" dirty="0" smtClean="0"/>
+          </a:p>
+        </p:txBody>
+      </p:sp>
+      <p:sp>
+        <p:nvSpPr>
+          <p:cNvPr id="6" name="TextBox 5"/>
+          <p:cNvSpPr txBox="1"/>
+          <p:nvPr/>
+        </p:nvSpPr>
+        <p:spPr>
+          <a:xfrm>
+            <a:off x="5223875" y="266700"/>
+            <a:ext cx="1176925" cy="369332"/>
+          </a:xfrm>
+          <a:prstGeom prst="rect">
+            <a:avLst/>
+          </a:prstGeom>
+          <a:noFill/>
+        </p:spPr>
+        <p:txBody>
+          <a:bodyPr wrap="none" rtlCol="0">
+            <a:spAutoFit/>
+          </a:bodyPr>
+          <a:lstStyle/>
+          <a:p>
+            <a:r>
+              <a:rPr lang="en-US" dirty="0" smtClean="0"/>
+              <a:t>172.17.0.1</a:t>
+            </a:r>
+            <a:endParaRPr lang="en-US" dirty="0"/>
+          </a:p>
+        </p:txBody>
+      </p:sp>
+      <p:sp>
+        <p:nvSpPr>
+          <p:cNvPr id="7" name="Cloud 6"/>
+          <p:cNvSpPr/>
+          <p:nvPr/>
+        </p:nvSpPr>
+        <p:spPr>
+          <a:xfrm>
+            <a:off x="2590800" y="952500"/>
+            <a:ext cx="4724400" cy="2743200"/>
+          </a:xfrm>
+          <a:prstGeom prst="cloud">
+            <a:avLst/>
+          </a:prstGeom>
+          <a:noFill/>
+        </p:spPr>
+        <p:style>
+          <a:lnRef idx="2">
+            <a:schemeClr val="accent1">
+              <a:shade val="50000"/>
+            </a:schemeClr>
+          </a:lnRef>
+          <a:fillRef idx="1">
+            <a:schemeClr val="accent1"/>
+          </a:fillRef>
+          <a:effectRef idx="0">
+            <a:schemeClr val="accent1"/>
+          </a:effectRef>
+          <a:fontRef idx="minor">
+            <a:schemeClr val="lt1"/>
+          </a:fontRef>
+        </p:style>
+        <p:txBody>
+          <a:bodyPr rtlCol="0" anchor="ctr"/>
+          <a:lstStyle/>
+          <a:p>
+            <a:pPr algn="ctr"/>
+            <a:endParaRPr lang="en-US"/>
+          </a:p>
+        </p:txBody>
+      </p:sp>
+      <p:cxnSp>
+        <p:nvCxnSpPr>
+          <p:cNvPr id="9" name="Straight Arrow Connector 8"/>
+          <p:cNvCxnSpPr>
+            <a:endCxn id="5" idx="1"/>
+          </p:cNvCxnSpPr>
+          <p:nvPr/>
+        </p:nvCxnSpPr>
+        <p:spPr>
+          <a:xfrm flipV="1">
+            <a:off x="4124394" y="1625888"/>
+            <a:ext cx="1362006" cy="241012"/>
+          </a:xfrm>
+          <a:prstGeom prst="straightConnector1">
+            <a:avLst/>
+          </a:prstGeom>
+          <a:ln>
+            <a:tailEnd type="arrow"/>
+          </a:ln>
+        </p:spPr>
+        <p:style>
+          <a:lnRef idx="1">
+            <a:schemeClr val="accent1"/>
+          </a:lnRef>
+          <a:fillRef idx="0">
+            <a:schemeClr val="accent1"/>
+          </a:fillRef>
+          <a:effectRef idx="0">
+            <a:schemeClr val="accent1"/>
+          </a:effectRef>
+          <a:fontRef idx="minor">
+            <a:schemeClr val="tx1"/>
+          </a:fontRef>
+        </p:style>
+      </p:cxnSp>
+      <p:sp>
+        <p:nvSpPr>
+          <p:cNvPr id="10" name="TextBox 9"/>
+          <p:cNvSpPr txBox="1"/>
+          <p:nvPr/>
+        </p:nvSpPr>
+        <p:spPr>
+          <a:xfrm>
+            <a:off x="4114800" y="2705100"/>
+            <a:ext cx="1905000" cy="830997"/>
+          </a:xfrm>
+          <a:prstGeom prst="rect">
+            <a:avLst/>
+          </a:prstGeom>
+          <a:noFill/>
+        </p:spPr>
+        <p:txBody>
+          <a:bodyPr wrap="square" rtlCol="0">
+            <a:spAutoFit/>
+          </a:bodyPr>
+          <a:lstStyle/>
+          <a:p>
+            <a:r>
+              <a:rPr lang="en-US" sz="1600" dirty="0" smtClean="0"/>
+              <a:t>w3</a:t>
+            </a:r>
+          </a:p>
+          <a:p>
+            <a:r>
+              <a:rPr lang="en-US" sz="1600" dirty="0" smtClean="0"/>
+              <a:t>172.17.0.16</a:t>
+            </a:r>
+          </a:p>
+          <a:p>
+            <a:r>
+              <a:rPr lang="en-US" sz="1600" dirty="0" smtClean="0"/>
+              <a:t>ping 172.17.0.15</a:t>
+            </a:r>
+            <a:endParaRPr lang="en-US" sz="1600" dirty="0"/>
+          </a:p>
+        </p:txBody>
+      </p:sp>
+      <p:cxnSp>
+        <p:nvCxnSpPr>
+          <p:cNvPr id="12" name="Straight Arrow Connector 11"/>
+          <p:cNvCxnSpPr>
+            <a:stCxn id="10" idx="0"/>
+            <a:endCxn id="5" idx="2"/>
+          </p:cNvCxnSpPr>
+          <p:nvPr/>
+        </p:nvCxnSpPr>
+        <p:spPr>
+          <a:xfrm flipV="1">
+            <a:off x="5067300" y="1918275"/>
+            <a:ext cx="1005158" cy="786825"/>
+          </a:xfrm>
+          <a:prstGeom prst="straightConnector1">
+            <a:avLst/>
+          </a:prstGeom>
+          <a:ln>
+            <a:tailEnd type="arrow"/>
+          </a:ln>
+        </p:spPr>
+        <p:style>
+          <a:lnRef idx="1">
+            <a:schemeClr val="accent1"/>
+          </a:lnRef>
+          <a:fillRef idx="0">
+            <a:schemeClr val="accent1"/>
+          </a:fillRef>
+          <a:effectRef idx="0">
+            <a:schemeClr val="accent1"/>
+          </a:effectRef>
+          <a:fontRef idx="minor">
+            <a:schemeClr val="tx1"/>
+          </a:fontRef>
+        </p:style>
+      </p:cxnSp>
+      <p:sp>
+        <p:nvSpPr>
+          <p:cNvPr id="13" name="TextBox 12"/>
+          <p:cNvSpPr txBox="1"/>
+          <p:nvPr/>
+        </p:nvSpPr>
+        <p:spPr>
+          <a:xfrm>
+            <a:off x="0" y="571500"/>
+            <a:ext cx="1966116" cy="646331"/>
+          </a:xfrm>
+          <a:prstGeom prst="rect">
+            <a:avLst/>
+          </a:prstGeom>
+          <a:noFill/>
+        </p:spPr>
+        <p:txBody>
+          <a:bodyPr wrap="none" rtlCol="0">
+            <a:spAutoFit/>
+          </a:bodyPr>
+          <a:lstStyle/>
+          <a:p>
+            <a:pPr marL="342900" indent="-342900">
+              <a:buAutoNum type="arabicPeriod"/>
+            </a:pPr>
+            <a:r>
+              <a:rPr lang="en-US" dirty="0" smtClean="0"/>
+              <a:t>Better isolation</a:t>
+            </a:r>
+          </a:p>
+          <a:p>
+            <a:pPr marL="342900" indent="-342900">
+              <a:buAutoNum type="arabicPeriod"/>
+            </a:pPr>
+            <a:r>
+              <a:rPr lang="en-US" dirty="0" smtClean="0"/>
+              <a:t>DNS </a:t>
+            </a:r>
+            <a:endParaRPr lang="en-US" dirty="0"/>
+          </a:p>
+        </p:txBody>
+      </p:sp>
+      <p:cxnSp>
+        <p:nvCxnSpPr>
+          <p:cNvPr id="15" name="Straight Arrow Connector 14"/>
+          <p:cNvCxnSpPr>
+            <a:stCxn id="10" idx="1"/>
+            <a:endCxn id="4" idx="2"/>
+          </p:cNvCxnSpPr>
+          <p:nvPr/>
+        </p:nvCxnSpPr>
+        <p:spPr>
+          <a:xfrm flipH="1" flipV="1">
+            <a:off x="3924300" y="2240697"/>
+            <a:ext cx="190500" cy="879902"/>
+          </a:xfrm>
+          <a:prstGeom prst="straightConnector1">
+            <a:avLst/>
+          </a:prstGeom>
+          <a:ln>
+            <a:tailEnd type="arrow"/>
+          </a:ln>
+        </p:spPr>
+        <p:style>
+          <a:lnRef idx="1">
+            <a:schemeClr val="accent1"/>
+          </a:lnRef>
+          <a:fillRef idx="0">
+            <a:schemeClr val="accent1"/>
+          </a:fillRef>
+          <a:effectRef idx="0">
+            <a:schemeClr val="accent1"/>
+          </a:effectRef>
+          <a:fontRef idx="minor">
+            <a:schemeClr val="tx1"/>
+          </a:fontRef>
+        </p:style>
+      </p:cxnSp>
+      <p:sp>
+        <p:nvSpPr>
+          <p:cNvPr id="16" name="TextBox 15"/>
+          <p:cNvSpPr txBox="1"/>
+          <p:nvPr/>
+        </p:nvSpPr>
+        <p:spPr>
+          <a:xfrm>
+            <a:off x="3886200" y="2552700"/>
+            <a:ext cx="311304" cy="369332"/>
+          </a:xfrm>
+          <a:prstGeom prst="rect">
+            <a:avLst/>
+          </a:prstGeom>
+          <a:noFill/>
+        </p:spPr>
+        <p:txBody>
+          <a:bodyPr wrap="none" rtlCol="0">
+            <a:spAutoFit/>
+          </a:bodyPr>
+          <a:lstStyle/>
+          <a:p>
+            <a:r>
+              <a:rPr lang="en-US" b="1" dirty="0" smtClean="0">
+                <a:solidFill>
+                  <a:srgbClr val="FF0000"/>
+                </a:solidFill>
+              </a:rPr>
+              <a:t>X</a:t>
+            </a:r>
+            <a:endParaRPr lang="en-US" b="1" dirty="0">
+              <a:solidFill>
+                <a:srgbClr val="FF0000"/>
+              </a:solidFill>
+            </a:endParaRPr>
+          </a:p>
+        </p:txBody>
+      </p:sp>
+      <p:sp>
+        <p:nvSpPr>
+          <p:cNvPr id="19" name="TextBox 18"/>
+          <p:cNvSpPr txBox="1"/>
+          <p:nvPr/>
+        </p:nvSpPr>
+        <p:spPr>
+          <a:xfrm>
+            <a:off x="3733800" y="800100"/>
+            <a:ext cx="2453685" cy="307777"/>
+          </a:xfrm>
+          <a:prstGeom prst="rect">
+            <a:avLst/>
+          </a:prstGeom>
+          <a:noFill/>
+        </p:spPr>
+        <p:txBody>
+          <a:bodyPr wrap="none" rtlCol="0">
+            <a:spAutoFit/>
+          </a:bodyPr>
+          <a:lstStyle/>
+          <a:p>
+            <a:r>
+              <a:rPr lang="en-US" sz="1400" dirty="0" smtClean="0"/>
+              <a:t>bridge </a:t>
+            </a:r>
+            <a:r>
+              <a:rPr lang="en-US" sz="1400" dirty="0" smtClean="0"/>
+              <a:t> subnet:"172.17.0.0/16</a:t>
+            </a:r>
+            <a:r>
+              <a:rPr lang="en-US" sz="1400" dirty="0" smtClean="0"/>
+              <a:t>"</a:t>
+            </a:r>
+            <a:endParaRPr lang="en-US" sz="1400" dirty="0"/>
+          </a:p>
+        </p:txBody>
+      </p:sp>
+    </p:spTree>
+  </p:cSld>
+  <p:clrMapOvr>
+    <a:masterClrMapping/>
+  </p:clrMapOvr>
+</p:sld>
+</file>
+
+<file path=ppt/slides/slide11.xml><?xml version="1.0" encoding="utf-8"?>
+<p:sld xmlns:a="http://schemas.openxmlformats.org/drawingml/2006/main" xmlns:r="http://schemas.openxmlformats.org/officeDocument/2006/relationships" xmlns:p="http://schemas.openxmlformats.org/presentationml/2006/main">
+  <p:cSld>
+    <p:spTree>
+      <p:nvGrpSpPr>
+        <p:cNvPr id="1" name=""/>
+        <p:cNvGrpSpPr/>
+        <p:nvPr/>
+      </p:nvGrpSpPr>
+      <p:grpSpPr>
+        <a:xfrm>
+          <a:off x="0" y="0"/>
+          <a:ext cx="0" cy="0"/>
+          <a:chOff x="0" y="0"/>
+          <a:chExt cx="0" cy="0"/>
+        </a:xfrm>
+      </p:grpSpPr>
+      <p:sp>
+        <p:nvSpPr>
+          <p:cNvPr id="2" name="Rectangle 1"/>
+          <p:cNvSpPr/>
+          <p:nvPr/>
+        </p:nvSpPr>
+        <p:spPr>
+          <a:xfrm>
+            <a:off x="2362200" y="266700"/>
+            <a:ext cx="6248400" cy="5067300"/>
+          </a:xfrm>
+          <a:prstGeom prst="rect">
+            <a:avLst/>
+          </a:prstGeom>
+          <a:noFill/>
+        </p:spPr>
+        <p:style>
+          <a:lnRef idx="2">
+            <a:schemeClr val="accent1">
+              <a:shade val="50000"/>
+            </a:schemeClr>
+          </a:lnRef>
+          <a:fillRef idx="1">
+            <a:schemeClr val="accent1"/>
+          </a:fillRef>
+          <a:effectRef idx="0">
+            <a:schemeClr val="accent1"/>
+          </a:effectRef>
+          <a:fontRef idx="minor">
+            <a:schemeClr val="lt1"/>
+          </a:fontRef>
+        </p:style>
+        <p:txBody>
+          <a:bodyPr rtlCol="0" anchor="ctr"/>
+          <a:lstStyle/>
+          <a:p>
+            <a:pPr algn="ctr"/>
+            <a:endParaRPr lang="en-US"/>
+          </a:p>
+        </p:txBody>
+      </p:sp>
+      <p:sp>
+        <p:nvSpPr>
+          <p:cNvPr id="3" name="TextBox 2"/>
+          <p:cNvSpPr txBox="1"/>
+          <p:nvPr/>
+        </p:nvSpPr>
+        <p:spPr>
+          <a:xfrm>
+            <a:off x="2362200" y="266700"/>
+            <a:ext cx="2644752" cy="369332"/>
+          </a:xfrm>
+          <a:prstGeom prst="rect">
+            <a:avLst/>
+          </a:prstGeom>
+          <a:noFill/>
+        </p:spPr>
+        <p:txBody>
+          <a:bodyPr wrap="square" rtlCol="0">
+            <a:spAutoFit/>
+          </a:bodyPr>
+          <a:lstStyle/>
+          <a:p>
+            <a:r>
+              <a:rPr lang="en-US" dirty="0" err="1" smtClean="0"/>
+              <a:t>Minikube</a:t>
+            </a:r>
+            <a:r>
+              <a:rPr lang="en-US" dirty="0" smtClean="0"/>
+              <a:t> 192.168.99.100</a:t>
+            </a:r>
+            <a:endParaRPr lang="en-US" dirty="0"/>
+          </a:p>
+        </p:txBody>
+      </p:sp>
+      <p:sp>
+        <p:nvSpPr>
+          <p:cNvPr id="4" name="TextBox 3"/>
+          <p:cNvSpPr txBox="1"/>
+          <p:nvPr/>
+        </p:nvSpPr>
+        <p:spPr>
+          <a:xfrm>
+            <a:off x="3733800" y="4076700"/>
+            <a:ext cx="1905000" cy="830997"/>
+          </a:xfrm>
+          <a:prstGeom prst="rect">
+            <a:avLst/>
+          </a:prstGeom>
+          <a:noFill/>
+        </p:spPr>
+        <p:txBody>
+          <a:bodyPr wrap="square" rtlCol="0">
+            <a:spAutoFit/>
+          </a:bodyPr>
+          <a:lstStyle/>
+          <a:p>
+            <a:r>
+              <a:rPr lang="en-US" sz="1600" dirty="0" smtClean="0"/>
+              <a:t>w</a:t>
+            </a:r>
+            <a:r>
+              <a:rPr lang="en-US" sz="1600" dirty="0" smtClean="0"/>
+              <a:t>1</a:t>
+            </a:r>
+          </a:p>
+          <a:p>
+            <a:r>
+              <a:rPr lang="en-US" sz="1600" dirty="0" smtClean="0"/>
+              <a:t>172.18.0.2</a:t>
+            </a:r>
+            <a:endParaRPr lang="en-US" sz="1600" dirty="0" smtClean="0"/>
+          </a:p>
+          <a:p>
+            <a:r>
+              <a:rPr lang="en-US" sz="1600" dirty="0" smtClean="0"/>
+              <a:t>ping </a:t>
+            </a:r>
+            <a:r>
+              <a:rPr lang="en-US" sz="1600" dirty="0" smtClean="0"/>
+              <a:t>172.18.0.3</a:t>
+            </a:r>
+            <a:endParaRPr lang="en-US" sz="1600" dirty="0"/>
+          </a:p>
+        </p:txBody>
+      </p:sp>
+      <p:sp>
+        <p:nvSpPr>
+          <p:cNvPr id="5" name="TextBox 4"/>
+          <p:cNvSpPr txBox="1"/>
+          <p:nvPr/>
+        </p:nvSpPr>
+        <p:spPr>
+          <a:xfrm>
+            <a:off x="6172200" y="4152900"/>
+            <a:ext cx="1067921" cy="830997"/>
+          </a:xfrm>
+          <a:prstGeom prst="rect">
+            <a:avLst/>
+          </a:prstGeom>
+          <a:noFill/>
+        </p:spPr>
+        <p:txBody>
+          <a:bodyPr wrap="none" rtlCol="0">
+            <a:spAutoFit/>
+          </a:bodyPr>
+          <a:lstStyle/>
+          <a:p>
+            <a:r>
+              <a:rPr lang="en-US" sz="1600" dirty="0" smtClean="0"/>
+              <a:t>w2</a:t>
+            </a:r>
+          </a:p>
+          <a:p>
+            <a:r>
+              <a:rPr lang="en-US" sz="1600" dirty="0" smtClean="0"/>
+              <a:t>172.18.0.3</a:t>
+            </a:r>
+          </a:p>
+          <a:p>
+            <a:r>
+              <a:rPr lang="en-US" sz="1600" dirty="0" smtClean="0"/>
+              <a:t>172.19.0.3</a:t>
+            </a:r>
+            <a:endParaRPr lang="en-US" sz="1600" dirty="0" smtClean="0"/>
+          </a:p>
+        </p:txBody>
+      </p:sp>
+      <p:sp>
+        <p:nvSpPr>
+          <p:cNvPr id="6" name="TextBox 5"/>
+          <p:cNvSpPr txBox="1"/>
+          <p:nvPr/>
+        </p:nvSpPr>
+        <p:spPr>
+          <a:xfrm>
+            <a:off x="5223875" y="266700"/>
+            <a:ext cx="1176925" cy="369332"/>
+          </a:xfrm>
+          <a:prstGeom prst="rect">
+            <a:avLst/>
+          </a:prstGeom>
+          <a:noFill/>
+        </p:spPr>
+        <p:txBody>
+          <a:bodyPr wrap="none" rtlCol="0">
+            <a:spAutoFit/>
+          </a:bodyPr>
+          <a:lstStyle/>
+          <a:p>
+            <a:r>
+              <a:rPr lang="en-US" dirty="0" smtClean="0"/>
+              <a:t>172.17.0.1</a:t>
+            </a:r>
+            <a:endParaRPr lang="en-US" dirty="0"/>
+          </a:p>
+        </p:txBody>
+      </p:sp>
+      <p:sp>
+        <p:nvSpPr>
+          <p:cNvPr id="7" name="Cloud 6"/>
+          <p:cNvSpPr/>
+          <p:nvPr/>
+        </p:nvSpPr>
+        <p:spPr>
+          <a:xfrm>
+            <a:off x="2590800" y="952500"/>
+            <a:ext cx="4724400" cy="457200"/>
+          </a:xfrm>
+          <a:prstGeom prst="cloud">
+            <a:avLst/>
+          </a:prstGeom>
+          <a:noFill/>
+        </p:spPr>
+        <p:style>
+          <a:lnRef idx="2">
+            <a:schemeClr val="accent1">
+              <a:shade val="50000"/>
+            </a:schemeClr>
+          </a:lnRef>
+          <a:fillRef idx="1">
+            <a:schemeClr val="accent1"/>
+          </a:fillRef>
+          <a:effectRef idx="0">
+            <a:schemeClr val="accent1"/>
+          </a:effectRef>
+          <a:fontRef idx="minor">
+            <a:schemeClr val="lt1"/>
+          </a:fontRef>
+        </p:style>
+        <p:txBody>
+          <a:bodyPr rtlCol="0" anchor="ctr"/>
+          <a:lstStyle/>
+          <a:p>
+            <a:pPr algn="ctr"/>
+            <a:endParaRPr lang="en-US"/>
+          </a:p>
+        </p:txBody>
+      </p:sp>
+      <p:cxnSp>
+        <p:nvCxnSpPr>
+          <p:cNvPr id="8" name="Straight Arrow Connector 7"/>
+          <p:cNvCxnSpPr>
+            <a:endCxn id="5" idx="1"/>
+          </p:cNvCxnSpPr>
+          <p:nvPr/>
+        </p:nvCxnSpPr>
+        <p:spPr>
+          <a:xfrm>
+            <a:off x="4876800" y="4381500"/>
+            <a:ext cx="1295400" cy="186899"/>
+          </a:xfrm>
+          <a:prstGeom prst="straightConnector1">
+            <a:avLst/>
+          </a:prstGeom>
+          <a:ln>
+            <a:tailEnd type="arrow"/>
+          </a:ln>
+        </p:spPr>
+        <p:style>
+          <a:lnRef idx="1">
+            <a:schemeClr val="accent1"/>
+          </a:lnRef>
+          <a:fillRef idx="0">
+            <a:schemeClr val="accent1"/>
+          </a:fillRef>
+          <a:effectRef idx="0">
+            <a:schemeClr val="accent1"/>
+          </a:effectRef>
+          <a:fontRef idx="minor">
+            <a:schemeClr val="tx1"/>
+          </a:fontRef>
+        </p:style>
+      </p:cxnSp>
+      <p:sp>
+        <p:nvSpPr>
+          <p:cNvPr id="9" name="TextBox 8"/>
+          <p:cNvSpPr txBox="1"/>
+          <p:nvPr/>
+        </p:nvSpPr>
+        <p:spPr>
+          <a:xfrm>
+            <a:off x="6019800" y="2400300"/>
+            <a:ext cx="1066800" cy="584775"/>
+          </a:xfrm>
+          <a:prstGeom prst="rect">
+            <a:avLst/>
+          </a:prstGeom>
+          <a:noFill/>
+        </p:spPr>
+        <p:txBody>
+          <a:bodyPr wrap="square" rtlCol="0">
+            <a:spAutoFit/>
+          </a:bodyPr>
+          <a:lstStyle/>
+          <a:p>
+            <a:r>
+              <a:rPr lang="en-US" sz="1600" dirty="0" smtClean="0"/>
+              <a:t>w3</a:t>
+            </a:r>
+          </a:p>
+          <a:p>
+            <a:r>
+              <a:rPr lang="en-US" sz="1600" dirty="0" smtClean="0"/>
+              <a:t>172.19.0.2</a:t>
+            </a:r>
+          </a:p>
+        </p:txBody>
+      </p:sp>
+      <p:sp>
+        <p:nvSpPr>
+          <p:cNvPr id="13" name="TextBox 12"/>
+          <p:cNvSpPr txBox="1"/>
+          <p:nvPr/>
+        </p:nvSpPr>
+        <p:spPr>
+          <a:xfrm>
+            <a:off x="3733800" y="800100"/>
+            <a:ext cx="2453685" cy="307777"/>
+          </a:xfrm>
+          <a:prstGeom prst="rect">
+            <a:avLst/>
+          </a:prstGeom>
+          <a:noFill/>
+        </p:spPr>
+        <p:txBody>
+          <a:bodyPr wrap="none" rtlCol="0">
+            <a:spAutoFit/>
+          </a:bodyPr>
+          <a:lstStyle/>
+          <a:p>
+            <a:r>
+              <a:rPr lang="en-US" sz="1400" dirty="0" smtClean="0"/>
+              <a:t>bridge </a:t>
+            </a:r>
+            <a:r>
+              <a:rPr lang="en-US" sz="1400" dirty="0" smtClean="0"/>
+              <a:t> subnet:"172.17.0.0/16</a:t>
+            </a:r>
+            <a:r>
+              <a:rPr lang="en-US" sz="1400" dirty="0" smtClean="0"/>
+              <a:t>"</a:t>
+            </a:r>
+            <a:endParaRPr lang="en-US" sz="1400" dirty="0"/>
+          </a:p>
+        </p:txBody>
+      </p:sp>
+      <p:sp>
+        <p:nvSpPr>
+          <p:cNvPr id="14" name="Cloud 13"/>
+          <p:cNvSpPr/>
+          <p:nvPr/>
+        </p:nvSpPr>
+        <p:spPr>
+          <a:xfrm>
+            <a:off x="3276600" y="3848100"/>
+            <a:ext cx="4724400" cy="1295400"/>
+          </a:xfrm>
+          <a:prstGeom prst="cloud">
+            <a:avLst/>
+          </a:prstGeom>
+          <a:noFill/>
+        </p:spPr>
+        <p:style>
+          <a:lnRef idx="2">
+            <a:schemeClr val="accent1">
+              <a:shade val="50000"/>
+            </a:schemeClr>
+          </a:lnRef>
+          <a:fillRef idx="1">
+            <a:schemeClr val="accent1"/>
+          </a:fillRef>
+          <a:effectRef idx="0">
+            <a:schemeClr val="accent1"/>
+          </a:effectRef>
+          <a:fontRef idx="minor">
+            <a:schemeClr val="lt1"/>
+          </a:fontRef>
+        </p:style>
+        <p:txBody>
+          <a:bodyPr rtlCol="0" anchor="ctr"/>
+          <a:lstStyle/>
+          <a:p>
+            <a:pPr algn="ctr"/>
+            <a:endParaRPr lang="en-US"/>
+          </a:p>
+        </p:txBody>
+      </p:sp>
+      <p:sp>
+        <p:nvSpPr>
+          <p:cNvPr id="15" name="TextBox 14"/>
+          <p:cNvSpPr txBox="1"/>
+          <p:nvPr/>
+        </p:nvSpPr>
+        <p:spPr>
+          <a:xfrm>
+            <a:off x="4114800" y="3771900"/>
+            <a:ext cx="2811667" cy="307777"/>
+          </a:xfrm>
+          <a:prstGeom prst="rect">
+            <a:avLst/>
+          </a:prstGeom>
+          <a:noFill/>
+        </p:spPr>
+        <p:txBody>
+          <a:bodyPr wrap="none" rtlCol="0">
+            <a:spAutoFit/>
+          </a:bodyPr>
+          <a:lstStyle/>
+          <a:p>
+            <a:r>
+              <a:rPr lang="en-US" sz="1400" dirty="0" smtClean="0"/>
+              <a:t>w1-w2-net  subnet:"172.18.0.0/16</a:t>
+            </a:r>
+            <a:r>
+              <a:rPr lang="en-US" sz="1400" dirty="0" smtClean="0"/>
+              <a:t>"</a:t>
+            </a:r>
+            <a:endParaRPr lang="en-US" sz="1400" dirty="0"/>
+          </a:p>
+        </p:txBody>
+      </p:sp>
+      <p:sp>
+        <p:nvSpPr>
+          <p:cNvPr id="21" name="Cloud 20"/>
+          <p:cNvSpPr/>
+          <p:nvPr/>
+        </p:nvSpPr>
+        <p:spPr>
+          <a:xfrm rot="5400000">
+            <a:off x="4629150" y="2876550"/>
+            <a:ext cx="4000500" cy="1676400"/>
+          </a:xfrm>
+          <a:prstGeom prst="cloud">
+            <a:avLst/>
+          </a:prstGeom>
+          <a:noFill/>
+        </p:spPr>
+        <p:style>
+          <a:lnRef idx="2">
+            <a:schemeClr val="accent1">
+              <a:shade val="50000"/>
+            </a:schemeClr>
+          </a:lnRef>
+          <a:fillRef idx="1">
+            <a:schemeClr val="accent1"/>
+          </a:fillRef>
+          <a:effectRef idx="0">
+            <a:schemeClr val="accent1"/>
+          </a:effectRef>
+          <a:fontRef idx="minor">
+            <a:schemeClr val="lt1"/>
+          </a:fontRef>
+        </p:style>
+        <p:txBody>
+          <a:bodyPr rtlCol="0" anchor="ctr"/>
+          <a:lstStyle/>
+          <a:p>
+            <a:pPr algn="ctr"/>
+            <a:endParaRPr lang="en-US"/>
+          </a:p>
+        </p:txBody>
+      </p:sp>
+      <p:sp>
+        <p:nvSpPr>
+          <p:cNvPr id="22" name="TextBox 21"/>
+          <p:cNvSpPr txBox="1"/>
+          <p:nvPr/>
+        </p:nvSpPr>
+        <p:spPr>
+          <a:xfrm>
+            <a:off x="4191000" y="2171700"/>
+            <a:ext cx="2779607" cy="307777"/>
+          </a:xfrm>
+          <a:prstGeom prst="rect">
+            <a:avLst/>
+          </a:prstGeom>
+          <a:noFill/>
+        </p:spPr>
+        <p:txBody>
+          <a:bodyPr wrap="none" rtlCol="0">
+            <a:spAutoFit/>
+          </a:bodyPr>
+          <a:lstStyle/>
+          <a:p>
+            <a:r>
+              <a:rPr lang="en-US" sz="1400" dirty="0" smtClean="0"/>
+              <a:t>w2-w3-net  subnet:"172.19.0.0/16</a:t>
+            </a:r>
+            <a:r>
+              <a:rPr lang="en-US" sz="1400" dirty="0" smtClean="0"/>
+              <a:t>"</a:t>
+            </a:r>
+            <a:endParaRPr lang="en-US" sz="1400" dirty="0"/>
+          </a:p>
+        </p:txBody>
+      </p:sp>
+      <p:cxnSp>
+        <p:nvCxnSpPr>
+          <p:cNvPr id="24" name="Straight Arrow Connector 23"/>
+          <p:cNvCxnSpPr>
+            <a:stCxn id="9" idx="2"/>
+          </p:cNvCxnSpPr>
+          <p:nvPr/>
+        </p:nvCxnSpPr>
+        <p:spPr>
+          <a:xfrm>
+            <a:off x="6553200" y="2985075"/>
+            <a:ext cx="152400" cy="1320225"/>
+          </a:xfrm>
+          <a:prstGeom prst="straightConnector1">
+            <a:avLst/>
+          </a:prstGeom>
+          <a:ln>
+            <a:tailEnd type="arrow"/>
+          </a:ln>
+        </p:spPr>
+        <p:style>
+          <a:lnRef idx="1">
+            <a:schemeClr val="accent1"/>
+          </a:lnRef>
+          <a:fillRef idx="0">
+            <a:schemeClr val="accent1"/>
+          </a:fillRef>
+          <a:effectRef idx="0">
+            <a:schemeClr val="accent1"/>
+          </a:effectRef>
+          <a:fontRef idx="minor">
+            <a:schemeClr val="tx1"/>
+          </a:fontRef>
+        </p:style>
+      </p:cxnSp>
+      <p:cxnSp>
+        <p:nvCxnSpPr>
+          <p:cNvPr id="26" name="Straight Arrow Connector 25"/>
+          <p:cNvCxnSpPr/>
+          <p:nvPr/>
+        </p:nvCxnSpPr>
+        <p:spPr>
+          <a:xfrm flipV="1">
+            <a:off x="3886200" y="2552700"/>
+            <a:ext cx="2209800" cy="1600200"/>
+          </a:xfrm>
+          <a:prstGeom prst="straightConnector1">
+            <a:avLst/>
+          </a:prstGeom>
+          <a:ln>
+            <a:tailEnd type="arrow"/>
+          </a:ln>
+        </p:spPr>
+        <p:style>
+          <a:lnRef idx="1">
+            <a:schemeClr val="accent1"/>
+          </a:lnRef>
+          <a:fillRef idx="0">
+            <a:schemeClr val="accent1"/>
+          </a:fillRef>
+          <a:effectRef idx="0">
+            <a:schemeClr val="accent1"/>
+          </a:effectRef>
+          <a:fontRef idx="minor">
+            <a:schemeClr val="tx1"/>
+          </a:fontRef>
+        </p:style>
+      </p:cxnSp>
+      <p:sp>
+        <p:nvSpPr>
+          <p:cNvPr id="27" name="TextBox 26"/>
+          <p:cNvSpPr txBox="1"/>
+          <p:nvPr/>
+        </p:nvSpPr>
+        <p:spPr>
+          <a:xfrm>
+            <a:off x="5105400" y="2945368"/>
+            <a:ext cx="311304" cy="369332"/>
+          </a:xfrm>
+          <a:prstGeom prst="rect">
+            <a:avLst/>
+          </a:prstGeom>
+          <a:noFill/>
+        </p:spPr>
+        <p:txBody>
+          <a:bodyPr wrap="none" rtlCol="0">
+            <a:spAutoFit/>
+          </a:bodyPr>
+          <a:lstStyle/>
+          <a:p>
+            <a:r>
+              <a:rPr lang="en-US" b="1" dirty="0" smtClean="0">
+                <a:solidFill>
+                  <a:srgbClr val="FF0000"/>
+                </a:solidFill>
+              </a:rPr>
+              <a:t>X</a:t>
+            </a:r>
+            <a:endParaRPr lang="en-US" b="1" dirty="0">
+              <a:solidFill>
+                <a:srgbClr val="FF0000"/>
+              </a:solidFill>
+            </a:endParaRPr>
+          </a:p>
+        </p:txBody>
+      </p:sp>
+      <p:sp>
+        <p:nvSpPr>
+          <p:cNvPr id="28" name="TextBox 27"/>
+          <p:cNvSpPr txBox="1"/>
+          <p:nvPr/>
+        </p:nvSpPr>
+        <p:spPr>
+          <a:xfrm>
+            <a:off x="228601" y="571500"/>
+            <a:ext cx="2133600" cy="2585323"/>
+          </a:xfrm>
+          <a:prstGeom prst="rect">
+            <a:avLst/>
+          </a:prstGeom>
+          <a:noFill/>
+        </p:spPr>
+        <p:txBody>
+          <a:bodyPr wrap="square" rtlCol="0">
+            <a:spAutoFit/>
+          </a:bodyPr>
+          <a:lstStyle/>
+          <a:p>
+            <a:pPr marL="342900" indent="-342900">
+              <a:buAutoNum type="arabicPeriod"/>
+            </a:pPr>
+            <a:r>
+              <a:rPr lang="en-US" dirty="0" smtClean="0"/>
+              <a:t>Better network isolation – solved</a:t>
+            </a:r>
+          </a:p>
+          <a:p>
+            <a:pPr marL="342900" indent="-342900">
+              <a:buAutoNum type="arabicPeriod"/>
+            </a:pPr>
+            <a:r>
+              <a:rPr lang="en-US" dirty="0" smtClean="0"/>
+              <a:t>Name resolution is also provided by user created network</a:t>
+            </a:r>
+          </a:p>
+          <a:p>
+            <a:pPr marL="342900" indent="-342900">
+              <a:buAutoNum type="arabicPeriod"/>
+            </a:pPr>
+            <a:endParaRPr lang="en-US" dirty="0" smtClean="0"/>
+          </a:p>
+          <a:p>
+            <a:pPr marL="342900" indent="-342900">
+              <a:buAutoNum type="arabicPeriod"/>
+            </a:pPr>
+            <a:endParaRPr lang="en-US" dirty="0"/>
+          </a:p>
+        </p:txBody>
+      </p:sp>
+    </p:spTree>
+  </p:cSld>
+  <p:clrMapOvr>
+    <a:masterClrMapping/>
+  </p:clrMapOvr>
+</p:sld>
+</file>
+
+<file path=ppt/slides/slide12.xml><?xml version="1.0" encoding="utf-8"?>
+<p:sld xmlns:a="http://schemas.openxmlformats.org/drawingml/2006/main" xmlns:r="http://schemas.openxmlformats.org/officeDocument/2006/relationships" xmlns:p="http://schemas.openxmlformats.org/presentationml/2006/main">
+  <p:cSld>
+    <p:spTree>
+      <p:nvGrpSpPr>
+        <p:cNvPr id="1" name=""/>
+        <p:cNvGrpSpPr/>
+        <p:nvPr/>
+      </p:nvGrpSpPr>
+      <p:grpSpPr>
+        <a:xfrm>
+          <a:off x="0" y="0"/>
+          <a:ext cx="0" cy="0"/>
+          <a:chOff x="0" y="0"/>
+          <a:chExt cx="0" cy="0"/>
+        </a:xfrm>
+      </p:grpSpPr>
+      <p:sp>
+        <p:nvSpPr>
+          <p:cNvPr id="2" name="Rectangle 1"/>
+          <p:cNvSpPr/>
+          <p:nvPr/>
+        </p:nvSpPr>
+        <p:spPr>
+          <a:xfrm>
+            <a:off x="2362200" y="266700"/>
+            <a:ext cx="4876800" cy="5067300"/>
+          </a:xfrm>
+          <a:prstGeom prst="rect">
+            <a:avLst/>
+          </a:prstGeom>
+          <a:noFill/>
+        </p:spPr>
+        <p:style>
+          <a:lnRef idx="2">
+            <a:schemeClr val="accent1">
+              <a:shade val="50000"/>
+            </a:schemeClr>
+          </a:lnRef>
+          <a:fillRef idx="1">
+            <a:schemeClr val="accent1"/>
+          </a:fillRef>
+          <a:effectRef idx="0">
+            <a:schemeClr val="accent1"/>
+          </a:effectRef>
+          <a:fontRef idx="minor">
+            <a:schemeClr val="lt1"/>
+          </a:fontRef>
+        </p:style>
+        <p:txBody>
+          <a:bodyPr rtlCol="0" anchor="ctr"/>
+          <a:lstStyle/>
+          <a:p>
+            <a:pPr algn="ctr"/>
+            <a:endParaRPr lang="en-US"/>
+          </a:p>
+        </p:txBody>
+      </p:sp>
+      <p:sp>
+        <p:nvSpPr>
+          <p:cNvPr id="3" name="TextBox 2"/>
+          <p:cNvSpPr txBox="1"/>
+          <p:nvPr/>
+        </p:nvSpPr>
+        <p:spPr>
+          <a:xfrm>
+            <a:off x="2362200" y="266700"/>
+            <a:ext cx="2644752" cy="369332"/>
+          </a:xfrm>
+          <a:prstGeom prst="rect">
+            <a:avLst/>
+          </a:prstGeom>
+          <a:noFill/>
+        </p:spPr>
+        <p:txBody>
+          <a:bodyPr wrap="square" rtlCol="0">
+            <a:spAutoFit/>
+          </a:bodyPr>
+          <a:lstStyle/>
+          <a:p>
+            <a:r>
+              <a:rPr lang="en-US" dirty="0" err="1" smtClean="0"/>
+              <a:t>Minikube</a:t>
+            </a:r>
+            <a:r>
+              <a:rPr lang="en-US" dirty="0" smtClean="0"/>
+              <a:t> 192.168.99.100</a:t>
+            </a:r>
+            <a:endParaRPr lang="en-US" dirty="0"/>
+          </a:p>
+        </p:txBody>
+      </p:sp>
+      <p:sp>
+        <p:nvSpPr>
+          <p:cNvPr id="4" name="Oval 3"/>
+          <p:cNvSpPr/>
+          <p:nvPr/>
+        </p:nvSpPr>
+        <p:spPr>
+          <a:xfrm>
+            <a:off x="2971800" y="1638300"/>
+            <a:ext cx="2209800" cy="1828800"/>
+          </a:xfrm>
+          <a:prstGeom prst="ellipse">
+            <a:avLst/>
+          </a:prstGeom>
+        </p:spPr>
+        <p:style>
+          <a:lnRef idx="2">
+            <a:schemeClr val="accent1">
+              <a:shade val="50000"/>
+            </a:schemeClr>
+          </a:lnRef>
+          <a:fillRef idx="1">
+            <a:schemeClr val="accent1"/>
+          </a:fillRef>
+          <a:effectRef idx="0">
+            <a:schemeClr val="accent1"/>
+          </a:effectRef>
+          <a:fontRef idx="minor">
+            <a:schemeClr val="lt1"/>
+          </a:fontRef>
+        </p:style>
+        <p:txBody>
+          <a:bodyPr rtlCol="0" anchor="ctr"/>
+          <a:lstStyle/>
+          <a:p>
+            <a:pPr algn="ctr"/>
+            <a:r>
+              <a:rPr lang="en-US" dirty="0" smtClean="0"/>
+              <a:t>Ghost:1-alpine</a:t>
+            </a:r>
+          </a:p>
+          <a:p>
+            <a:pPr algn="ctr"/>
+            <a:r>
+              <a:rPr lang="en-US" dirty="0" smtClean="0"/>
+              <a:t>Host: db</a:t>
+            </a:r>
+          </a:p>
+          <a:p>
+            <a:pPr algn="ctr"/>
+            <a:r>
+              <a:rPr lang="en-US" dirty="0" smtClean="0"/>
+              <a:t>8989 </a:t>
+            </a:r>
+            <a:endParaRPr lang="en-US" dirty="0"/>
+          </a:p>
+        </p:txBody>
+      </p:sp>
+      <p:sp>
+        <p:nvSpPr>
+          <p:cNvPr id="5" name="TextBox 4"/>
+          <p:cNvSpPr txBox="1"/>
+          <p:nvPr/>
+        </p:nvSpPr>
+        <p:spPr>
+          <a:xfrm>
+            <a:off x="3505200" y="3543300"/>
+            <a:ext cx="1293944" cy="369332"/>
+          </a:xfrm>
+          <a:prstGeom prst="rect">
+            <a:avLst/>
+          </a:prstGeom>
+          <a:noFill/>
+        </p:spPr>
+        <p:txBody>
+          <a:bodyPr wrap="none" rtlCol="0">
+            <a:spAutoFit/>
+          </a:bodyPr>
+          <a:lstStyle/>
+          <a:p>
+            <a:r>
+              <a:rPr lang="en-US" dirty="0" smtClean="0"/>
+              <a:t>172.19.0.24</a:t>
+            </a:r>
+            <a:endParaRPr lang="en-US" dirty="0"/>
+          </a:p>
+        </p:txBody>
+      </p:sp>
+      <p:sp>
+        <p:nvSpPr>
+          <p:cNvPr id="6" name="Oval 5"/>
+          <p:cNvSpPr/>
+          <p:nvPr/>
+        </p:nvSpPr>
+        <p:spPr>
+          <a:xfrm>
+            <a:off x="5638800" y="1485900"/>
+            <a:ext cx="1295400" cy="2209800"/>
+          </a:xfrm>
+          <a:prstGeom prst="ellipse">
+            <a:avLst/>
+          </a:prstGeom>
+        </p:spPr>
+        <p:style>
+          <a:lnRef idx="2">
+            <a:schemeClr val="accent1">
+              <a:shade val="50000"/>
+            </a:schemeClr>
+          </a:lnRef>
+          <a:fillRef idx="1">
+            <a:schemeClr val="accent1"/>
+          </a:fillRef>
+          <a:effectRef idx="0">
+            <a:schemeClr val="accent1"/>
+          </a:effectRef>
+          <a:fontRef idx="minor">
+            <a:schemeClr val="lt1"/>
+          </a:fontRef>
+        </p:style>
+        <p:txBody>
+          <a:bodyPr rtlCol="0" anchor="ctr"/>
+          <a:lstStyle/>
+          <a:p>
+            <a:pPr algn="ctr"/>
+            <a:r>
+              <a:rPr lang="en-US" dirty="0" smtClean="0"/>
+              <a:t>Mysql:5.7</a:t>
+            </a:r>
+          </a:p>
+          <a:p>
+            <a:pPr algn="ctr"/>
+            <a:r>
+              <a:rPr lang="en-US" dirty="0" smtClean="0"/>
+              <a:t>3306</a:t>
+            </a:r>
+            <a:endParaRPr lang="en-US" dirty="0"/>
+          </a:p>
+        </p:txBody>
+      </p:sp>
+      <p:sp>
+        <p:nvSpPr>
+          <p:cNvPr id="7" name="TextBox 6"/>
+          <p:cNvSpPr txBox="1"/>
+          <p:nvPr/>
+        </p:nvSpPr>
+        <p:spPr>
+          <a:xfrm>
+            <a:off x="5715000" y="3619500"/>
+            <a:ext cx="1293944" cy="369332"/>
+          </a:xfrm>
+          <a:prstGeom prst="rect">
+            <a:avLst/>
+          </a:prstGeom>
+          <a:noFill/>
+        </p:spPr>
+        <p:txBody>
+          <a:bodyPr wrap="none" rtlCol="0">
+            <a:spAutoFit/>
+          </a:bodyPr>
+          <a:lstStyle/>
+          <a:p>
+            <a:r>
+              <a:rPr lang="en-US" dirty="0" smtClean="0"/>
+              <a:t>172.19.0.25</a:t>
+            </a:r>
+            <a:endParaRPr lang="en-US" dirty="0"/>
+          </a:p>
+        </p:txBody>
+      </p:sp>
+      <p:sp>
+        <p:nvSpPr>
+          <p:cNvPr id="8" name="Cloud 7"/>
+          <p:cNvSpPr/>
+          <p:nvPr/>
+        </p:nvSpPr>
+        <p:spPr>
+          <a:xfrm>
+            <a:off x="2438400" y="1181100"/>
+            <a:ext cx="4724400" cy="3352800"/>
+          </a:xfrm>
+          <a:prstGeom prst="cloud">
+            <a:avLst/>
+          </a:prstGeom>
+          <a:noFill/>
+        </p:spPr>
+        <p:style>
+          <a:lnRef idx="2">
+            <a:schemeClr val="accent1">
+              <a:shade val="50000"/>
+            </a:schemeClr>
+          </a:lnRef>
+          <a:fillRef idx="1">
+            <a:schemeClr val="accent1"/>
+          </a:fillRef>
+          <a:effectRef idx="0">
+            <a:schemeClr val="accent1"/>
+          </a:effectRef>
+          <a:fontRef idx="minor">
+            <a:schemeClr val="lt1"/>
+          </a:fontRef>
+        </p:style>
+        <p:txBody>
+          <a:bodyPr rtlCol="0" anchor="ctr"/>
+          <a:lstStyle/>
+          <a:p>
+            <a:pPr algn="ctr"/>
+            <a:endParaRPr lang="en-US"/>
+          </a:p>
+        </p:txBody>
+      </p:sp>
+      <p:sp>
+        <p:nvSpPr>
+          <p:cNvPr id="9" name="TextBox 8"/>
+          <p:cNvSpPr txBox="1"/>
+          <p:nvPr/>
+        </p:nvSpPr>
+        <p:spPr>
+          <a:xfrm>
+            <a:off x="3733800" y="3848100"/>
+            <a:ext cx="701474" cy="369332"/>
+          </a:xfrm>
+          <a:prstGeom prst="rect">
+            <a:avLst/>
+          </a:prstGeom>
+          <a:noFill/>
+        </p:spPr>
+        <p:txBody>
+          <a:bodyPr wrap="none" rtlCol="0">
+            <a:spAutoFit/>
+          </a:bodyPr>
+          <a:lstStyle/>
+          <a:p>
+            <a:r>
+              <a:rPr lang="en-US" dirty="0" smtClean="0"/>
+              <a:t>ghost</a:t>
+            </a:r>
+            <a:endParaRPr lang="en-US" dirty="0"/>
+          </a:p>
+        </p:txBody>
+      </p:sp>
+      <p:sp>
+        <p:nvSpPr>
+          <p:cNvPr id="10" name="TextBox 9"/>
+          <p:cNvSpPr txBox="1"/>
+          <p:nvPr/>
+        </p:nvSpPr>
+        <p:spPr>
+          <a:xfrm>
+            <a:off x="6048678" y="3848100"/>
+            <a:ext cx="428322" cy="369332"/>
+          </a:xfrm>
+          <a:prstGeom prst="rect">
+            <a:avLst/>
+          </a:prstGeom>
+          <a:noFill/>
+        </p:spPr>
+        <p:txBody>
+          <a:bodyPr wrap="none" rtlCol="0">
+            <a:spAutoFit/>
+          </a:bodyPr>
+          <a:lstStyle/>
+          <a:p>
+            <a:r>
+              <a:rPr lang="en-US" dirty="0" smtClean="0"/>
+              <a:t>db</a:t>
+            </a:r>
+            <a:endParaRPr lang="en-US" dirty="0"/>
+          </a:p>
+        </p:txBody>
+      </p:sp>
+      <p:cxnSp>
+        <p:nvCxnSpPr>
+          <p:cNvPr id="12" name="Straight Arrow Connector 11"/>
+          <p:cNvCxnSpPr>
+            <a:stCxn id="4" idx="6"/>
+            <a:endCxn id="6" idx="2"/>
+          </p:cNvCxnSpPr>
+          <p:nvPr/>
+        </p:nvCxnSpPr>
+        <p:spPr>
+          <a:xfrm>
+            <a:off x="5181600" y="2552700"/>
+            <a:ext cx="457200" cy="38100"/>
+          </a:xfrm>
+          <a:prstGeom prst="straightConnector1">
+            <a:avLst/>
+          </a:prstGeom>
+          <a:ln>
+            <a:tailEnd type="arrow"/>
+          </a:ln>
+        </p:spPr>
+        <p:style>
+          <a:lnRef idx="1">
+            <a:schemeClr val="accent1"/>
+          </a:lnRef>
+          <a:fillRef idx="0">
+            <a:schemeClr val="accent1"/>
+          </a:fillRef>
+          <a:effectRef idx="0">
+            <a:schemeClr val="accent1"/>
+          </a:effectRef>
+          <a:fontRef idx="minor">
+            <a:schemeClr val="tx1"/>
+          </a:fontRef>
+        </p:style>
+      </p:cxnSp>
+      <p:sp>
+        <p:nvSpPr>
+          <p:cNvPr id="13" name="Rectangle 12"/>
+          <p:cNvSpPr/>
+          <p:nvPr/>
+        </p:nvSpPr>
+        <p:spPr>
+          <a:xfrm>
+            <a:off x="152400" y="3238500"/>
+            <a:ext cx="1981200" cy="1371600"/>
+          </a:xfrm>
+          <a:prstGeom prst="rect">
+            <a:avLst/>
+          </a:prstGeom>
+          <a:noFill/>
+        </p:spPr>
+        <p:style>
+          <a:lnRef idx="2">
+            <a:schemeClr val="accent1">
+              <a:shade val="50000"/>
+            </a:schemeClr>
+          </a:lnRef>
+          <a:fillRef idx="1">
+            <a:schemeClr val="accent1"/>
+          </a:fillRef>
+          <a:effectRef idx="0">
+            <a:schemeClr val="accent1"/>
+          </a:effectRef>
+          <a:fontRef idx="minor">
+            <a:schemeClr val="lt1"/>
+          </a:fontRef>
+        </p:style>
+        <p:txBody>
+          <a:bodyPr rtlCol="0" anchor="ctr"/>
+          <a:lstStyle/>
+          <a:p>
+            <a:pPr algn="ctr"/>
+            <a:endParaRPr lang="en-US"/>
+          </a:p>
+        </p:txBody>
+      </p:sp>
+      <p:sp>
+        <p:nvSpPr>
+          <p:cNvPr id="14" name="Rectangle 13"/>
+          <p:cNvSpPr/>
+          <p:nvPr/>
+        </p:nvSpPr>
+        <p:spPr>
+          <a:xfrm>
+            <a:off x="152400" y="3314700"/>
+            <a:ext cx="1905000" cy="228600"/>
+          </a:xfrm>
+          <a:prstGeom prst="rect">
+            <a:avLst/>
+          </a:prstGeom>
+        </p:spPr>
+        <p:style>
+          <a:lnRef idx="2">
+            <a:schemeClr val="accent1">
+              <a:shade val="50000"/>
+            </a:schemeClr>
+          </a:lnRef>
+          <a:fillRef idx="1">
+            <a:schemeClr val="accent1"/>
+          </a:fillRef>
+          <a:effectRef idx="0">
+            <a:schemeClr val="accent1"/>
+          </a:effectRef>
+          <a:fontRef idx="minor">
+            <a:schemeClr val="lt1"/>
+          </a:fontRef>
+        </p:style>
+        <p:txBody>
+          <a:bodyPr rtlCol="0" anchor="ctr"/>
+          <a:lstStyle/>
+          <a:p>
+            <a:pPr algn="ctr"/>
+            <a:endParaRPr lang="en-US"/>
+          </a:p>
+        </p:txBody>
+      </p:sp>
+      <p:sp>
+        <p:nvSpPr>
+          <p:cNvPr id="15" name="TextBox 14"/>
+          <p:cNvSpPr txBox="1"/>
+          <p:nvPr/>
+        </p:nvSpPr>
+        <p:spPr>
+          <a:xfrm>
+            <a:off x="1828800" y="1333500"/>
+            <a:ext cx="1183337" cy="369332"/>
+          </a:xfrm>
+          <a:prstGeom prst="rect">
+            <a:avLst/>
+          </a:prstGeom>
+          <a:noFill/>
+        </p:spPr>
+        <p:txBody>
+          <a:bodyPr wrap="none" rtlCol="0">
+            <a:spAutoFit/>
+          </a:bodyPr>
+          <a:lstStyle/>
+          <a:p>
+            <a:r>
+              <a:rPr lang="en-US" dirty="0" smtClean="0"/>
+              <a:t>9090:8989</a:t>
+            </a:r>
+            <a:endParaRPr lang="en-US" dirty="0"/>
+          </a:p>
+        </p:txBody>
+      </p:sp>
+      <p:cxnSp>
+        <p:nvCxnSpPr>
+          <p:cNvPr id="17" name="Straight Arrow Connector 16"/>
+          <p:cNvCxnSpPr>
+            <a:endCxn id="15" idx="1"/>
+          </p:cNvCxnSpPr>
+          <p:nvPr/>
+        </p:nvCxnSpPr>
+        <p:spPr>
+          <a:xfrm flipV="1">
+            <a:off x="990600" y="1518166"/>
+            <a:ext cx="838200" cy="1644134"/>
+          </a:xfrm>
+          <a:prstGeom prst="straightConnector1">
+            <a:avLst/>
+          </a:prstGeom>
+          <a:ln>
+            <a:tailEnd type="arrow"/>
+          </a:ln>
+        </p:spPr>
+        <p:style>
+          <a:lnRef idx="1">
+            <a:schemeClr val="accent1"/>
+          </a:lnRef>
+          <a:fillRef idx="0">
+            <a:schemeClr val="accent1"/>
+          </a:fillRef>
+          <a:effectRef idx="0">
+            <a:schemeClr val="accent1"/>
+          </a:effectRef>
+          <a:fontRef idx="minor">
+            <a:schemeClr val="tx1"/>
+          </a:fontRef>
+        </p:style>
+      </p:cxnSp>
+      <p:cxnSp>
+        <p:nvCxnSpPr>
+          <p:cNvPr id="19" name="Straight Arrow Connector 18"/>
+          <p:cNvCxnSpPr>
+            <a:stCxn id="15" idx="3"/>
+            <a:endCxn id="23" idx="1"/>
+          </p:cNvCxnSpPr>
+          <p:nvPr/>
+        </p:nvCxnSpPr>
+        <p:spPr>
+          <a:xfrm flipH="1">
+            <a:off x="2473792" y="1518166"/>
+            <a:ext cx="538345" cy="2049367"/>
+          </a:xfrm>
+          <a:prstGeom prst="straightConnector1">
+            <a:avLst/>
+          </a:prstGeom>
+          <a:ln>
+            <a:tailEnd type="arrow"/>
+          </a:ln>
+        </p:spPr>
+        <p:style>
+          <a:lnRef idx="1">
+            <a:schemeClr val="accent1"/>
+          </a:lnRef>
+          <a:fillRef idx="0">
+            <a:schemeClr val="accent1"/>
+          </a:fillRef>
+          <a:effectRef idx="0">
+            <a:schemeClr val="accent1"/>
+          </a:effectRef>
+          <a:fontRef idx="minor">
+            <a:schemeClr val="tx1"/>
+          </a:fontRef>
+        </p:style>
+      </p:cxnSp>
+      <p:sp>
+        <p:nvSpPr>
+          <p:cNvPr id="20" name="TextBox 19"/>
+          <p:cNvSpPr txBox="1"/>
+          <p:nvPr/>
+        </p:nvSpPr>
+        <p:spPr>
+          <a:xfrm>
+            <a:off x="-2061302" y="495300"/>
+            <a:ext cx="4193136" cy="2308324"/>
+          </a:xfrm>
+          <a:prstGeom prst="rect">
+            <a:avLst/>
+          </a:prstGeom>
+          <a:noFill/>
+        </p:spPr>
+        <p:txBody>
+          <a:bodyPr wrap="none" rtlCol="0">
+            <a:spAutoFit/>
+          </a:bodyPr>
+          <a:lstStyle/>
+          <a:p>
+            <a:pPr marL="342900" indent="-342900">
+              <a:buAutoNum type="arabicPeriod"/>
+            </a:pPr>
+            <a:r>
+              <a:rPr lang="en-US" dirty="0" smtClean="0"/>
+              <a:t>Multiple hosts</a:t>
+            </a:r>
+          </a:p>
+          <a:p>
+            <a:pPr marL="342900" indent="-342900">
+              <a:buAutoNum type="arabicPeriod"/>
+            </a:pPr>
+            <a:r>
+              <a:rPr lang="en-US" dirty="0" smtClean="0"/>
+              <a:t>Container management</a:t>
+            </a:r>
+          </a:p>
+          <a:p>
+            <a:pPr marL="342900" indent="-342900">
+              <a:buAutoNum type="arabicPeriod"/>
+            </a:pPr>
+            <a:r>
+              <a:rPr lang="en-US" dirty="0" smtClean="0"/>
+              <a:t>Container placement</a:t>
+            </a:r>
+          </a:p>
+          <a:p>
+            <a:pPr marL="342900" indent="-342900">
+              <a:buAutoNum type="arabicPeriod"/>
+            </a:pPr>
+            <a:r>
+              <a:rPr lang="en-US" dirty="0" smtClean="0"/>
+              <a:t>Scale up and scale down</a:t>
+            </a:r>
+          </a:p>
+          <a:p>
+            <a:pPr marL="342900" indent="-342900">
+              <a:buAutoNum type="arabicPeriod"/>
+            </a:pPr>
+            <a:r>
+              <a:rPr lang="en-US" dirty="0" err="1" smtClean="0"/>
+              <a:t>Loadbalancer</a:t>
+            </a:r>
+            <a:endParaRPr lang="en-US" dirty="0" smtClean="0"/>
+          </a:p>
+          <a:p>
+            <a:pPr marL="342900" indent="-342900">
+              <a:buAutoNum type="arabicPeriod"/>
+            </a:pPr>
+            <a:r>
+              <a:rPr lang="en-US" dirty="0" smtClean="0"/>
+              <a:t>Cluster management ( communication)</a:t>
+            </a:r>
+          </a:p>
+          <a:p>
+            <a:pPr marL="342900" indent="-342900">
+              <a:buAutoNum type="arabicPeriod"/>
+            </a:pPr>
+            <a:endParaRPr lang="en-US" dirty="0" smtClean="0"/>
+          </a:p>
+          <a:p>
+            <a:pPr marL="342900" indent="-342900">
+              <a:buAutoNum type="arabicPeriod"/>
+            </a:pPr>
+            <a:endParaRPr lang="en-US" dirty="0" smtClean="0"/>
+          </a:p>
+        </p:txBody>
+      </p:sp>
+      <p:sp>
+        <p:nvSpPr>
+          <p:cNvPr id="21" name="Oval 20"/>
+          <p:cNvSpPr/>
+          <p:nvPr/>
+        </p:nvSpPr>
+        <p:spPr>
+          <a:xfrm>
+            <a:off x="3124200" y="1790700"/>
+            <a:ext cx="2209800" cy="1828800"/>
+          </a:xfrm>
+          <a:prstGeom prst="ellipse">
+            <a:avLst/>
+          </a:prstGeom>
+        </p:spPr>
+        <p:style>
+          <a:lnRef idx="2">
+            <a:schemeClr val="accent1">
+              <a:shade val="50000"/>
+            </a:schemeClr>
+          </a:lnRef>
+          <a:fillRef idx="1">
+            <a:schemeClr val="accent1"/>
+          </a:fillRef>
+          <a:effectRef idx="0">
+            <a:schemeClr val="accent1"/>
+          </a:effectRef>
+          <a:fontRef idx="minor">
+            <a:schemeClr val="lt1"/>
+          </a:fontRef>
+        </p:style>
+        <p:txBody>
+          <a:bodyPr rtlCol="0" anchor="ctr"/>
+          <a:lstStyle/>
+          <a:p>
+            <a:pPr algn="ctr"/>
+            <a:r>
+              <a:rPr lang="en-US" dirty="0" smtClean="0"/>
+              <a:t>Ghost:1-alpine</a:t>
+            </a:r>
+          </a:p>
+          <a:p>
+            <a:pPr algn="ctr"/>
+            <a:r>
+              <a:rPr lang="en-US" dirty="0" smtClean="0"/>
+              <a:t>Host: db</a:t>
+            </a:r>
+          </a:p>
+          <a:p>
+            <a:pPr algn="ctr"/>
+            <a:r>
+              <a:rPr lang="en-US" dirty="0" smtClean="0"/>
+              <a:t>8989 </a:t>
+            </a:r>
+            <a:endParaRPr lang="en-US" dirty="0"/>
+          </a:p>
+        </p:txBody>
+      </p:sp>
+      <p:sp>
+        <p:nvSpPr>
+          <p:cNvPr id="22" name="Oval 21"/>
+          <p:cNvSpPr/>
+          <p:nvPr/>
+        </p:nvSpPr>
+        <p:spPr>
+          <a:xfrm>
+            <a:off x="3276600" y="1943100"/>
+            <a:ext cx="2209800" cy="1828800"/>
+          </a:xfrm>
+          <a:prstGeom prst="ellipse">
+            <a:avLst/>
+          </a:prstGeom>
+        </p:spPr>
+        <p:style>
+          <a:lnRef idx="2">
+            <a:schemeClr val="accent1">
+              <a:shade val="50000"/>
+            </a:schemeClr>
+          </a:lnRef>
+          <a:fillRef idx="1">
+            <a:schemeClr val="accent1"/>
+          </a:fillRef>
+          <a:effectRef idx="0">
+            <a:schemeClr val="accent1"/>
+          </a:effectRef>
+          <a:fontRef idx="minor">
+            <a:schemeClr val="lt1"/>
+          </a:fontRef>
+        </p:style>
+        <p:txBody>
+          <a:bodyPr rtlCol="0" anchor="ctr"/>
+          <a:lstStyle/>
+          <a:p>
+            <a:pPr algn="ctr"/>
+            <a:r>
+              <a:rPr lang="en-US" dirty="0" smtClean="0"/>
+              <a:t>Ghost:1-alpine</a:t>
+            </a:r>
+          </a:p>
+          <a:p>
+            <a:pPr algn="ctr"/>
+            <a:r>
+              <a:rPr lang="en-US" dirty="0" smtClean="0"/>
+              <a:t>Host: db</a:t>
+            </a:r>
+          </a:p>
+          <a:p>
+            <a:pPr algn="ctr"/>
+            <a:r>
+              <a:rPr lang="en-US" dirty="0" smtClean="0"/>
+              <a:t>8989 </a:t>
+            </a:r>
+            <a:endParaRPr lang="en-US" dirty="0"/>
+          </a:p>
+        </p:txBody>
+      </p:sp>
+      <p:sp>
+        <p:nvSpPr>
+          <p:cNvPr id="23" name="Oval 22"/>
+          <p:cNvSpPr/>
+          <p:nvPr/>
+        </p:nvSpPr>
+        <p:spPr>
+          <a:xfrm>
+            <a:off x="2362200" y="3467100"/>
+            <a:ext cx="762000" cy="685800"/>
+          </a:xfrm>
+          <a:prstGeom prst="ellipse">
+            <a:avLst/>
+          </a:prstGeom>
+        </p:spPr>
+        <p:style>
+          <a:lnRef idx="2">
+            <a:schemeClr val="accent1">
+              <a:shade val="50000"/>
+            </a:schemeClr>
+          </a:lnRef>
+          <a:fillRef idx="1">
+            <a:schemeClr val="accent1"/>
+          </a:fillRef>
+          <a:effectRef idx="0">
+            <a:schemeClr val="accent1"/>
+          </a:effectRef>
+          <a:fontRef idx="minor">
+            <a:schemeClr val="lt1"/>
+          </a:fontRef>
+        </p:style>
+        <p:txBody>
+          <a:bodyPr rtlCol="0" anchor="ctr"/>
+          <a:lstStyle/>
+          <a:p>
+            <a:pPr algn="ctr"/>
+            <a:r>
+              <a:rPr lang="en-US" dirty="0" smtClean="0"/>
+              <a:t>lb</a:t>
+            </a:r>
+            <a:endParaRPr lang="en-US" dirty="0"/>
+          </a:p>
+        </p:txBody>
+      </p:sp>
+      <p:cxnSp>
+        <p:nvCxnSpPr>
+          <p:cNvPr id="26" name="Straight Arrow Connector 25"/>
+          <p:cNvCxnSpPr>
+            <a:stCxn id="23" idx="0"/>
+            <a:endCxn id="4" idx="2"/>
+          </p:cNvCxnSpPr>
+          <p:nvPr/>
+        </p:nvCxnSpPr>
+        <p:spPr>
+          <a:xfrm flipV="1">
+            <a:off x="2743200" y="2552700"/>
+            <a:ext cx="228600" cy="914400"/>
+          </a:xfrm>
+          <a:prstGeom prst="straightConnector1">
+            <a:avLst/>
+          </a:prstGeom>
+          <a:ln>
+            <a:tailEnd type="arrow"/>
+          </a:ln>
+        </p:spPr>
+        <p:style>
+          <a:lnRef idx="1">
+            <a:schemeClr val="accent1"/>
+          </a:lnRef>
+          <a:fillRef idx="0">
+            <a:schemeClr val="accent1"/>
+          </a:fillRef>
+          <a:effectRef idx="0">
+            <a:schemeClr val="accent1"/>
+          </a:effectRef>
+          <a:fontRef idx="minor">
+            <a:schemeClr val="tx1"/>
+          </a:fontRef>
+        </p:style>
+      </p:cxnSp>
+      <p:cxnSp>
+        <p:nvCxnSpPr>
+          <p:cNvPr id="28" name="Straight Arrow Connector 27"/>
+          <p:cNvCxnSpPr/>
+          <p:nvPr/>
+        </p:nvCxnSpPr>
+        <p:spPr>
+          <a:xfrm flipV="1">
+            <a:off x="3124200" y="3619500"/>
+            <a:ext cx="609600" cy="304800"/>
+          </a:xfrm>
+          <a:prstGeom prst="straightConnector1">
+            <a:avLst/>
+          </a:prstGeom>
+          <a:ln>
+            <a:tailEnd type="arrow"/>
+          </a:ln>
+        </p:spPr>
+        <p:style>
+          <a:lnRef idx="1">
+            <a:schemeClr val="accent1"/>
+          </a:lnRef>
+          <a:fillRef idx="0">
+            <a:schemeClr val="accent1"/>
+          </a:fillRef>
+          <a:effectRef idx="0">
+            <a:schemeClr val="accent1"/>
+          </a:effectRef>
+          <a:fontRef idx="minor">
+            <a:schemeClr val="tx1"/>
+          </a:fontRef>
+        </p:style>
+      </p:cxnSp>
+      <p:sp>
+        <p:nvSpPr>
+          <p:cNvPr id="29" name="Rectangle 28"/>
+          <p:cNvSpPr/>
+          <p:nvPr/>
+        </p:nvSpPr>
+        <p:spPr>
+          <a:xfrm>
+            <a:off x="7543800" y="723900"/>
+            <a:ext cx="1066800" cy="1600200"/>
+          </a:xfrm>
+          <a:prstGeom prst="rect">
+            <a:avLst/>
+          </a:prstGeom>
+          <a:noFill/>
+        </p:spPr>
+        <p:style>
+          <a:lnRef idx="2">
+            <a:schemeClr val="accent1">
+              <a:shade val="50000"/>
+            </a:schemeClr>
+          </a:lnRef>
+          <a:fillRef idx="1">
+            <a:schemeClr val="accent1"/>
+          </a:fillRef>
+          <a:effectRef idx="0">
+            <a:schemeClr val="accent1"/>
+          </a:effectRef>
+          <a:fontRef idx="minor">
+            <a:schemeClr val="lt1"/>
+          </a:fontRef>
+        </p:style>
+        <p:txBody>
+          <a:bodyPr rtlCol="0" anchor="ctr"/>
+          <a:lstStyle/>
+          <a:p>
+            <a:pPr algn="ctr"/>
+            <a:endParaRPr lang="en-US"/>
+          </a:p>
+        </p:txBody>
+      </p:sp>
+      <p:sp>
+        <p:nvSpPr>
+          <p:cNvPr id="30" name="Oval 29"/>
+          <p:cNvSpPr/>
+          <p:nvPr/>
+        </p:nvSpPr>
+        <p:spPr>
+          <a:xfrm>
+            <a:off x="7620000" y="1104900"/>
+            <a:ext cx="838200" cy="533400"/>
+          </a:xfrm>
+          <a:prstGeom prst="ellipse">
+            <a:avLst/>
+          </a:prstGeom>
+        </p:spPr>
+        <p:style>
+          <a:lnRef idx="2">
+            <a:schemeClr val="accent1">
+              <a:shade val="50000"/>
+            </a:schemeClr>
+          </a:lnRef>
+          <a:fillRef idx="1">
+            <a:schemeClr val="accent1"/>
+          </a:fillRef>
+          <a:effectRef idx="0">
+            <a:schemeClr val="accent1"/>
+          </a:effectRef>
+          <a:fontRef idx="minor">
+            <a:schemeClr val="lt1"/>
+          </a:fontRef>
+        </p:style>
+        <p:txBody>
+          <a:bodyPr rtlCol="0" anchor="ctr"/>
+          <a:lstStyle/>
+          <a:p>
+            <a:pPr algn="ctr"/>
+            <a:endParaRPr lang="en-US"/>
+          </a:p>
+        </p:txBody>
+      </p:sp>
+      <p:sp>
+        <p:nvSpPr>
+          <p:cNvPr id="31" name="TextBox 30"/>
+          <p:cNvSpPr txBox="1"/>
+          <p:nvPr/>
+        </p:nvSpPr>
+        <p:spPr>
+          <a:xfrm>
+            <a:off x="7696200" y="1866900"/>
+            <a:ext cx="1293944" cy="369332"/>
+          </a:xfrm>
+          <a:prstGeom prst="rect">
+            <a:avLst/>
+          </a:prstGeom>
+          <a:noFill/>
+        </p:spPr>
+        <p:txBody>
+          <a:bodyPr wrap="none" rtlCol="0">
+            <a:spAutoFit/>
+          </a:bodyPr>
+          <a:lstStyle/>
+          <a:p>
+            <a:r>
+              <a:rPr lang="en-US" dirty="0" smtClean="0"/>
+              <a:t>172.17.0.25</a:t>
+            </a:r>
+            <a:endParaRPr lang="en-US" dirty="0"/>
+          </a:p>
+        </p:txBody>
+      </p:sp>
+      <p:sp>
+        <p:nvSpPr>
+          <p:cNvPr id="32" name="Freeform 31"/>
+          <p:cNvSpPr/>
+          <p:nvPr/>
+        </p:nvSpPr>
+        <p:spPr>
+          <a:xfrm>
+            <a:off x="7625243" y="808892"/>
+            <a:ext cx="70234" cy="398585"/>
+          </a:xfrm>
+          <a:custGeom>
+            <a:avLst/>
+            <a:gdLst>
+              <a:gd name="connsiteX0" fmla="*/ 53372 w 70234"/>
+              <a:gd name="connsiteY0" fmla="*/ 0 h 398585"/>
+              <a:gd name="connsiteX1" fmla="*/ 18203 w 70234"/>
+              <a:gd name="connsiteY1" fmla="*/ 46893 h 398585"/>
+              <a:gd name="connsiteX2" fmla="*/ 18203 w 70234"/>
+              <a:gd name="connsiteY2" fmla="*/ 140677 h 398585"/>
+              <a:gd name="connsiteX3" fmla="*/ 53372 w 70234"/>
+              <a:gd name="connsiteY3" fmla="*/ 152400 h 398585"/>
+              <a:gd name="connsiteX4" fmla="*/ 41649 w 70234"/>
+              <a:gd name="connsiteY4" fmla="*/ 257908 h 398585"/>
+              <a:gd name="connsiteX5" fmla="*/ 65095 w 70234"/>
+              <a:gd name="connsiteY5" fmla="*/ 304800 h 398585"/>
+              <a:gd name="connsiteX6" fmla="*/ 65095 w 70234"/>
+              <a:gd name="connsiteY6" fmla="*/ 398585 h 398585"/>
+            </a:gdLst>
+            <a:ahLst/>
+            <a:cxnLst>
+              <a:cxn ang="0">
+                <a:pos x="connsiteX0" y="connsiteY0"/>
+              </a:cxn>
+              <a:cxn ang="0">
+                <a:pos x="connsiteX1" y="connsiteY1"/>
+              </a:cxn>
+              <a:cxn ang="0">
+                <a:pos x="connsiteX2" y="connsiteY2"/>
+              </a:cxn>
+              <a:cxn ang="0">
+                <a:pos x="connsiteX3" y="connsiteY3"/>
+              </a:cxn>
+              <a:cxn ang="0">
+                <a:pos x="connsiteX4" y="connsiteY4"/>
+              </a:cxn>
+              <a:cxn ang="0">
+                <a:pos x="connsiteX5" y="connsiteY5"/>
+              </a:cxn>
+              <a:cxn ang="0">
+                <a:pos x="connsiteX6" y="connsiteY6"/>
+              </a:cxn>
+            </a:cxnLst>
+            <a:rect l="l" t="t" r="r" b="b"/>
+            <a:pathLst>
+              <a:path w="70234" h="398585">
+                <a:moveTo>
+                  <a:pt x="53372" y="0"/>
+                </a:moveTo>
+                <a:cubicBezTo>
+                  <a:pt x="41649" y="15631"/>
+                  <a:pt x="27897" y="29929"/>
+                  <a:pt x="18203" y="46893"/>
+                </a:cubicBezTo>
+                <a:cubicBezTo>
+                  <a:pt x="2695" y="74032"/>
+                  <a:pt x="0" y="113372"/>
+                  <a:pt x="18203" y="140677"/>
+                </a:cubicBezTo>
+                <a:cubicBezTo>
+                  <a:pt x="25058" y="150959"/>
+                  <a:pt x="41649" y="148492"/>
+                  <a:pt x="53372" y="152400"/>
+                </a:cubicBezTo>
+                <a:cubicBezTo>
+                  <a:pt x="49464" y="187569"/>
+                  <a:pt x="38935" y="222626"/>
+                  <a:pt x="41649" y="257908"/>
+                </a:cubicBezTo>
+                <a:cubicBezTo>
+                  <a:pt x="42989" y="275332"/>
+                  <a:pt x="62222" y="287562"/>
+                  <a:pt x="65095" y="304800"/>
+                </a:cubicBezTo>
+                <a:cubicBezTo>
+                  <a:pt x="70234" y="335636"/>
+                  <a:pt x="65095" y="367323"/>
+                  <a:pt x="65095" y="398585"/>
+                </a:cubicBezTo>
+              </a:path>
+            </a:pathLst>
+          </a:custGeom>
+        </p:spPr>
+        <p:style>
+          <a:lnRef idx="1">
+            <a:schemeClr val="accent1"/>
+          </a:lnRef>
+          <a:fillRef idx="0">
+            <a:schemeClr val="accent1"/>
+          </a:fillRef>
+          <a:effectRef idx="0">
+            <a:schemeClr val="accent1"/>
+          </a:effectRef>
+          <a:fontRef idx="minor">
+            <a:schemeClr val="tx1"/>
+          </a:fontRef>
+        </p:style>
+        <p:txBody>
+          <a:bodyPr rtlCol="0" anchor="ctr"/>
+          <a:lstStyle/>
+          <a:p>
+            <a:pPr algn="ctr"/>
+            <a:endParaRPr lang="en-US"/>
+          </a:p>
+        </p:txBody>
+      </p:sp>
+    </p:spTree>
+  </p:cSld>
+  <p:clrMapOvr>
+    <a:masterClrMapping/>
+  </p:clrMapOvr>
+</p:sld>
+</file>
+
+<file path=ppt/slides/slide13.xml><?xml version="1.0" encoding="utf-8"?>
+<p:sld xmlns:a="http://schemas.openxmlformats.org/drawingml/2006/main" xmlns:r="http://schemas.openxmlformats.org/officeDocument/2006/relationships" xmlns:p="http://schemas.openxmlformats.org/presentationml/2006/main">
+  <p:cSld>
+    <p:spTree>
+      <p:nvGrpSpPr>
+        <p:cNvPr id="1" name=""/>
+        <p:cNvGrpSpPr/>
+        <p:nvPr/>
+      </p:nvGrpSpPr>
+      <p:grpSpPr>
+        <a:xfrm>
+          <a:off x="0" y="0"/>
+          <a:ext cx="0" cy="0"/>
+          <a:chOff x="0" y="0"/>
+          <a:chExt cx="0" cy="0"/>
+        </a:xfrm>
+      </p:grpSpPr>
+      <p:sp>
+        <p:nvSpPr>
+          <p:cNvPr id="2" name="TextBox 1"/>
+          <p:cNvSpPr txBox="1"/>
+          <p:nvPr/>
+        </p:nvSpPr>
+        <p:spPr>
+          <a:xfrm>
+            <a:off x="152400" y="342900"/>
+            <a:ext cx="4193136" cy="1754326"/>
+          </a:xfrm>
+          <a:prstGeom prst="rect">
+            <a:avLst/>
+          </a:prstGeom>
+          <a:noFill/>
+        </p:spPr>
+        <p:txBody>
+          <a:bodyPr wrap="none" rtlCol="0">
+            <a:spAutoFit/>
+          </a:bodyPr>
+          <a:lstStyle/>
+          <a:p>
+            <a:pPr marL="342900" indent="-342900">
+              <a:buAutoNum type="arabicPeriod"/>
+            </a:pPr>
+            <a:r>
+              <a:rPr lang="en-US" dirty="0" smtClean="0"/>
+              <a:t>Multiple hosts</a:t>
+            </a:r>
+          </a:p>
+          <a:p>
+            <a:pPr marL="342900" indent="-342900">
+              <a:buAutoNum type="arabicPeriod"/>
+            </a:pPr>
+            <a:r>
+              <a:rPr lang="en-US" dirty="0" smtClean="0"/>
+              <a:t>Container management</a:t>
+            </a:r>
+          </a:p>
+          <a:p>
+            <a:pPr marL="342900" indent="-342900">
+              <a:buAutoNum type="arabicPeriod"/>
+            </a:pPr>
+            <a:r>
+              <a:rPr lang="en-US" dirty="0" smtClean="0"/>
+              <a:t>Container placement</a:t>
+            </a:r>
+          </a:p>
+          <a:p>
+            <a:pPr marL="342900" indent="-342900">
+              <a:buAutoNum type="arabicPeriod"/>
+            </a:pPr>
+            <a:r>
+              <a:rPr lang="en-US" dirty="0" smtClean="0"/>
+              <a:t>Scale up and scale down</a:t>
+            </a:r>
+          </a:p>
+          <a:p>
+            <a:pPr marL="342900" indent="-342900">
+              <a:buAutoNum type="arabicPeriod"/>
+            </a:pPr>
+            <a:r>
+              <a:rPr lang="en-US" dirty="0" err="1" smtClean="0"/>
+              <a:t>Loadbalancer</a:t>
+            </a:r>
+            <a:endParaRPr lang="en-US" dirty="0" smtClean="0"/>
+          </a:p>
+          <a:p>
+            <a:pPr marL="342900" indent="-342900">
+              <a:buAutoNum type="arabicPeriod"/>
+            </a:pPr>
+            <a:r>
+              <a:rPr lang="en-US" dirty="0" smtClean="0"/>
+              <a:t>Cluster management ( communication)</a:t>
+            </a:r>
+          </a:p>
+        </p:txBody>
+      </p:sp>
+      <p:sp>
+        <p:nvSpPr>
+          <p:cNvPr id="3" name="TextBox 2"/>
+          <p:cNvSpPr txBox="1"/>
+          <p:nvPr/>
+        </p:nvSpPr>
+        <p:spPr>
+          <a:xfrm>
+            <a:off x="228600" y="38100"/>
+            <a:ext cx="2973891" cy="369332"/>
+          </a:xfrm>
+          <a:prstGeom prst="rect">
+            <a:avLst/>
+          </a:prstGeom>
+          <a:noFill/>
+        </p:spPr>
+        <p:txBody>
+          <a:bodyPr wrap="none" rtlCol="0">
+            <a:spAutoFit/>
+          </a:bodyPr>
+          <a:lstStyle/>
+          <a:p>
+            <a:r>
+              <a:rPr lang="en-US" dirty="0" smtClean="0"/>
+              <a:t>Main </a:t>
+            </a:r>
+            <a:r>
+              <a:rPr lang="en-US" dirty="0" err="1" smtClean="0"/>
+              <a:t>activies</a:t>
+            </a:r>
+            <a:r>
+              <a:rPr lang="en-US" dirty="0" smtClean="0"/>
+              <a:t> of orchestration</a:t>
+            </a:r>
+            <a:endParaRPr lang="en-US" dirty="0"/>
+          </a:p>
+        </p:txBody>
+      </p:sp>
+      <p:sp>
+        <p:nvSpPr>
+          <p:cNvPr id="4" name="TextBox 3"/>
+          <p:cNvSpPr txBox="1"/>
+          <p:nvPr/>
+        </p:nvSpPr>
+        <p:spPr>
+          <a:xfrm>
+            <a:off x="2286000" y="2400300"/>
+            <a:ext cx="1533690" cy="369332"/>
+          </a:xfrm>
+          <a:prstGeom prst="rect">
+            <a:avLst/>
+          </a:prstGeom>
+          <a:noFill/>
+        </p:spPr>
+        <p:txBody>
+          <a:bodyPr wrap="none" rtlCol="0">
+            <a:spAutoFit/>
+          </a:bodyPr>
+          <a:lstStyle/>
+          <a:p>
+            <a:r>
+              <a:rPr lang="en-US" dirty="0" err="1" smtClean="0"/>
+              <a:t>Docker</a:t>
+            </a:r>
+            <a:r>
+              <a:rPr lang="en-US" dirty="0" smtClean="0"/>
+              <a:t> Swarm</a:t>
+            </a:r>
+            <a:endParaRPr lang="en-US" dirty="0"/>
+          </a:p>
+        </p:txBody>
+      </p:sp>
+      <p:sp>
+        <p:nvSpPr>
+          <p:cNvPr id="5" name="TextBox 4"/>
+          <p:cNvSpPr txBox="1"/>
+          <p:nvPr/>
+        </p:nvSpPr>
+        <p:spPr>
+          <a:xfrm>
+            <a:off x="5781510" y="2476500"/>
+            <a:ext cx="1256178" cy="369332"/>
+          </a:xfrm>
+          <a:prstGeom prst="rect">
+            <a:avLst/>
+          </a:prstGeom>
+          <a:noFill/>
+        </p:spPr>
+        <p:txBody>
+          <a:bodyPr wrap="none" rtlCol="0">
+            <a:spAutoFit/>
+          </a:bodyPr>
+          <a:lstStyle/>
+          <a:p>
+            <a:r>
+              <a:rPr lang="en-US" dirty="0" err="1" smtClean="0"/>
+              <a:t>Kubernetes</a:t>
+            </a:r>
+            <a:endParaRPr lang="en-US" dirty="0"/>
+          </a:p>
+        </p:txBody>
+      </p:sp>
+      <p:sp>
+        <p:nvSpPr>
+          <p:cNvPr id="6" name="TextBox 5"/>
+          <p:cNvSpPr txBox="1"/>
+          <p:nvPr/>
+        </p:nvSpPr>
+        <p:spPr>
+          <a:xfrm>
+            <a:off x="152400" y="2781300"/>
+            <a:ext cx="6019800" cy="1200329"/>
+          </a:xfrm>
+          <a:prstGeom prst="rect">
+            <a:avLst/>
+          </a:prstGeom>
+          <a:noFill/>
+        </p:spPr>
+        <p:txBody>
+          <a:bodyPr wrap="square" rtlCol="0">
+            <a:spAutoFit/>
+          </a:bodyPr>
+          <a:lstStyle/>
+          <a:p>
+            <a:pPr marL="342900" indent="-342900">
+              <a:buAutoNum type="arabicPeriod"/>
+            </a:pPr>
+            <a:r>
+              <a:rPr lang="en-US" dirty="0" err="1" smtClean="0"/>
+              <a:t>Docker</a:t>
+            </a:r>
+            <a:r>
+              <a:rPr lang="en-US" dirty="0" smtClean="0"/>
+              <a:t> swarm is closely knit with </a:t>
+            </a:r>
+            <a:r>
+              <a:rPr lang="en-US" dirty="0" err="1" smtClean="0"/>
+              <a:t>Docker</a:t>
+            </a:r>
+            <a:endParaRPr lang="en-US" dirty="0" smtClean="0"/>
+          </a:p>
+          <a:p>
+            <a:pPr marL="342900" indent="-342900">
+              <a:buAutoNum type="arabicPeriod"/>
+            </a:pPr>
+            <a:r>
+              <a:rPr lang="en-US" dirty="0" smtClean="0"/>
+              <a:t>Vendor lock in</a:t>
+            </a:r>
+          </a:p>
+          <a:p>
+            <a:pPr marL="342900" indent="-342900">
+              <a:buAutoNum type="arabicPeriod"/>
+            </a:pPr>
+            <a:r>
+              <a:rPr lang="en-US" dirty="0" smtClean="0"/>
+              <a:t>K8s from </a:t>
+            </a:r>
+            <a:r>
+              <a:rPr lang="en-US" dirty="0" err="1" smtClean="0"/>
+              <a:t>google</a:t>
+            </a:r>
+            <a:r>
+              <a:rPr lang="en-US" dirty="0" smtClean="0"/>
+              <a:t> </a:t>
+            </a:r>
+            <a:r>
+              <a:rPr lang="en-US" dirty="0" smtClean="0">
+                <a:sym typeface="Wingdings" pitchFamily="2" charset="2"/>
+              </a:rPr>
+              <a:t> 10000’s * 100</a:t>
+            </a:r>
+          </a:p>
+          <a:p>
+            <a:pPr marL="342900" indent="-342900">
+              <a:buAutoNum type="arabicPeriod"/>
+            </a:pPr>
+            <a:r>
+              <a:rPr lang="en-US" dirty="0" smtClean="0">
+                <a:sym typeface="Wingdings" pitchFamily="2" charset="2"/>
+              </a:rPr>
+              <a:t>K8s  any container provider (open container spec) </a:t>
+            </a:r>
+            <a:endParaRPr lang="en-US" dirty="0"/>
+          </a:p>
+        </p:txBody>
+      </p:sp>
+    </p:spTree>
+  </p:cSld>
+  <p:clrMapOvr>
+    <a:masterClrMapping/>
+  </p:clrMapOvr>
+</p:sld>
+</file>
+
+<file path=ppt/slides/slide14.xml><?xml version="1.0" encoding="utf-8"?>
+<p:sld xmlns:a="http://schemas.openxmlformats.org/drawingml/2006/main" xmlns:r="http://schemas.openxmlformats.org/officeDocument/2006/relationships" xmlns:p="http://schemas.openxmlformats.org/presentationml/2006/main">
+  <p:cSld>
+    <p:spTree>
+      <p:nvGrpSpPr>
+        <p:cNvPr id="1" name=""/>
+        <p:cNvGrpSpPr/>
+        <p:nvPr/>
+      </p:nvGrpSpPr>
+      <p:grpSpPr>
+        <a:xfrm>
+          <a:off x="0" y="0"/>
+          <a:ext cx="0" cy="0"/>
+          <a:chOff x="0" y="0"/>
+          <a:chExt cx="0" cy="0"/>
+        </a:xfrm>
+      </p:grpSpPr>
+      <p:sp>
+        <p:nvSpPr>
+          <p:cNvPr id="2" name="Rectangle 1"/>
+          <p:cNvSpPr/>
+          <p:nvPr/>
+        </p:nvSpPr>
+        <p:spPr>
+          <a:xfrm>
+            <a:off x="2362200" y="266700"/>
+            <a:ext cx="6324600" cy="5181600"/>
+          </a:xfrm>
+          <a:prstGeom prst="rect">
+            <a:avLst/>
+          </a:prstGeom>
+          <a:noFill/>
+        </p:spPr>
+        <p:style>
+          <a:lnRef idx="2">
+            <a:schemeClr val="accent1">
+              <a:shade val="50000"/>
+            </a:schemeClr>
+          </a:lnRef>
+          <a:fillRef idx="1">
+            <a:schemeClr val="accent1"/>
+          </a:fillRef>
+          <a:effectRef idx="0">
+            <a:schemeClr val="accent1"/>
+          </a:effectRef>
+          <a:fontRef idx="minor">
+            <a:schemeClr val="lt1"/>
+          </a:fontRef>
+        </p:style>
+        <p:txBody>
+          <a:bodyPr rtlCol="0" anchor="ctr"/>
+          <a:lstStyle/>
+          <a:p>
+            <a:pPr algn="ctr"/>
+            <a:endParaRPr lang="en-US" dirty="0"/>
+          </a:p>
+        </p:txBody>
+      </p:sp>
+      <p:sp>
+        <p:nvSpPr>
+          <p:cNvPr id="3" name="TextBox 2"/>
+          <p:cNvSpPr txBox="1"/>
+          <p:nvPr/>
+        </p:nvSpPr>
+        <p:spPr>
+          <a:xfrm>
+            <a:off x="2362199" y="266699"/>
+            <a:ext cx="2667001" cy="377663"/>
+          </a:xfrm>
+          <a:prstGeom prst="rect">
+            <a:avLst/>
+          </a:prstGeom>
+          <a:noFill/>
+        </p:spPr>
+        <p:txBody>
+          <a:bodyPr wrap="square" rtlCol="0">
+            <a:spAutoFit/>
+          </a:bodyPr>
+          <a:lstStyle/>
+          <a:p>
+            <a:r>
+              <a:rPr lang="en-US" dirty="0" err="1" smtClean="0"/>
+              <a:t>Minikube</a:t>
+            </a:r>
+            <a:r>
+              <a:rPr lang="en-US" dirty="0" smtClean="0"/>
+              <a:t> 192.168.99.100</a:t>
+            </a:r>
+            <a:endParaRPr lang="en-US" dirty="0"/>
+          </a:p>
+        </p:txBody>
+      </p:sp>
+      <p:sp>
+        <p:nvSpPr>
+          <p:cNvPr id="4" name="TextBox 3"/>
+          <p:cNvSpPr txBox="1"/>
+          <p:nvPr/>
+        </p:nvSpPr>
+        <p:spPr>
+          <a:xfrm>
+            <a:off x="0" y="2171700"/>
+            <a:ext cx="2561920" cy="646331"/>
+          </a:xfrm>
+          <a:prstGeom prst="rect">
+            <a:avLst/>
+          </a:prstGeom>
+          <a:noFill/>
+        </p:spPr>
+        <p:txBody>
+          <a:bodyPr wrap="none" rtlCol="0">
+            <a:spAutoFit/>
+          </a:bodyPr>
+          <a:lstStyle/>
+          <a:p>
+            <a:r>
+              <a:rPr lang="en-US" dirty="0" err="1" smtClean="0"/>
+              <a:t>Kubectl</a:t>
+            </a:r>
+            <a:endParaRPr lang="en-US" dirty="0" smtClean="0"/>
+          </a:p>
+          <a:p>
+            <a:r>
+              <a:rPr lang="en-US" dirty="0" err="1" smtClean="0"/>
+              <a:t>k</a:t>
+            </a:r>
+            <a:r>
+              <a:rPr lang="en-US" dirty="0" err="1" smtClean="0"/>
+              <a:t>ubectl</a:t>
+            </a:r>
+            <a:r>
+              <a:rPr lang="en-US" dirty="0" smtClean="0"/>
+              <a:t> create –f pod.yml</a:t>
+            </a:r>
+          </a:p>
+        </p:txBody>
+      </p:sp>
+      <p:sp>
+        <p:nvSpPr>
+          <p:cNvPr id="5" name="Freeform 4"/>
+          <p:cNvSpPr/>
+          <p:nvPr/>
+        </p:nvSpPr>
+        <p:spPr>
+          <a:xfrm>
+            <a:off x="2967961" y="2651760"/>
+            <a:ext cx="255299" cy="1520190"/>
+          </a:xfrm>
+          <a:custGeom>
+            <a:avLst/>
+            <a:gdLst>
+              <a:gd name="connsiteX0" fmla="*/ 163859 w 255299"/>
+              <a:gd name="connsiteY0" fmla="*/ 0 h 1520190"/>
+              <a:gd name="connsiteX1" fmla="*/ 15269 w 255299"/>
+              <a:gd name="connsiteY1" fmla="*/ 91440 h 1520190"/>
+              <a:gd name="connsiteX2" fmla="*/ 26699 w 255299"/>
+              <a:gd name="connsiteY2" fmla="*/ 228600 h 1520190"/>
+              <a:gd name="connsiteX3" fmla="*/ 38129 w 255299"/>
+              <a:gd name="connsiteY3" fmla="*/ 285750 h 1520190"/>
+              <a:gd name="connsiteX4" fmla="*/ 83849 w 255299"/>
+              <a:gd name="connsiteY4" fmla="*/ 308610 h 1520190"/>
+              <a:gd name="connsiteX5" fmla="*/ 163859 w 255299"/>
+              <a:gd name="connsiteY5" fmla="*/ 365760 h 1520190"/>
+              <a:gd name="connsiteX6" fmla="*/ 255299 w 255299"/>
+              <a:gd name="connsiteY6" fmla="*/ 468630 h 1520190"/>
+              <a:gd name="connsiteX7" fmla="*/ 221009 w 255299"/>
+              <a:gd name="connsiteY7" fmla="*/ 594360 h 1520190"/>
+              <a:gd name="connsiteX8" fmla="*/ 95279 w 255299"/>
+              <a:gd name="connsiteY8" fmla="*/ 720090 h 1520190"/>
+              <a:gd name="connsiteX9" fmla="*/ 83849 w 255299"/>
+              <a:gd name="connsiteY9" fmla="*/ 834390 h 1520190"/>
+              <a:gd name="connsiteX10" fmla="*/ 83849 w 255299"/>
+              <a:gd name="connsiteY10" fmla="*/ 1223010 h 1520190"/>
+              <a:gd name="connsiteX11" fmla="*/ 106709 w 255299"/>
+              <a:gd name="connsiteY11" fmla="*/ 1303020 h 1520190"/>
+              <a:gd name="connsiteX12" fmla="*/ 129569 w 255299"/>
+              <a:gd name="connsiteY12" fmla="*/ 1463040 h 1520190"/>
+              <a:gd name="connsiteX13" fmla="*/ 129569 w 255299"/>
+              <a:gd name="connsiteY13" fmla="*/ 1520190 h 1520190"/>
+            </a:gdLst>
+            <a:ahLst/>
+            <a:cxnLst>
+              <a:cxn ang="0">
+                <a:pos x="connsiteX0" y="connsiteY0"/>
+              </a:cxn>
+              <a:cxn ang="0">
+                <a:pos x="connsiteX1" y="connsiteY1"/>
+              </a:cxn>
+              <a:cxn ang="0">
+                <a:pos x="connsiteX2" y="connsiteY2"/>
+              </a:cxn>
+              <a:cxn ang="0">
+                <a:pos x="connsiteX3" y="connsiteY3"/>
+              </a:cxn>
+              <a:cxn ang="0">
+                <a:pos x="connsiteX4" y="connsiteY4"/>
+              </a:cxn>
+              <a:cxn ang="0">
+                <a:pos x="connsiteX5" y="connsiteY5"/>
+              </a:cxn>
+              <a:cxn ang="0">
+                <a:pos x="connsiteX6" y="connsiteY6"/>
+              </a:cxn>
+              <a:cxn ang="0">
+                <a:pos x="connsiteX7" y="connsiteY7"/>
+              </a:cxn>
+              <a:cxn ang="0">
+                <a:pos x="connsiteX8" y="connsiteY8"/>
+              </a:cxn>
+              <a:cxn ang="0">
+                <a:pos x="connsiteX9" y="connsiteY9"/>
+              </a:cxn>
+              <a:cxn ang="0">
+                <a:pos x="connsiteX10" y="connsiteY10"/>
+              </a:cxn>
+              <a:cxn ang="0">
+                <a:pos x="connsiteX11" y="connsiteY11"/>
+              </a:cxn>
+              <a:cxn ang="0">
+                <a:pos x="connsiteX12" y="connsiteY12"/>
+              </a:cxn>
+              <a:cxn ang="0">
+                <a:pos x="connsiteX13" y="connsiteY13"/>
+              </a:cxn>
+            </a:cxnLst>
+            <a:rect l="l" t="t" r="r" b="b"/>
+            <a:pathLst>
+              <a:path w="255299" h="1520190">
+                <a:moveTo>
+                  <a:pt x="163859" y="0"/>
+                </a:moveTo>
+                <a:cubicBezTo>
+                  <a:pt x="137356" y="13252"/>
+                  <a:pt x="24527" y="65209"/>
+                  <a:pt x="15269" y="91440"/>
+                </a:cubicBezTo>
+                <a:cubicBezTo>
+                  <a:pt x="0" y="134703"/>
+                  <a:pt x="21339" y="183036"/>
+                  <a:pt x="26699" y="228600"/>
+                </a:cubicBezTo>
+                <a:cubicBezTo>
+                  <a:pt x="28969" y="247894"/>
+                  <a:pt x="26837" y="269941"/>
+                  <a:pt x="38129" y="285750"/>
+                </a:cubicBezTo>
+                <a:cubicBezTo>
+                  <a:pt x="48033" y="299615"/>
+                  <a:pt x="69474" y="299462"/>
+                  <a:pt x="83849" y="308610"/>
+                </a:cubicBezTo>
+                <a:cubicBezTo>
+                  <a:pt x="111500" y="326206"/>
+                  <a:pt x="138493" y="345006"/>
+                  <a:pt x="163859" y="365760"/>
+                </a:cubicBezTo>
+                <a:cubicBezTo>
+                  <a:pt x="200316" y="395588"/>
+                  <a:pt x="226127" y="432165"/>
+                  <a:pt x="255299" y="468630"/>
+                </a:cubicBezTo>
+                <a:cubicBezTo>
+                  <a:pt x="243869" y="510540"/>
+                  <a:pt x="240436" y="555505"/>
+                  <a:pt x="221009" y="594360"/>
+                </a:cubicBezTo>
+                <a:cubicBezTo>
+                  <a:pt x="195203" y="645972"/>
+                  <a:pt x="139124" y="685014"/>
+                  <a:pt x="95279" y="720090"/>
+                </a:cubicBezTo>
+                <a:cubicBezTo>
+                  <a:pt x="67451" y="803573"/>
+                  <a:pt x="66575" y="765293"/>
+                  <a:pt x="83849" y="834390"/>
+                </a:cubicBezTo>
+                <a:cubicBezTo>
+                  <a:pt x="72818" y="1032953"/>
+                  <a:pt x="64767" y="1032191"/>
+                  <a:pt x="83849" y="1223010"/>
+                </a:cubicBezTo>
+                <a:cubicBezTo>
+                  <a:pt x="87412" y="1258643"/>
+                  <a:pt x="98586" y="1270528"/>
+                  <a:pt x="106709" y="1303020"/>
+                </a:cubicBezTo>
+                <a:cubicBezTo>
+                  <a:pt x="119263" y="1353238"/>
+                  <a:pt x="126013" y="1413253"/>
+                  <a:pt x="129569" y="1463040"/>
+                </a:cubicBezTo>
+                <a:cubicBezTo>
+                  <a:pt x="130926" y="1482042"/>
+                  <a:pt x="129569" y="1501140"/>
+                  <a:pt x="129569" y="1520190"/>
+                </a:cubicBezTo>
+              </a:path>
+            </a:pathLst>
+          </a:custGeom>
+        </p:spPr>
+        <p:style>
+          <a:lnRef idx="1">
+            <a:schemeClr val="accent1"/>
+          </a:lnRef>
+          <a:fillRef idx="0">
+            <a:schemeClr val="accent1"/>
+          </a:fillRef>
+          <a:effectRef idx="0">
+            <a:schemeClr val="accent1"/>
+          </a:effectRef>
+          <a:fontRef idx="minor">
+            <a:schemeClr val="tx1"/>
+          </a:fontRef>
+        </p:style>
+        <p:txBody>
+          <a:bodyPr rtlCol="0" anchor="ctr"/>
+          <a:lstStyle/>
+          <a:p>
+            <a:pPr algn="ctr"/>
+            <a:endParaRPr lang="en-US"/>
+          </a:p>
+        </p:txBody>
+      </p:sp>
+      <p:sp>
+        <p:nvSpPr>
+          <p:cNvPr id="6" name="TextBox 5"/>
+          <p:cNvSpPr txBox="1"/>
+          <p:nvPr/>
+        </p:nvSpPr>
+        <p:spPr>
+          <a:xfrm>
+            <a:off x="2971800" y="3238500"/>
+            <a:ext cx="937116" cy="369332"/>
+          </a:xfrm>
+          <a:prstGeom prst="rect">
+            <a:avLst/>
+          </a:prstGeom>
+          <a:noFill/>
+        </p:spPr>
+        <p:txBody>
+          <a:bodyPr wrap="none" rtlCol="0">
+            <a:spAutoFit/>
+          </a:bodyPr>
+          <a:lstStyle/>
+          <a:p>
+            <a:r>
+              <a:rPr lang="en-US" dirty="0" err="1" smtClean="0"/>
+              <a:t>dockerd</a:t>
+            </a:r>
+            <a:endParaRPr lang="en-US" dirty="0"/>
+          </a:p>
+        </p:txBody>
+      </p:sp>
+      <p:cxnSp>
+        <p:nvCxnSpPr>
+          <p:cNvPr id="8" name="Straight Arrow Connector 7"/>
+          <p:cNvCxnSpPr/>
+          <p:nvPr/>
+        </p:nvCxnSpPr>
+        <p:spPr>
+          <a:xfrm flipV="1">
+            <a:off x="1600200" y="1714500"/>
+            <a:ext cx="2057400" cy="838200"/>
+          </a:xfrm>
+          <a:prstGeom prst="straightConnector1">
+            <a:avLst/>
+          </a:prstGeom>
+          <a:ln>
+            <a:tailEnd type="arrow"/>
+          </a:ln>
+        </p:spPr>
+        <p:style>
+          <a:lnRef idx="1">
+            <a:schemeClr val="accent1"/>
+          </a:lnRef>
+          <a:fillRef idx="0">
+            <a:schemeClr val="accent1"/>
+          </a:fillRef>
+          <a:effectRef idx="0">
+            <a:schemeClr val="accent1"/>
+          </a:effectRef>
+          <a:fontRef idx="minor">
+            <a:schemeClr val="tx1"/>
+          </a:fontRef>
+        </p:style>
+      </p:cxnSp>
+      <p:sp>
+        <p:nvSpPr>
+          <p:cNvPr id="9" name="Freeform 8"/>
+          <p:cNvSpPr/>
+          <p:nvPr/>
+        </p:nvSpPr>
+        <p:spPr>
+          <a:xfrm>
+            <a:off x="3885160" y="1200150"/>
+            <a:ext cx="252500" cy="1223301"/>
+          </a:xfrm>
+          <a:custGeom>
+            <a:avLst/>
+            <a:gdLst>
+              <a:gd name="connsiteX0" fmla="*/ 252500 w 252500"/>
+              <a:gd name="connsiteY0" fmla="*/ 0 h 1223301"/>
+              <a:gd name="connsiteX1" fmla="*/ 172490 w 252500"/>
+              <a:gd name="connsiteY1" fmla="*/ 22860 h 1223301"/>
+              <a:gd name="connsiteX2" fmla="*/ 103910 w 252500"/>
+              <a:gd name="connsiteY2" fmla="*/ 57150 h 1223301"/>
+              <a:gd name="connsiteX3" fmla="*/ 46760 w 252500"/>
+              <a:gd name="connsiteY3" fmla="*/ 125730 h 1223301"/>
+              <a:gd name="connsiteX4" fmla="*/ 23900 w 252500"/>
+              <a:gd name="connsiteY4" fmla="*/ 182880 h 1223301"/>
+              <a:gd name="connsiteX5" fmla="*/ 23900 w 252500"/>
+              <a:gd name="connsiteY5" fmla="*/ 331470 h 1223301"/>
+              <a:gd name="connsiteX6" fmla="*/ 69620 w 252500"/>
+              <a:gd name="connsiteY6" fmla="*/ 365760 h 1223301"/>
+              <a:gd name="connsiteX7" fmla="*/ 81050 w 252500"/>
+              <a:gd name="connsiteY7" fmla="*/ 400050 h 1223301"/>
+              <a:gd name="connsiteX8" fmla="*/ 103910 w 252500"/>
+              <a:gd name="connsiteY8" fmla="*/ 525780 h 1223301"/>
+              <a:gd name="connsiteX9" fmla="*/ 92480 w 252500"/>
+              <a:gd name="connsiteY9" fmla="*/ 582930 h 1223301"/>
+              <a:gd name="connsiteX10" fmla="*/ 126770 w 252500"/>
+              <a:gd name="connsiteY10" fmla="*/ 640080 h 1223301"/>
+              <a:gd name="connsiteX11" fmla="*/ 138200 w 252500"/>
+              <a:gd name="connsiteY11" fmla="*/ 674370 h 1223301"/>
+              <a:gd name="connsiteX12" fmla="*/ 115340 w 252500"/>
+              <a:gd name="connsiteY12" fmla="*/ 1017270 h 1223301"/>
+              <a:gd name="connsiteX13" fmla="*/ 92480 w 252500"/>
+              <a:gd name="connsiteY13" fmla="*/ 1062990 h 1223301"/>
+            </a:gdLst>
+            <a:ahLst/>
+            <a:cxnLst>
+              <a:cxn ang="0">
+                <a:pos x="connsiteX0" y="connsiteY0"/>
+              </a:cxn>
+              <a:cxn ang="0">
+                <a:pos x="connsiteX1" y="connsiteY1"/>
+              </a:cxn>
+              <a:cxn ang="0">
+                <a:pos x="connsiteX2" y="connsiteY2"/>
+              </a:cxn>
+              <a:cxn ang="0">
+                <a:pos x="connsiteX3" y="connsiteY3"/>
+              </a:cxn>
+              <a:cxn ang="0">
+                <a:pos x="connsiteX4" y="connsiteY4"/>
+              </a:cxn>
+              <a:cxn ang="0">
+                <a:pos x="connsiteX5" y="connsiteY5"/>
+              </a:cxn>
+              <a:cxn ang="0">
+                <a:pos x="connsiteX6" y="connsiteY6"/>
+              </a:cxn>
+              <a:cxn ang="0">
+                <a:pos x="connsiteX7" y="connsiteY7"/>
+              </a:cxn>
+              <a:cxn ang="0">
+                <a:pos x="connsiteX8" y="connsiteY8"/>
+              </a:cxn>
+              <a:cxn ang="0">
+                <a:pos x="connsiteX9" y="connsiteY9"/>
+              </a:cxn>
+              <a:cxn ang="0">
+                <a:pos x="connsiteX10" y="connsiteY10"/>
+              </a:cxn>
+              <a:cxn ang="0">
+                <a:pos x="connsiteX11" y="connsiteY11"/>
+              </a:cxn>
+              <a:cxn ang="0">
+                <a:pos x="connsiteX12" y="connsiteY12"/>
+              </a:cxn>
+              <a:cxn ang="0">
+                <a:pos x="connsiteX13" y="connsiteY13"/>
+              </a:cxn>
+            </a:cxnLst>
+            <a:rect l="l" t="t" r="r" b="b"/>
+            <a:pathLst>
+              <a:path w="252500" h="1223301">
+                <a:moveTo>
+                  <a:pt x="252500" y="0"/>
+                </a:moveTo>
+                <a:cubicBezTo>
+                  <a:pt x="237851" y="3662"/>
+                  <a:pt x="188888" y="14661"/>
+                  <a:pt x="172490" y="22860"/>
+                </a:cubicBezTo>
+                <a:cubicBezTo>
+                  <a:pt x="83860" y="67175"/>
+                  <a:pt x="190099" y="28420"/>
+                  <a:pt x="103910" y="57150"/>
+                </a:cubicBezTo>
+                <a:cubicBezTo>
+                  <a:pt x="78631" y="82429"/>
+                  <a:pt x="62673" y="93904"/>
+                  <a:pt x="46760" y="125730"/>
+                </a:cubicBezTo>
+                <a:cubicBezTo>
+                  <a:pt x="37584" y="144081"/>
+                  <a:pt x="31520" y="163830"/>
+                  <a:pt x="23900" y="182880"/>
+                </a:cubicBezTo>
+                <a:cubicBezTo>
+                  <a:pt x="15948" y="230590"/>
+                  <a:pt x="0" y="283671"/>
+                  <a:pt x="23900" y="331470"/>
+                </a:cubicBezTo>
+                <a:cubicBezTo>
+                  <a:pt x="32419" y="348509"/>
+                  <a:pt x="54380" y="354330"/>
+                  <a:pt x="69620" y="365760"/>
+                </a:cubicBezTo>
+                <a:cubicBezTo>
+                  <a:pt x="73430" y="377190"/>
+                  <a:pt x="78895" y="388196"/>
+                  <a:pt x="81050" y="400050"/>
+                </a:cubicBezTo>
+                <a:cubicBezTo>
+                  <a:pt x="106899" y="542218"/>
+                  <a:pt x="77697" y="447141"/>
+                  <a:pt x="103910" y="525780"/>
+                </a:cubicBezTo>
+                <a:cubicBezTo>
+                  <a:pt x="100100" y="544830"/>
+                  <a:pt x="88670" y="563880"/>
+                  <a:pt x="92480" y="582930"/>
+                </a:cubicBezTo>
+                <a:cubicBezTo>
+                  <a:pt x="96837" y="604715"/>
+                  <a:pt x="116835" y="620209"/>
+                  <a:pt x="126770" y="640080"/>
+                </a:cubicBezTo>
+                <a:cubicBezTo>
+                  <a:pt x="132158" y="650856"/>
+                  <a:pt x="134390" y="662940"/>
+                  <a:pt x="138200" y="674370"/>
+                </a:cubicBezTo>
+                <a:cubicBezTo>
+                  <a:pt x="130580" y="788670"/>
+                  <a:pt x="129124" y="903549"/>
+                  <a:pt x="115340" y="1017270"/>
+                </a:cubicBezTo>
+                <a:cubicBezTo>
+                  <a:pt x="90367" y="1223301"/>
+                  <a:pt x="92480" y="991070"/>
+                  <a:pt x="92480" y="1062990"/>
+                </a:cubicBezTo>
+              </a:path>
+            </a:pathLst>
+          </a:custGeom>
+        </p:spPr>
+        <p:style>
+          <a:lnRef idx="1">
+            <a:schemeClr val="accent1"/>
+          </a:lnRef>
+          <a:fillRef idx="0">
+            <a:schemeClr val="accent1"/>
+          </a:fillRef>
+          <a:effectRef idx="0">
+            <a:schemeClr val="accent1"/>
+          </a:effectRef>
+          <a:fontRef idx="minor">
+            <a:schemeClr val="tx1"/>
+          </a:fontRef>
+        </p:style>
+        <p:txBody>
+          <a:bodyPr rtlCol="0" anchor="ctr"/>
+          <a:lstStyle/>
+          <a:p>
+            <a:pPr algn="ctr"/>
+            <a:endParaRPr lang="en-US"/>
+          </a:p>
+        </p:txBody>
+      </p:sp>
+      <p:sp>
+        <p:nvSpPr>
+          <p:cNvPr id="10" name="TextBox 9"/>
+          <p:cNvSpPr txBox="1"/>
+          <p:nvPr/>
+        </p:nvSpPr>
+        <p:spPr>
+          <a:xfrm>
+            <a:off x="3733800" y="1333500"/>
+            <a:ext cx="3010376" cy="369332"/>
+          </a:xfrm>
+          <a:prstGeom prst="rect">
+            <a:avLst/>
+          </a:prstGeom>
+          <a:noFill/>
+        </p:spPr>
+        <p:txBody>
+          <a:bodyPr wrap="none" rtlCol="0">
+            <a:spAutoFit/>
+          </a:bodyPr>
+          <a:lstStyle/>
+          <a:p>
+            <a:r>
+              <a:rPr lang="en-US" dirty="0" err="1" smtClean="0"/>
+              <a:t>Kubernetes</a:t>
+            </a:r>
+            <a:r>
+              <a:rPr lang="en-US" dirty="0" smtClean="0"/>
+              <a:t> bundle of services</a:t>
+            </a:r>
+            <a:endParaRPr lang="en-US" dirty="0"/>
+          </a:p>
+        </p:txBody>
+      </p:sp>
+      <p:cxnSp>
+        <p:nvCxnSpPr>
+          <p:cNvPr id="12" name="Straight Arrow Connector 11"/>
+          <p:cNvCxnSpPr/>
+          <p:nvPr/>
+        </p:nvCxnSpPr>
+        <p:spPr>
+          <a:xfrm flipH="1">
+            <a:off x="3276600" y="1714500"/>
+            <a:ext cx="2590800" cy="1447800"/>
+          </a:xfrm>
+          <a:prstGeom prst="straightConnector1">
+            <a:avLst/>
+          </a:prstGeom>
+          <a:ln>
+            <a:tailEnd type="arrow"/>
+          </a:ln>
+        </p:spPr>
+        <p:style>
+          <a:lnRef idx="1">
+            <a:schemeClr val="accent1"/>
+          </a:lnRef>
+          <a:fillRef idx="0">
+            <a:schemeClr val="accent1"/>
+          </a:fillRef>
+          <a:effectRef idx="0">
+            <a:schemeClr val="accent1"/>
+          </a:effectRef>
+          <a:fontRef idx="minor">
+            <a:schemeClr val="tx1"/>
+          </a:fontRef>
+        </p:style>
+      </p:cxnSp>
+      <p:sp>
+        <p:nvSpPr>
+          <p:cNvPr id="13" name="Oval 12"/>
+          <p:cNvSpPr/>
+          <p:nvPr/>
+        </p:nvSpPr>
+        <p:spPr>
+          <a:xfrm>
+            <a:off x="6477000" y="3695700"/>
+            <a:ext cx="1981200" cy="1066800"/>
+          </a:xfrm>
+          <a:prstGeom prst="ellipse">
+            <a:avLst/>
+          </a:prstGeom>
+        </p:spPr>
+        <p:style>
+          <a:lnRef idx="2">
+            <a:schemeClr val="accent1">
+              <a:shade val="50000"/>
+            </a:schemeClr>
+          </a:lnRef>
+          <a:fillRef idx="1">
+            <a:schemeClr val="accent1"/>
+          </a:fillRef>
+          <a:effectRef idx="0">
+            <a:schemeClr val="accent1"/>
+          </a:effectRef>
+          <a:fontRef idx="minor">
+            <a:schemeClr val="lt1"/>
+          </a:fontRef>
+        </p:style>
+        <p:txBody>
+          <a:bodyPr rtlCol="0" anchor="ctr"/>
+          <a:lstStyle/>
+          <a:p>
+            <a:pPr algn="ctr"/>
+            <a:r>
+              <a:rPr lang="en-US" dirty="0" smtClean="0"/>
+              <a:t>Container</a:t>
+            </a:r>
+          </a:p>
+          <a:p>
+            <a:pPr algn="ctr"/>
+            <a:r>
+              <a:rPr lang="en-US" dirty="0" err="1" smtClean="0"/>
+              <a:t>nginx:alpine</a:t>
+            </a:r>
+            <a:endParaRPr lang="en-US" dirty="0" smtClean="0"/>
+          </a:p>
+          <a:p>
+            <a:pPr algn="ctr"/>
+            <a:r>
+              <a:rPr lang="en-US" dirty="0" smtClean="0"/>
+              <a:t>80</a:t>
+            </a:r>
+            <a:endParaRPr lang="en-US" dirty="0"/>
+          </a:p>
+        </p:txBody>
+      </p:sp>
+      <p:sp>
+        <p:nvSpPr>
+          <p:cNvPr id="15" name="TextBox 14"/>
+          <p:cNvSpPr txBox="1"/>
+          <p:nvPr/>
+        </p:nvSpPr>
+        <p:spPr>
+          <a:xfrm>
+            <a:off x="2670114" y="1790700"/>
+            <a:ext cx="301686" cy="369332"/>
+          </a:xfrm>
+          <a:prstGeom prst="rect">
+            <a:avLst/>
+          </a:prstGeom>
+          <a:noFill/>
+        </p:spPr>
+        <p:txBody>
+          <a:bodyPr wrap="none" rtlCol="0">
+            <a:spAutoFit/>
+          </a:bodyPr>
+          <a:lstStyle/>
+          <a:p>
+            <a:r>
+              <a:rPr lang="en-US" dirty="0" smtClean="0"/>
+              <a:t>1</a:t>
+            </a:r>
+            <a:endParaRPr lang="en-US" dirty="0"/>
+          </a:p>
+        </p:txBody>
+      </p:sp>
+      <p:sp>
+        <p:nvSpPr>
+          <p:cNvPr id="16" name="TextBox 15"/>
+          <p:cNvSpPr txBox="1"/>
+          <p:nvPr/>
+        </p:nvSpPr>
+        <p:spPr>
+          <a:xfrm>
+            <a:off x="4879914" y="1954768"/>
+            <a:ext cx="301686" cy="369332"/>
+          </a:xfrm>
+          <a:prstGeom prst="rect">
+            <a:avLst/>
+          </a:prstGeom>
+          <a:noFill/>
+        </p:spPr>
+        <p:txBody>
+          <a:bodyPr wrap="none" rtlCol="0">
+            <a:spAutoFit/>
+          </a:bodyPr>
+          <a:lstStyle/>
+          <a:p>
+            <a:r>
+              <a:rPr lang="en-US" dirty="0" smtClean="0"/>
+              <a:t>2</a:t>
+            </a:r>
+            <a:endParaRPr lang="en-US" dirty="0"/>
+          </a:p>
+        </p:txBody>
+      </p:sp>
+      <p:cxnSp>
+        <p:nvCxnSpPr>
+          <p:cNvPr id="18" name="Straight Arrow Connector 17"/>
+          <p:cNvCxnSpPr>
+            <a:stCxn id="6" idx="3"/>
+          </p:cNvCxnSpPr>
+          <p:nvPr/>
+        </p:nvCxnSpPr>
+        <p:spPr>
+          <a:xfrm flipV="1">
+            <a:off x="3908916" y="2476500"/>
+            <a:ext cx="2187084" cy="946666"/>
+          </a:xfrm>
+          <a:prstGeom prst="straightConnector1">
+            <a:avLst/>
+          </a:prstGeom>
+          <a:ln>
+            <a:tailEnd type="arrow"/>
+          </a:ln>
+        </p:spPr>
+        <p:style>
+          <a:lnRef idx="1">
+            <a:schemeClr val="accent1"/>
+          </a:lnRef>
+          <a:fillRef idx="0">
+            <a:schemeClr val="accent1"/>
+          </a:fillRef>
+          <a:effectRef idx="0">
+            <a:schemeClr val="accent1"/>
+          </a:effectRef>
+          <a:fontRef idx="minor">
+            <a:schemeClr val="tx1"/>
+          </a:fontRef>
+        </p:style>
+      </p:cxnSp>
+      <p:sp>
+        <p:nvSpPr>
+          <p:cNvPr id="19" name="Oval 18"/>
+          <p:cNvSpPr/>
+          <p:nvPr/>
+        </p:nvSpPr>
+        <p:spPr>
+          <a:xfrm>
+            <a:off x="6172200" y="2019300"/>
+            <a:ext cx="2133600" cy="838200"/>
+          </a:xfrm>
+          <a:prstGeom prst="ellipse">
+            <a:avLst/>
+          </a:prstGeom>
+        </p:spPr>
+        <p:style>
+          <a:lnRef idx="2">
+            <a:schemeClr val="accent1">
+              <a:shade val="50000"/>
+            </a:schemeClr>
+          </a:lnRef>
+          <a:fillRef idx="1">
+            <a:schemeClr val="accent1"/>
+          </a:fillRef>
+          <a:effectRef idx="0">
+            <a:schemeClr val="accent1"/>
+          </a:effectRef>
+          <a:fontRef idx="minor">
+            <a:schemeClr val="lt1"/>
+          </a:fontRef>
+        </p:style>
+        <p:txBody>
+          <a:bodyPr rtlCol="0" anchor="ctr"/>
+          <a:lstStyle/>
+          <a:p>
+            <a:pPr algn="ctr"/>
+            <a:r>
+              <a:rPr lang="en-US" dirty="0" smtClean="0"/>
+              <a:t>Pod: my-</a:t>
+            </a:r>
+            <a:r>
+              <a:rPr lang="en-US" dirty="0" err="1" smtClean="0"/>
+              <a:t>nginx</a:t>
+            </a:r>
+            <a:endParaRPr lang="en-US" dirty="0" smtClean="0"/>
+          </a:p>
+          <a:p>
+            <a:pPr algn="ctr"/>
+            <a:r>
+              <a:rPr lang="en-US" dirty="0" smtClean="0"/>
+              <a:t>"172.17.0.14</a:t>
+            </a:r>
+            <a:endParaRPr lang="en-US" dirty="0"/>
+          </a:p>
+        </p:txBody>
+      </p:sp>
+      <p:sp>
+        <p:nvSpPr>
+          <p:cNvPr id="20" name="TextBox 19"/>
+          <p:cNvSpPr txBox="1"/>
+          <p:nvPr/>
+        </p:nvSpPr>
+        <p:spPr>
+          <a:xfrm>
+            <a:off x="4953000" y="2781300"/>
+            <a:ext cx="301686" cy="369332"/>
+          </a:xfrm>
+          <a:prstGeom prst="rect">
+            <a:avLst/>
+          </a:prstGeom>
+          <a:noFill/>
+        </p:spPr>
+        <p:txBody>
+          <a:bodyPr wrap="none" rtlCol="0">
+            <a:spAutoFit/>
+          </a:bodyPr>
+          <a:lstStyle/>
+          <a:p>
+            <a:r>
+              <a:rPr lang="en-US" dirty="0" smtClean="0"/>
+              <a:t>3</a:t>
+            </a:r>
+            <a:endParaRPr lang="en-US" dirty="0"/>
+          </a:p>
+        </p:txBody>
+      </p:sp>
+      <p:cxnSp>
+        <p:nvCxnSpPr>
+          <p:cNvPr id="22" name="Straight Arrow Connector 21"/>
+          <p:cNvCxnSpPr>
+            <a:stCxn id="19" idx="4"/>
+          </p:cNvCxnSpPr>
+          <p:nvPr/>
+        </p:nvCxnSpPr>
+        <p:spPr>
+          <a:xfrm flipH="1">
+            <a:off x="3886200" y="2857500"/>
+            <a:ext cx="3352800" cy="685800"/>
+          </a:xfrm>
+          <a:prstGeom prst="straightConnector1">
+            <a:avLst/>
+          </a:prstGeom>
+          <a:ln>
+            <a:tailEnd type="arrow"/>
+          </a:ln>
+        </p:spPr>
+        <p:style>
+          <a:lnRef idx="1">
+            <a:schemeClr val="accent1"/>
+          </a:lnRef>
+          <a:fillRef idx="0">
+            <a:schemeClr val="accent1"/>
+          </a:fillRef>
+          <a:effectRef idx="0">
+            <a:schemeClr val="accent1"/>
+          </a:effectRef>
+          <a:fontRef idx="minor">
+            <a:schemeClr val="tx1"/>
+          </a:fontRef>
+        </p:style>
+      </p:cxnSp>
+      <p:sp>
+        <p:nvSpPr>
+          <p:cNvPr id="23" name="TextBox 22"/>
+          <p:cNvSpPr txBox="1"/>
+          <p:nvPr/>
+        </p:nvSpPr>
+        <p:spPr>
+          <a:xfrm>
+            <a:off x="5184714" y="3086100"/>
+            <a:ext cx="301686" cy="369332"/>
+          </a:xfrm>
+          <a:prstGeom prst="rect">
+            <a:avLst/>
+          </a:prstGeom>
+          <a:noFill/>
+        </p:spPr>
+        <p:txBody>
+          <a:bodyPr wrap="none" rtlCol="0">
+            <a:spAutoFit/>
+          </a:bodyPr>
+          <a:lstStyle/>
+          <a:p>
+            <a:r>
+              <a:rPr lang="en-US" dirty="0" smtClean="0"/>
+              <a:t>4</a:t>
+            </a:r>
+            <a:endParaRPr lang="en-US" dirty="0"/>
+          </a:p>
+        </p:txBody>
+      </p:sp>
+      <p:cxnSp>
+        <p:nvCxnSpPr>
+          <p:cNvPr id="25" name="Straight Arrow Connector 24"/>
+          <p:cNvCxnSpPr>
+            <a:endCxn id="13" idx="2"/>
+          </p:cNvCxnSpPr>
+          <p:nvPr/>
+        </p:nvCxnSpPr>
+        <p:spPr>
+          <a:xfrm>
+            <a:off x="3962400" y="3619500"/>
+            <a:ext cx="2514600" cy="609600"/>
+          </a:xfrm>
+          <a:prstGeom prst="straightConnector1">
+            <a:avLst/>
+          </a:prstGeom>
+          <a:ln>
+            <a:tailEnd type="arrow"/>
+          </a:ln>
+        </p:spPr>
+        <p:style>
+          <a:lnRef idx="1">
+            <a:schemeClr val="accent1"/>
+          </a:lnRef>
+          <a:fillRef idx="0">
+            <a:schemeClr val="accent1"/>
+          </a:fillRef>
+          <a:effectRef idx="0">
+            <a:schemeClr val="accent1"/>
+          </a:effectRef>
+          <a:fontRef idx="minor">
+            <a:schemeClr val="tx1"/>
+          </a:fontRef>
+        </p:style>
+      </p:cxnSp>
+      <p:sp>
+        <p:nvSpPr>
+          <p:cNvPr id="26" name="TextBox 25"/>
+          <p:cNvSpPr txBox="1"/>
+          <p:nvPr/>
+        </p:nvSpPr>
+        <p:spPr>
+          <a:xfrm>
+            <a:off x="5334000" y="3771900"/>
+            <a:ext cx="301686" cy="369332"/>
+          </a:xfrm>
+          <a:prstGeom prst="rect">
+            <a:avLst/>
+          </a:prstGeom>
+          <a:noFill/>
+        </p:spPr>
+        <p:txBody>
+          <a:bodyPr wrap="none" rtlCol="0">
+            <a:spAutoFit/>
+          </a:bodyPr>
+          <a:lstStyle/>
+          <a:p>
+            <a:r>
+              <a:rPr lang="en-US" dirty="0" smtClean="0"/>
+              <a:t>5</a:t>
+            </a:r>
+            <a:endParaRPr lang="en-US" dirty="0"/>
+          </a:p>
+        </p:txBody>
+      </p:sp>
+      <p:cxnSp>
+        <p:nvCxnSpPr>
+          <p:cNvPr id="29" name="Straight Arrow Connector 28"/>
+          <p:cNvCxnSpPr/>
+          <p:nvPr/>
+        </p:nvCxnSpPr>
+        <p:spPr>
+          <a:xfrm flipH="1">
+            <a:off x="7924800" y="1790700"/>
+            <a:ext cx="533400" cy="762000"/>
+          </a:xfrm>
+          <a:prstGeom prst="straightConnector1">
+            <a:avLst/>
+          </a:prstGeom>
+          <a:ln>
+            <a:solidFill>
+              <a:srgbClr val="FF0000"/>
+            </a:solidFill>
+            <a:tailEnd type="arrow"/>
+          </a:ln>
+        </p:spPr>
+        <p:style>
+          <a:lnRef idx="1">
+            <a:schemeClr val="accent1"/>
+          </a:lnRef>
+          <a:fillRef idx="0">
+            <a:schemeClr val="accent1"/>
+          </a:fillRef>
+          <a:effectRef idx="0">
+            <a:schemeClr val="accent1"/>
+          </a:effectRef>
+          <a:fontRef idx="minor">
+            <a:schemeClr val="tx1"/>
+          </a:fontRef>
+        </p:style>
+      </p:cxnSp>
+      <p:cxnSp>
+        <p:nvCxnSpPr>
+          <p:cNvPr id="30" name="Straight Arrow Connector 29"/>
+          <p:cNvCxnSpPr>
+            <a:endCxn id="13" idx="0"/>
+          </p:cNvCxnSpPr>
+          <p:nvPr/>
+        </p:nvCxnSpPr>
+        <p:spPr>
+          <a:xfrm flipH="1">
+            <a:off x="7467600" y="2705100"/>
+            <a:ext cx="304800" cy="990600"/>
+          </a:xfrm>
+          <a:prstGeom prst="straightConnector1">
+            <a:avLst/>
+          </a:prstGeom>
+          <a:ln>
+            <a:solidFill>
+              <a:srgbClr val="FF0000"/>
+            </a:solidFill>
+            <a:tailEnd type="arrow"/>
+          </a:ln>
+        </p:spPr>
+        <p:style>
+          <a:lnRef idx="1">
+            <a:schemeClr val="accent1"/>
+          </a:lnRef>
+          <a:fillRef idx="0">
+            <a:schemeClr val="accent1"/>
+          </a:fillRef>
+          <a:effectRef idx="0">
+            <a:schemeClr val="accent1"/>
+          </a:effectRef>
+          <a:fontRef idx="minor">
+            <a:schemeClr val="tx1"/>
+          </a:fontRef>
+        </p:style>
+      </p:cxnSp>
+    </p:spTree>
+  </p:cSld>
+  <p:clrMapOvr>
+    <a:masterClrMapping/>
+  </p:clrMapOvr>
+</p:sld>
+</file>
+
+<file path=ppt/slides/slide15.xml><?xml version="1.0" encoding="utf-8"?>
+<p:sld xmlns:a="http://schemas.openxmlformats.org/drawingml/2006/main" xmlns:r="http://schemas.openxmlformats.org/officeDocument/2006/relationships" xmlns:p="http://schemas.openxmlformats.org/presentationml/2006/main">
+  <p:cSld>
+    <p:spTree>
+      <p:nvGrpSpPr>
+        <p:cNvPr id="1" name=""/>
+        <p:cNvGrpSpPr/>
+        <p:nvPr/>
+      </p:nvGrpSpPr>
+      <p:grpSpPr>
+        <a:xfrm>
+          <a:off x="0" y="0"/>
+          <a:ext cx="0" cy="0"/>
+          <a:chOff x="0" y="0"/>
+          <a:chExt cx="0" cy="0"/>
+        </a:xfrm>
+      </p:grpSpPr>
+      <p:sp>
+        <p:nvSpPr>
+          <p:cNvPr id="2" name="Rectangle 1"/>
+          <p:cNvSpPr/>
+          <p:nvPr/>
+        </p:nvSpPr>
+        <p:spPr>
+          <a:xfrm>
+            <a:off x="2362200" y="266700"/>
+            <a:ext cx="6324600" cy="5181600"/>
+          </a:xfrm>
+          <a:prstGeom prst="rect">
+            <a:avLst/>
+          </a:prstGeom>
+          <a:noFill/>
+        </p:spPr>
+        <p:style>
+          <a:lnRef idx="2">
+            <a:schemeClr val="accent1">
+              <a:shade val="50000"/>
+            </a:schemeClr>
+          </a:lnRef>
+          <a:fillRef idx="1">
+            <a:schemeClr val="accent1"/>
+          </a:fillRef>
+          <a:effectRef idx="0">
+            <a:schemeClr val="accent1"/>
+          </a:effectRef>
+          <a:fontRef idx="minor">
+            <a:schemeClr val="lt1"/>
+          </a:fontRef>
+        </p:style>
+        <p:txBody>
+          <a:bodyPr rtlCol="0" anchor="ctr"/>
+          <a:lstStyle/>
+          <a:p>
+            <a:pPr algn="ctr"/>
+            <a:endParaRPr lang="en-US" dirty="0"/>
+          </a:p>
+        </p:txBody>
+      </p:sp>
+      <p:sp>
+        <p:nvSpPr>
+          <p:cNvPr id="3" name="TextBox 2"/>
+          <p:cNvSpPr txBox="1"/>
+          <p:nvPr/>
+        </p:nvSpPr>
+        <p:spPr>
+          <a:xfrm>
+            <a:off x="2362199" y="266699"/>
+            <a:ext cx="2667001" cy="377663"/>
+          </a:xfrm>
+          <a:prstGeom prst="rect">
+            <a:avLst/>
+          </a:prstGeom>
+          <a:noFill/>
+        </p:spPr>
+        <p:txBody>
+          <a:bodyPr wrap="square" rtlCol="0">
+            <a:spAutoFit/>
+          </a:bodyPr>
+          <a:lstStyle/>
+          <a:p>
+            <a:r>
+              <a:rPr lang="en-US" dirty="0" err="1" smtClean="0"/>
+              <a:t>Minikube</a:t>
+            </a:r>
+            <a:r>
+              <a:rPr lang="en-US" dirty="0" smtClean="0"/>
+              <a:t> 192.168.99.100</a:t>
+            </a:r>
+            <a:endParaRPr lang="en-US" dirty="0"/>
+          </a:p>
+        </p:txBody>
+      </p:sp>
+      <p:sp>
+        <p:nvSpPr>
+          <p:cNvPr id="4" name="Rectangle 3"/>
+          <p:cNvSpPr/>
+          <p:nvPr/>
+        </p:nvSpPr>
+        <p:spPr>
+          <a:xfrm>
+            <a:off x="3581400" y="1638300"/>
+            <a:ext cx="2743200" cy="2057400"/>
+          </a:xfrm>
+          <a:prstGeom prst="rect">
+            <a:avLst/>
+          </a:prstGeom>
+          <a:noFill/>
+        </p:spPr>
+        <p:style>
+          <a:lnRef idx="2">
+            <a:schemeClr val="accent1">
+              <a:shade val="50000"/>
+            </a:schemeClr>
+          </a:lnRef>
+          <a:fillRef idx="1">
+            <a:schemeClr val="accent1"/>
+          </a:fillRef>
+          <a:effectRef idx="0">
+            <a:schemeClr val="accent1"/>
+          </a:effectRef>
+          <a:fontRef idx="minor">
+            <a:schemeClr val="lt1"/>
+          </a:fontRef>
+        </p:style>
+        <p:txBody>
+          <a:bodyPr rtlCol="0" anchor="ctr"/>
+          <a:lstStyle/>
+          <a:p>
+            <a:pPr algn="ctr"/>
+            <a:endParaRPr lang="en-US"/>
+          </a:p>
+        </p:txBody>
+      </p:sp>
+      <p:sp>
+        <p:nvSpPr>
+          <p:cNvPr id="5" name="TextBox 4"/>
+          <p:cNvSpPr txBox="1"/>
+          <p:nvPr/>
+        </p:nvSpPr>
+        <p:spPr>
+          <a:xfrm>
+            <a:off x="3657600" y="1409700"/>
+            <a:ext cx="1875835" cy="369332"/>
+          </a:xfrm>
+          <a:prstGeom prst="rect">
+            <a:avLst/>
+          </a:prstGeom>
+          <a:noFill/>
+        </p:spPr>
+        <p:txBody>
+          <a:bodyPr wrap="none" rtlCol="0">
+            <a:spAutoFit/>
+          </a:bodyPr>
+          <a:lstStyle/>
+          <a:p>
+            <a:r>
+              <a:rPr lang="en-US" dirty="0" smtClean="0"/>
+              <a:t>POD : 172.17.0.14</a:t>
+            </a:r>
+            <a:endParaRPr lang="en-US" dirty="0"/>
+          </a:p>
+        </p:txBody>
+      </p:sp>
+      <p:sp>
+        <p:nvSpPr>
+          <p:cNvPr id="6" name="Oval 5"/>
+          <p:cNvSpPr/>
+          <p:nvPr/>
+        </p:nvSpPr>
+        <p:spPr>
+          <a:xfrm>
+            <a:off x="3733800" y="2019300"/>
+            <a:ext cx="1905000" cy="1676400"/>
+          </a:xfrm>
+          <a:prstGeom prst="ellipse">
+            <a:avLst/>
+          </a:prstGeom>
+        </p:spPr>
+        <p:style>
+          <a:lnRef idx="2">
+            <a:schemeClr val="accent1">
+              <a:shade val="50000"/>
+            </a:schemeClr>
+          </a:lnRef>
+          <a:fillRef idx="1">
+            <a:schemeClr val="accent1"/>
+          </a:fillRef>
+          <a:effectRef idx="0">
+            <a:schemeClr val="accent1"/>
+          </a:effectRef>
+          <a:fontRef idx="minor">
+            <a:schemeClr val="lt1"/>
+          </a:fontRef>
+        </p:style>
+        <p:txBody>
+          <a:bodyPr rtlCol="0" anchor="ctr"/>
+          <a:lstStyle/>
+          <a:p>
+            <a:pPr algn="ctr"/>
+            <a:r>
+              <a:rPr lang="en-US" dirty="0" smtClean="0"/>
+              <a:t>Ghost:1-apline</a:t>
+            </a:r>
+          </a:p>
+          <a:p>
+            <a:pPr algn="ctr"/>
+            <a:r>
+              <a:rPr lang="en-US" dirty="0" smtClean="0"/>
+              <a:t>2368</a:t>
+            </a:r>
+          </a:p>
+          <a:p>
+            <a:pPr algn="ctr"/>
+            <a:r>
+              <a:rPr lang="en-US" dirty="0" smtClean="0"/>
+              <a:t>Host: 172.17.0.15:3306</a:t>
+            </a:r>
+            <a:endParaRPr lang="en-US" dirty="0"/>
+          </a:p>
+        </p:txBody>
+      </p:sp>
+      <p:sp>
+        <p:nvSpPr>
+          <p:cNvPr id="7" name="Oval 6"/>
+          <p:cNvSpPr/>
+          <p:nvPr/>
+        </p:nvSpPr>
+        <p:spPr>
+          <a:xfrm>
+            <a:off x="6858000" y="2552700"/>
+            <a:ext cx="1905000" cy="762000"/>
+          </a:xfrm>
+          <a:prstGeom prst="ellipse">
+            <a:avLst/>
+          </a:prstGeom>
+        </p:spPr>
+        <p:style>
+          <a:lnRef idx="2">
+            <a:schemeClr val="accent1">
+              <a:shade val="50000"/>
+            </a:schemeClr>
+          </a:lnRef>
+          <a:fillRef idx="1">
+            <a:schemeClr val="accent1"/>
+          </a:fillRef>
+          <a:effectRef idx="0">
+            <a:schemeClr val="accent1"/>
+          </a:effectRef>
+          <a:fontRef idx="minor">
+            <a:schemeClr val="lt1"/>
+          </a:fontRef>
+        </p:style>
+        <p:txBody>
+          <a:bodyPr rtlCol="0" anchor="ctr"/>
+          <a:lstStyle/>
+          <a:p>
+            <a:pPr algn="ctr"/>
+            <a:r>
+              <a:rPr lang="en-US" dirty="0" smtClean="0"/>
+              <a:t>Mysql:5.7</a:t>
+            </a:r>
+          </a:p>
+          <a:p>
+            <a:pPr algn="ctr"/>
+            <a:r>
+              <a:rPr lang="en-US" dirty="0" smtClean="0"/>
+              <a:t>3306</a:t>
+            </a:r>
+            <a:endParaRPr lang="en-US" dirty="0"/>
+          </a:p>
+        </p:txBody>
+      </p:sp>
+      <p:sp>
+        <p:nvSpPr>
+          <p:cNvPr id="8" name="TextBox 7"/>
+          <p:cNvSpPr txBox="1"/>
+          <p:nvPr/>
+        </p:nvSpPr>
+        <p:spPr>
+          <a:xfrm>
+            <a:off x="4114800" y="952500"/>
+            <a:ext cx="1824538" cy="369332"/>
+          </a:xfrm>
+          <a:prstGeom prst="rect">
+            <a:avLst/>
+          </a:prstGeom>
+          <a:noFill/>
+        </p:spPr>
+        <p:txBody>
+          <a:bodyPr wrap="none" rtlCol="0">
+            <a:spAutoFit/>
+          </a:bodyPr>
+          <a:lstStyle/>
+          <a:p>
+            <a:r>
+              <a:rPr lang="en-US" dirty="0" smtClean="0"/>
+              <a:t>172.17.0.14:2368</a:t>
+            </a:r>
+            <a:endParaRPr lang="en-US" dirty="0"/>
+          </a:p>
+        </p:txBody>
+      </p:sp>
+      <p:cxnSp>
+        <p:nvCxnSpPr>
+          <p:cNvPr id="10" name="Straight Arrow Connector 9"/>
+          <p:cNvCxnSpPr>
+            <a:stCxn id="8" idx="2"/>
+          </p:cNvCxnSpPr>
+          <p:nvPr/>
+        </p:nvCxnSpPr>
+        <p:spPr>
+          <a:xfrm flipH="1">
+            <a:off x="4800600" y="1321832"/>
+            <a:ext cx="226469" cy="316468"/>
+          </a:xfrm>
+          <a:prstGeom prst="straightConnector1">
+            <a:avLst/>
+          </a:prstGeom>
+          <a:ln>
+            <a:tailEnd type="arrow"/>
+          </a:ln>
+        </p:spPr>
+        <p:style>
+          <a:lnRef idx="1">
+            <a:schemeClr val="accent1"/>
+          </a:lnRef>
+          <a:fillRef idx="0">
+            <a:schemeClr val="accent1"/>
+          </a:fillRef>
+          <a:effectRef idx="0">
+            <a:schemeClr val="accent1"/>
+          </a:effectRef>
+          <a:fontRef idx="minor">
+            <a:schemeClr val="tx1"/>
+          </a:fontRef>
+        </p:style>
+      </p:cxnSp>
+      <p:cxnSp>
+        <p:nvCxnSpPr>
+          <p:cNvPr id="12" name="Straight Arrow Connector 11"/>
+          <p:cNvCxnSpPr>
+            <a:stCxn id="5" idx="2"/>
+            <a:endCxn id="6" idx="0"/>
+          </p:cNvCxnSpPr>
+          <p:nvPr/>
+        </p:nvCxnSpPr>
+        <p:spPr>
+          <a:xfrm>
+            <a:off x="4595518" y="1779032"/>
+            <a:ext cx="90782" cy="240268"/>
+          </a:xfrm>
+          <a:prstGeom prst="straightConnector1">
+            <a:avLst/>
+          </a:prstGeom>
+          <a:ln>
+            <a:tailEnd type="arrow"/>
+          </a:ln>
+        </p:spPr>
+        <p:style>
+          <a:lnRef idx="1">
+            <a:schemeClr val="accent1"/>
+          </a:lnRef>
+          <a:fillRef idx="0">
+            <a:schemeClr val="accent1"/>
+          </a:fillRef>
+          <a:effectRef idx="0">
+            <a:schemeClr val="accent1"/>
+          </a:effectRef>
+          <a:fontRef idx="minor">
+            <a:schemeClr val="tx1"/>
+          </a:fontRef>
+        </p:style>
+      </p:cxnSp>
+      <p:cxnSp>
+        <p:nvCxnSpPr>
+          <p:cNvPr id="18" name="Straight Arrow Connector 17"/>
+          <p:cNvCxnSpPr>
+            <a:stCxn id="6" idx="0"/>
+          </p:cNvCxnSpPr>
+          <p:nvPr/>
+        </p:nvCxnSpPr>
+        <p:spPr>
+          <a:xfrm>
+            <a:off x="4686300" y="2019300"/>
+            <a:ext cx="2095500" cy="0"/>
+          </a:xfrm>
+          <a:prstGeom prst="straightConnector1">
+            <a:avLst/>
+          </a:prstGeom>
+          <a:ln>
+            <a:tailEnd type="arrow"/>
+          </a:ln>
+        </p:spPr>
+        <p:style>
+          <a:lnRef idx="1">
+            <a:schemeClr val="accent1"/>
+          </a:lnRef>
+          <a:fillRef idx="0">
+            <a:schemeClr val="accent1"/>
+          </a:fillRef>
+          <a:effectRef idx="0">
+            <a:schemeClr val="accent1"/>
+          </a:effectRef>
+          <a:fontRef idx="minor">
+            <a:schemeClr val="tx1"/>
+          </a:fontRef>
+        </p:style>
+      </p:cxnSp>
+      <p:sp>
+        <p:nvSpPr>
+          <p:cNvPr id="32" name="Rectangle 31"/>
+          <p:cNvSpPr/>
+          <p:nvPr/>
+        </p:nvSpPr>
+        <p:spPr>
+          <a:xfrm>
+            <a:off x="6781800" y="2095500"/>
+            <a:ext cx="1905000" cy="2057400"/>
+          </a:xfrm>
+          <a:prstGeom prst="rect">
+            <a:avLst/>
+          </a:prstGeom>
+          <a:noFill/>
+        </p:spPr>
+        <p:style>
+          <a:lnRef idx="2">
+            <a:schemeClr val="accent1">
+              <a:shade val="50000"/>
+            </a:schemeClr>
+          </a:lnRef>
+          <a:fillRef idx="1">
+            <a:schemeClr val="accent1"/>
+          </a:fillRef>
+          <a:effectRef idx="0">
+            <a:schemeClr val="accent1"/>
+          </a:effectRef>
+          <a:fontRef idx="minor">
+            <a:schemeClr val="lt1"/>
+          </a:fontRef>
+        </p:style>
+        <p:txBody>
+          <a:bodyPr rtlCol="0" anchor="ctr"/>
+          <a:lstStyle/>
+          <a:p>
+            <a:pPr algn="ctr"/>
+            <a:endParaRPr lang="en-US"/>
+          </a:p>
+        </p:txBody>
+      </p:sp>
+      <p:sp>
+        <p:nvSpPr>
+          <p:cNvPr id="33" name="TextBox 32"/>
+          <p:cNvSpPr txBox="1"/>
+          <p:nvPr/>
+        </p:nvSpPr>
+        <p:spPr>
+          <a:xfrm>
+            <a:off x="6858000" y="1866900"/>
+            <a:ext cx="1875835" cy="369332"/>
+          </a:xfrm>
+          <a:prstGeom prst="rect">
+            <a:avLst/>
+          </a:prstGeom>
+          <a:noFill/>
+        </p:spPr>
+        <p:txBody>
+          <a:bodyPr wrap="none" rtlCol="0">
+            <a:spAutoFit/>
+          </a:bodyPr>
+          <a:lstStyle/>
+          <a:p>
+            <a:r>
+              <a:rPr lang="en-US" dirty="0" smtClean="0"/>
+              <a:t>POD : 172.17.0.15</a:t>
+            </a:r>
+            <a:endParaRPr lang="en-US" dirty="0"/>
+          </a:p>
+        </p:txBody>
+      </p:sp>
+      <p:cxnSp>
+        <p:nvCxnSpPr>
+          <p:cNvPr id="36" name="Straight Arrow Connector 35"/>
+          <p:cNvCxnSpPr>
+            <a:stCxn id="33" idx="2"/>
+            <a:endCxn id="7" idx="0"/>
+          </p:cNvCxnSpPr>
+          <p:nvPr/>
+        </p:nvCxnSpPr>
+        <p:spPr>
+          <a:xfrm>
+            <a:off x="7795918" y="2236232"/>
+            <a:ext cx="14582" cy="316468"/>
+          </a:xfrm>
+          <a:prstGeom prst="straightConnector1">
+            <a:avLst/>
+          </a:prstGeom>
+          <a:ln>
+            <a:tailEnd type="arrow"/>
+          </a:ln>
+        </p:spPr>
+        <p:style>
+          <a:lnRef idx="1">
+            <a:schemeClr val="accent1"/>
+          </a:lnRef>
+          <a:fillRef idx="0">
+            <a:schemeClr val="accent1"/>
+          </a:fillRef>
+          <a:effectRef idx="0">
+            <a:schemeClr val="accent1"/>
+          </a:effectRef>
+          <a:fontRef idx="minor">
+            <a:schemeClr val="tx1"/>
+          </a:fontRef>
+        </p:style>
+      </p:cxnSp>
+      <p:sp>
+        <p:nvSpPr>
+          <p:cNvPr id="37" name="Rectangle 36"/>
+          <p:cNvSpPr/>
+          <p:nvPr/>
+        </p:nvSpPr>
+        <p:spPr>
+          <a:xfrm>
+            <a:off x="3352800" y="3657600"/>
+            <a:ext cx="2743200" cy="2057400"/>
+          </a:xfrm>
+          <a:prstGeom prst="rect">
+            <a:avLst/>
+          </a:prstGeom>
+          <a:noFill/>
+        </p:spPr>
+        <p:style>
+          <a:lnRef idx="2">
+            <a:schemeClr val="accent1">
+              <a:shade val="50000"/>
+            </a:schemeClr>
+          </a:lnRef>
+          <a:fillRef idx="1">
+            <a:schemeClr val="accent1"/>
+          </a:fillRef>
+          <a:effectRef idx="0">
+            <a:schemeClr val="accent1"/>
+          </a:effectRef>
+          <a:fontRef idx="minor">
+            <a:schemeClr val="lt1"/>
+          </a:fontRef>
+        </p:style>
+        <p:txBody>
+          <a:bodyPr rtlCol="0" anchor="ctr"/>
+          <a:lstStyle/>
+          <a:p>
+            <a:pPr algn="ctr"/>
+            <a:endParaRPr lang="en-US"/>
+          </a:p>
+        </p:txBody>
+      </p:sp>
+      <p:sp>
+        <p:nvSpPr>
+          <p:cNvPr id="38" name="TextBox 37"/>
+          <p:cNvSpPr txBox="1"/>
+          <p:nvPr/>
+        </p:nvSpPr>
+        <p:spPr>
+          <a:xfrm>
+            <a:off x="3429000" y="3429000"/>
+            <a:ext cx="1875835" cy="369332"/>
+          </a:xfrm>
+          <a:prstGeom prst="rect">
+            <a:avLst/>
+          </a:prstGeom>
+          <a:noFill/>
+        </p:spPr>
+        <p:txBody>
+          <a:bodyPr wrap="none" rtlCol="0">
+            <a:spAutoFit/>
+          </a:bodyPr>
+          <a:lstStyle/>
+          <a:p>
+            <a:r>
+              <a:rPr lang="en-US" dirty="0" smtClean="0"/>
+              <a:t>POD : 172.17.0.14</a:t>
+            </a:r>
+            <a:endParaRPr lang="en-US" dirty="0"/>
+          </a:p>
+        </p:txBody>
+      </p:sp>
+      <p:sp>
+        <p:nvSpPr>
+          <p:cNvPr id="39" name="Oval 38"/>
+          <p:cNvSpPr/>
+          <p:nvPr/>
+        </p:nvSpPr>
+        <p:spPr>
+          <a:xfrm>
+            <a:off x="3505200" y="4038600"/>
+            <a:ext cx="1905000" cy="1676400"/>
+          </a:xfrm>
+          <a:prstGeom prst="ellipse">
+            <a:avLst/>
+          </a:prstGeom>
+        </p:spPr>
+        <p:style>
+          <a:lnRef idx="2">
+            <a:schemeClr val="accent1">
+              <a:shade val="50000"/>
+            </a:schemeClr>
+          </a:lnRef>
+          <a:fillRef idx="1">
+            <a:schemeClr val="accent1"/>
+          </a:fillRef>
+          <a:effectRef idx="0">
+            <a:schemeClr val="accent1"/>
+          </a:effectRef>
+          <a:fontRef idx="minor">
+            <a:schemeClr val="lt1"/>
+          </a:fontRef>
+        </p:style>
+        <p:txBody>
+          <a:bodyPr rtlCol="0" anchor="ctr"/>
+          <a:lstStyle/>
+          <a:p>
+            <a:pPr algn="ctr"/>
+            <a:r>
+              <a:rPr lang="en-US" dirty="0" smtClean="0"/>
+              <a:t>Ghost:1-apline</a:t>
+            </a:r>
+          </a:p>
+          <a:p>
+            <a:pPr algn="ctr"/>
+            <a:r>
+              <a:rPr lang="en-US" dirty="0" smtClean="0"/>
+              <a:t>2368</a:t>
+            </a:r>
+          </a:p>
+          <a:p>
+            <a:pPr algn="ctr"/>
+            <a:r>
+              <a:rPr lang="en-US" dirty="0" smtClean="0"/>
+              <a:t>Host: 172.17.0.15:3306</a:t>
+            </a:r>
+            <a:endParaRPr lang="en-US" dirty="0"/>
+          </a:p>
+        </p:txBody>
+      </p:sp>
+      <p:cxnSp>
+        <p:nvCxnSpPr>
+          <p:cNvPr id="40" name="Straight Arrow Connector 39"/>
+          <p:cNvCxnSpPr>
+            <a:stCxn id="38" idx="2"/>
+            <a:endCxn id="39" idx="0"/>
+          </p:cNvCxnSpPr>
+          <p:nvPr/>
+        </p:nvCxnSpPr>
+        <p:spPr>
+          <a:xfrm>
+            <a:off x="4366918" y="3798332"/>
+            <a:ext cx="90782" cy="240268"/>
+          </a:xfrm>
+          <a:prstGeom prst="straightConnector1">
+            <a:avLst/>
+          </a:prstGeom>
+          <a:ln>
+            <a:tailEnd type="arrow"/>
+          </a:ln>
+        </p:spPr>
+        <p:style>
+          <a:lnRef idx="1">
+            <a:schemeClr val="accent1"/>
+          </a:lnRef>
+          <a:fillRef idx="0">
+            <a:schemeClr val="accent1"/>
+          </a:fillRef>
+          <a:effectRef idx="0">
+            <a:schemeClr val="accent1"/>
+          </a:effectRef>
+          <a:fontRef idx="minor">
+            <a:schemeClr val="tx1"/>
+          </a:fontRef>
+        </p:style>
+      </p:cxnSp>
+      <p:cxnSp>
+        <p:nvCxnSpPr>
+          <p:cNvPr id="42" name="Straight Arrow Connector 41"/>
+          <p:cNvCxnSpPr/>
+          <p:nvPr/>
+        </p:nvCxnSpPr>
+        <p:spPr>
+          <a:xfrm flipV="1">
+            <a:off x="5029200" y="2095500"/>
+            <a:ext cx="1752600" cy="3276600"/>
+          </a:xfrm>
+          <a:prstGeom prst="straightConnector1">
+            <a:avLst/>
+          </a:prstGeom>
+          <a:ln>
+            <a:tailEnd type="arrow"/>
+          </a:ln>
+        </p:spPr>
+        <p:style>
+          <a:lnRef idx="1">
+            <a:schemeClr val="accent1"/>
+          </a:lnRef>
+          <a:fillRef idx="0">
+            <a:schemeClr val="accent1"/>
+          </a:fillRef>
+          <a:effectRef idx="0">
+            <a:schemeClr val="accent1"/>
+          </a:effectRef>
+          <a:fontRef idx="minor">
+            <a:schemeClr val="tx1"/>
+          </a:fontRef>
+        </p:style>
+      </p:cxnSp>
+      <p:sp>
+        <p:nvSpPr>
+          <p:cNvPr id="43" name="Rectangle 42"/>
+          <p:cNvSpPr/>
+          <p:nvPr/>
+        </p:nvSpPr>
+        <p:spPr>
+          <a:xfrm>
+            <a:off x="533400" y="2324100"/>
+            <a:ext cx="1524000" cy="1219200"/>
+          </a:xfrm>
+          <a:prstGeom prst="rect">
+            <a:avLst/>
+          </a:prstGeom>
+          <a:noFill/>
+        </p:spPr>
+        <p:style>
+          <a:lnRef idx="2">
+            <a:schemeClr val="accent1">
+              <a:shade val="50000"/>
+            </a:schemeClr>
+          </a:lnRef>
+          <a:fillRef idx="1">
+            <a:schemeClr val="accent1"/>
+          </a:fillRef>
+          <a:effectRef idx="0">
+            <a:schemeClr val="accent1"/>
+          </a:effectRef>
+          <a:fontRef idx="minor">
+            <a:schemeClr val="lt1"/>
+          </a:fontRef>
+        </p:style>
+        <p:txBody>
+          <a:bodyPr rtlCol="0" anchor="ctr"/>
+          <a:lstStyle/>
+          <a:p>
+            <a:pPr algn="ctr"/>
+            <a:endParaRPr lang="en-US"/>
+          </a:p>
+        </p:txBody>
+      </p:sp>
+    </p:spTree>
+  </p:cSld>
+  <p:clrMapOvr>
+    <a:masterClrMapping/>
+  </p:clrMapOvr>
+</p:sld>
+</file>
+
 <file path=ppt/slides/slide2.xml><?xml version="1.0" encoding="utf-8"?>
 <p:sld xmlns:a="http://schemas.openxmlformats.org/drawingml/2006/main" xmlns:r="http://schemas.openxmlformats.org/officeDocument/2006/relationships" xmlns:p="http://schemas.openxmlformats.org/presentationml/2006/main">
   <p:cSld>
@@ -9631,7 +14114,7 @@
         </p:nvSpPr>
         <p:spPr>
           <a:xfrm>
-            <a:off x="3124200" y="266700"/>
+            <a:off x="3124200" y="304800"/>
             <a:ext cx="5486400" cy="5067300"/>
           </a:xfrm>
           <a:prstGeom prst="rect">
@@ -9672,7 +14155,7 @@
         </p:nvSpPr>
         <p:spPr>
           <a:xfrm>
-            <a:off x="3124200" y="266700"/>
+            <a:off x="3124200" y="304800"/>
             <a:ext cx="2583015" cy="369332"/>
           </a:xfrm>
           <a:prstGeom prst="rect">

--- a/rough-diag-may13.pptx
+++ b/rough-diag-may13.pptx
@@ -5,7 +5,7 @@
     <p:sldMasterId id="2147483648" r:id="rId1"/>
   </p:sldMasterIdLst>
   <p:notesMasterIdLst>
-    <p:notesMasterId r:id="rId17"/>
+    <p:notesMasterId r:id="rId22"/>
   </p:notesMasterIdLst>
   <p:sldIdLst>
     <p:sldId id="705" r:id="rId2"/>
@@ -23,6 +23,11 @@
     <p:sldId id="712" r:id="rId14"/>
     <p:sldId id="713" r:id="rId15"/>
     <p:sldId id="714" r:id="rId16"/>
+    <p:sldId id="715" r:id="rId17"/>
+    <p:sldId id="716" r:id="rId18"/>
+    <p:sldId id="717" r:id="rId19"/>
+    <p:sldId id="718" r:id="rId20"/>
+    <p:sldId id="719" r:id="rId21"/>
   </p:sldIdLst>
   <p:sldSz cx="9144000" cy="5715000" type="screen16x10"/>
   <p:notesSz cx="6858000" cy="9144000"/>
@@ -8407,6 +8412,4132 @@
 </p:sld>
 </file>
 
+<file path=ppt/slides/slide16.xml><?xml version="1.0" encoding="utf-8"?>
+<p:sld xmlns:a="http://schemas.openxmlformats.org/drawingml/2006/main" xmlns:r="http://schemas.openxmlformats.org/officeDocument/2006/relationships" xmlns:p="http://schemas.openxmlformats.org/presentationml/2006/main">
+  <p:cSld>
+    <p:spTree>
+      <p:nvGrpSpPr>
+        <p:cNvPr id="1" name=""/>
+        <p:cNvGrpSpPr/>
+        <p:nvPr/>
+      </p:nvGrpSpPr>
+      <p:grpSpPr>
+        <a:xfrm>
+          <a:off x="0" y="0"/>
+          <a:ext cx="0" cy="0"/>
+          <a:chOff x="0" y="0"/>
+          <a:chExt cx="0" cy="0"/>
+        </a:xfrm>
+      </p:grpSpPr>
+      <p:sp>
+        <p:nvSpPr>
+          <p:cNvPr id="2" name="Can 1"/>
+          <p:cNvSpPr/>
+          <p:nvPr/>
+        </p:nvSpPr>
+        <p:spPr>
+          <a:xfrm>
+            <a:off x="7239000" y="38100"/>
+            <a:ext cx="990600" cy="1066800"/>
+          </a:xfrm>
+          <a:prstGeom prst="can">
+            <a:avLst/>
+          </a:prstGeom>
+        </p:spPr>
+        <p:style>
+          <a:lnRef idx="2">
+            <a:schemeClr val="accent1">
+              <a:shade val="50000"/>
+            </a:schemeClr>
+          </a:lnRef>
+          <a:fillRef idx="1">
+            <a:schemeClr val="accent1"/>
+          </a:fillRef>
+          <a:effectRef idx="0">
+            <a:schemeClr val="accent1"/>
+          </a:effectRef>
+          <a:fontRef idx="minor">
+            <a:schemeClr val="lt1"/>
+          </a:fontRef>
+        </p:style>
+        <p:txBody>
+          <a:bodyPr rtlCol="0" anchor="ctr"/>
+          <a:lstStyle/>
+          <a:p>
+            <a:pPr algn="ctr"/>
+            <a:r>
+              <a:rPr lang="en-US" dirty="0" err="1" smtClean="0"/>
+              <a:t>Mysql</a:t>
+            </a:r>
+            <a:endParaRPr lang="en-US" dirty="0"/>
+          </a:p>
+        </p:txBody>
+      </p:sp>
+      <p:sp>
+        <p:nvSpPr>
+          <p:cNvPr id="3" name="TextBox 2"/>
+          <p:cNvSpPr txBox="1"/>
+          <p:nvPr/>
+        </p:nvSpPr>
+        <p:spPr>
+          <a:xfrm>
+            <a:off x="7010400" y="1104900"/>
+            <a:ext cx="1527982" cy="369332"/>
+          </a:xfrm>
+          <a:prstGeom prst="rect">
+            <a:avLst/>
+          </a:prstGeom>
+          <a:noFill/>
+        </p:spPr>
+        <p:txBody>
+          <a:bodyPr wrap="none" rtlCol="0">
+            <a:spAutoFit/>
+          </a:bodyPr>
+          <a:lstStyle/>
+          <a:p>
+            <a:r>
+              <a:rPr lang="en-US" dirty="0" smtClean="0"/>
+              <a:t>192.156.78.20</a:t>
+            </a:r>
+            <a:endParaRPr lang="en-US" dirty="0"/>
+          </a:p>
+        </p:txBody>
+      </p:sp>
+      <p:sp>
+        <p:nvSpPr>
+          <p:cNvPr id="4" name="Rounded Rectangle 3"/>
+          <p:cNvSpPr/>
+          <p:nvPr/>
+        </p:nvSpPr>
+        <p:spPr>
+          <a:xfrm>
+            <a:off x="4267200" y="114300"/>
+            <a:ext cx="1524000" cy="838200"/>
+          </a:xfrm>
+          <a:prstGeom prst="roundRect">
+            <a:avLst/>
+          </a:prstGeom>
+        </p:spPr>
+        <p:style>
+          <a:lnRef idx="2">
+            <a:schemeClr val="accent1">
+              <a:shade val="50000"/>
+            </a:schemeClr>
+          </a:lnRef>
+          <a:fillRef idx="1">
+            <a:schemeClr val="accent1"/>
+          </a:fillRef>
+          <a:effectRef idx="0">
+            <a:schemeClr val="accent1"/>
+          </a:effectRef>
+          <a:fontRef idx="minor">
+            <a:schemeClr val="lt1"/>
+          </a:fontRef>
+        </p:style>
+        <p:txBody>
+          <a:bodyPr rtlCol="0" anchor="ctr"/>
+          <a:lstStyle/>
+          <a:p>
+            <a:pPr algn="ctr"/>
+            <a:r>
+              <a:rPr lang="en-US" dirty="0" smtClean="0"/>
+              <a:t>Apache/tomcat</a:t>
+            </a:r>
+          </a:p>
+          <a:p>
+            <a:pPr algn="ctr"/>
+            <a:r>
+              <a:rPr lang="en-US" dirty="0" smtClean="0"/>
+              <a:t>code</a:t>
+            </a:r>
+            <a:endParaRPr lang="en-US" dirty="0"/>
+          </a:p>
+        </p:txBody>
+      </p:sp>
+      <p:sp>
+        <p:nvSpPr>
+          <p:cNvPr id="5" name="TextBox 4"/>
+          <p:cNvSpPr txBox="1"/>
+          <p:nvPr/>
+        </p:nvSpPr>
+        <p:spPr>
+          <a:xfrm>
+            <a:off x="3962400" y="952500"/>
+            <a:ext cx="2058577" cy="369332"/>
+          </a:xfrm>
+          <a:prstGeom prst="rect">
+            <a:avLst/>
+          </a:prstGeom>
+          <a:noFill/>
+        </p:spPr>
+        <p:txBody>
+          <a:bodyPr wrap="none" rtlCol="0">
+            <a:spAutoFit/>
+          </a:bodyPr>
+          <a:lstStyle/>
+          <a:p>
+            <a:r>
+              <a:rPr lang="en-US" dirty="0" smtClean="0"/>
+              <a:t>192.156.78.21:8080</a:t>
+            </a:r>
+            <a:endParaRPr lang="en-US" dirty="0"/>
+          </a:p>
+        </p:txBody>
+      </p:sp>
+      <p:cxnSp>
+        <p:nvCxnSpPr>
+          <p:cNvPr id="7" name="Straight Arrow Connector 6"/>
+          <p:cNvCxnSpPr>
+            <a:stCxn id="4" idx="3"/>
+            <a:endCxn id="2" idx="2"/>
+          </p:cNvCxnSpPr>
+          <p:nvPr/>
+        </p:nvCxnSpPr>
+        <p:spPr>
+          <a:xfrm>
+            <a:off x="5791200" y="533400"/>
+            <a:ext cx="1447800" cy="38100"/>
+          </a:xfrm>
+          <a:prstGeom prst="straightConnector1">
+            <a:avLst/>
+          </a:prstGeom>
+          <a:ln>
+            <a:tailEnd type="arrow"/>
+          </a:ln>
+        </p:spPr>
+        <p:style>
+          <a:lnRef idx="1">
+            <a:schemeClr val="accent1"/>
+          </a:lnRef>
+          <a:fillRef idx="0">
+            <a:schemeClr val="accent1"/>
+          </a:fillRef>
+          <a:effectRef idx="0">
+            <a:schemeClr val="accent1"/>
+          </a:effectRef>
+          <a:fontRef idx="minor">
+            <a:schemeClr val="tx1"/>
+          </a:fontRef>
+        </p:style>
+      </p:cxnSp>
+      <p:sp>
+        <p:nvSpPr>
+          <p:cNvPr id="8" name="TextBox 7"/>
+          <p:cNvSpPr txBox="1"/>
+          <p:nvPr/>
+        </p:nvSpPr>
+        <p:spPr>
+          <a:xfrm>
+            <a:off x="152400" y="266700"/>
+            <a:ext cx="2692788" cy="369332"/>
+          </a:xfrm>
+          <a:prstGeom prst="rect">
+            <a:avLst/>
+          </a:prstGeom>
+          <a:noFill/>
+        </p:spPr>
+        <p:txBody>
+          <a:bodyPr wrap="none" rtlCol="0">
+            <a:spAutoFit/>
+          </a:bodyPr>
+          <a:lstStyle/>
+          <a:p>
+            <a:r>
+              <a:rPr lang="en-US" dirty="0" smtClean="0"/>
+              <a:t>http://192.156.78.21:8080</a:t>
+            </a:r>
+            <a:endParaRPr lang="en-US" dirty="0"/>
+          </a:p>
+        </p:txBody>
+      </p:sp>
+      <p:cxnSp>
+        <p:nvCxnSpPr>
+          <p:cNvPr id="10" name="Straight Arrow Connector 9"/>
+          <p:cNvCxnSpPr>
+            <a:stCxn id="8" idx="3"/>
+            <a:endCxn id="4" idx="1"/>
+          </p:cNvCxnSpPr>
+          <p:nvPr/>
+        </p:nvCxnSpPr>
+        <p:spPr>
+          <a:xfrm>
+            <a:off x="2845188" y="451366"/>
+            <a:ext cx="1422012" cy="82034"/>
+          </a:xfrm>
+          <a:prstGeom prst="straightConnector1">
+            <a:avLst/>
+          </a:prstGeom>
+          <a:ln>
+            <a:tailEnd type="arrow"/>
+          </a:ln>
+        </p:spPr>
+        <p:style>
+          <a:lnRef idx="1">
+            <a:schemeClr val="accent1"/>
+          </a:lnRef>
+          <a:fillRef idx="0">
+            <a:schemeClr val="accent1"/>
+          </a:fillRef>
+          <a:effectRef idx="0">
+            <a:schemeClr val="accent1"/>
+          </a:effectRef>
+          <a:fontRef idx="minor">
+            <a:schemeClr val="tx1"/>
+          </a:fontRef>
+        </p:style>
+      </p:cxnSp>
+      <p:sp>
+        <p:nvSpPr>
+          <p:cNvPr id="11" name="Can 10"/>
+          <p:cNvSpPr/>
+          <p:nvPr/>
+        </p:nvSpPr>
+        <p:spPr>
+          <a:xfrm>
+            <a:off x="7467600" y="2247900"/>
+            <a:ext cx="990600" cy="1066800"/>
+          </a:xfrm>
+          <a:prstGeom prst="can">
+            <a:avLst/>
+          </a:prstGeom>
+        </p:spPr>
+        <p:style>
+          <a:lnRef idx="2">
+            <a:schemeClr val="accent1">
+              <a:shade val="50000"/>
+            </a:schemeClr>
+          </a:lnRef>
+          <a:fillRef idx="1">
+            <a:schemeClr val="accent1"/>
+          </a:fillRef>
+          <a:effectRef idx="0">
+            <a:schemeClr val="accent1"/>
+          </a:effectRef>
+          <a:fontRef idx="minor">
+            <a:schemeClr val="lt1"/>
+          </a:fontRef>
+        </p:style>
+        <p:txBody>
+          <a:bodyPr rtlCol="0" anchor="ctr"/>
+          <a:lstStyle/>
+          <a:p>
+            <a:pPr algn="ctr"/>
+            <a:r>
+              <a:rPr lang="en-US" dirty="0" err="1" smtClean="0"/>
+              <a:t>Mysql</a:t>
+            </a:r>
+            <a:endParaRPr lang="en-US" dirty="0"/>
+          </a:p>
+        </p:txBody>
+      </p:sp>
+      <p:sp>
+        <p:nvSpPr>
+          <p:cNvPr id="12" name="TextBox 11"/>
+          <p:cNvSpPr txBox="1"/>
+          <p:nvPr/>
+        </p:nvSpPr>
+        <p:spPr>
+          <a:xfrm>
+            <a:off x="7162800" y="3390900"/>
+            <a:ext cx="1527982" cy="369332"/>
+          </a:xfrm>
+          <a:prstGeom prst="rect">
+            <a:avLst/>
+          </a:prstGeom>
+          <a:noFill/>
+        </p:spPr>
+        <p:txBody>
+          <a:bodyPr wrap="none" rtlCol="0">
+            <a:spAutoFit/>
+          </a:bodyPr>
+          <a:lstStyle/>
+          <a:p>
+            <a:r>
+              <a:rPr lang="en-US" dirty="0" smtClean="0"/>
+              <a:t>192.156.78.20</a:t>
+            </a:r>
+            <a:endParaRPr lang="en-US" dirty="0"/>
+          </a:p>
+        </p:txBody>
+      </p:sp>
+      <p:sp>
+        <p:nvSpPr>
+          <p:cNvPr id="13" name="Rounded Rectangle 12"/>
+          <p:cNvSpPr/>
+          <p:nvPr/>
+        </p:nvSpPr>
+        <p:spPr>
+          <a:xfrm>
+            <a:off x="4343400" y="1790700"/>
+            <a:ext cx="1524000" cy="838200"/>
+          </a:xfrm>
+          <a:prstGeom prst="roundRect">
+            <a:avLst/>
+          </a:prstGeom>
+        </p:spPr>
+        <p:style>
+          <a:lnRef idx="2">
+            <a:schemeClr val="accent1">
+              <a:shade val="50000"/>
+            </a:schemeClr>
+          </a:lnRef>
+          <a:fillRef idx="1">
+            <a:schemeClr val="accent1"/>
+          </a:fillRef>
+          <a:effectRef idx="0">
+            <a:schemeClr val="accent1"/>
+          </a:effectRef>
+          <a:fontRef idx="minor">
+            <a:schemeClr val="lt1"/>
+          </a:fontRef>
+        </p:style>
+        <p:txBody>
+          <a:bodyPr rtlCol="0" anchor="ctr"/>
+          <a:lstStyle/>
+          <a:p>
+            <a:pPr algn="ctr"/>
+            <a:r>
+              <a:rPr lang="en-US" dirty="0" smtClean="0"/>
+              <a:t>Apache/tomcat</a:t>
+            </a:r>
+          </a:p>
+          <a:p>
+            <a:pPr algn="ctr"/>
+            <a:r>
+              <a:rPr lang="en-US" dirty="0" smtClean="0"/>
+              <a:t>code</a:t>
+            </a:r>
+            <a:endParaRPr lang="en-US" dirty="0"/>
+          </a:p>
+        </p:txBody>
+      </p:sp>
+      <p:sp>
+        <p:nvSpPr>
+          <p:cNvPr id="14" name="TextBox 13"/>
+          <p:cNvSpPr txBox="1"/>
+          <p:nvPr/>
+        </p:nvSpPr>
+        <p:spPr>
+          <a:xfrm>
+            <a:off x="4038600" y="2628900"/>
+            <a:ext cx="2058577" cy="369332"/>
+          </a:xfrm>
+          <a:prstGeom prst="rect">
+            <a:avLst/>
+          </a:prstGeom>
+          <a:noFill/>
+        </p:spPr>
+        <p:txBody>
+          <a:bodyPr wrap="none" rtlCol="0">
+            <a:spAutoFit/>
+          </a:bodyPr>
+          <a:lstStyle/>
+          <a:p>
+            <a:r>
+              <a:rPr lang="en-US" dirty="0" smtClean="0"/>
+              <a:t>192.156.78.21:8080</a:t>
+            </a:r>
+            <a:endParaRPr lang="en-US" dirty="0"/>
+          </a:p>
+        </p:txBody>
+      </p:sp>
+      <p:cxnSp>
+        <p:nvCxnSpPr>
+          <p:cNvPr id="15" name="Straight Arrow Connector 14"/>
+          <p:cNvCxnSpPr>
+            <a:stCxn id="13" idx="3"/>
+            <a:endCxn id="11" idx="2"/>
+          </p:cNvCxnSpPr>
+          <p:nvPr/>
+        </p:nvCxnSpPr>
+        <p:spPr>
+          <a:xfrm>
+            <a:off x="5867400" y="2209800"/>
+            <a:ext cx="1600200" cy="571500"/>
+          </a:xfrm>
+          <a:prstGeom prst="straightConnector1">
+            <a:avLst/>
+          </a:prstGeom>
+          <a:ln>
+            <a:tailEnd type="arrow"/>
+          </a:ln>
+        </p:spPr>
+        <p:style>
+          <a:lnRef idx="1">
+            <a:schemeClr val="accent1"/>
+          </a:lnRef>
+          <a:fillRef idx="0">
+            <a:schemeClr val="accent1"/>
+          </a:fillRef>
+          <a:effectRef idx="0">
+            <a:schemeClr val="accent1"/>
+          </a:effectRef>
+          <a:fontRef idx="minor">
+            <a:schemeClr val="tx1"/>
+          </a:fontRef>
+        </p:style>
+      </p:cxnSp>
+      <p:sp>
+        <p:nvSpPr>
+          <p:cNvPr id="18" name="Rounded Rectangle 17"/>
+          <p:cNvSpPr/>
+          <p:nvPr/>
+        </p:nvSpPr>
+        <p:spPr>
+          <a:xfrm>
+            <a:off x="4418423" y="3009900"/>
+            <a:ext cx="1524000" cy="838200"/>
+          </a:xfrm>
+          <a:prstGeom prst="roundRect">
+            <a:avLst/>
+          </a:prstGeom>
+        </p:spPr>
+        <p:style>
+          <a:lnRef idx="2">
+            <a:schemeClr val="accent1">
+              <a:shade val="50000"/>
+            </a:schemeClr>
+          </a:lnRef>
+          <a:fillRef idx="1">
+            <a:schemeClr val="accent1"/>
+          </a:fillRef>
+          <a:effectRef idx="0">
+            <a:schemeClr val="accent1"/>
+          </a:effectRef>
+          <a:fontRef idx="minor">
+            <a:schemeClr val="lt1"/>
+          </a:fontRef>
+        </p:style>
+        <p:txBody>
+          <a:bodyPr rtlCol="0" anchor="ctr"/>
+          <a:lstStyle/>
+          <a:p>
+            <a:pPr algn="ctr"/>
+            <a:r>
+              <a:rPr lang="en-US" dirty="0" smtClean="0"/>
+              <a:t>Apache/tomcat</a:t>
+            </a:r>
+          </a:p>
+          <a:p>
+            <a:pPr algn="ctr"/>
+            <a:r>
+              <a:rPr lang="en-US" dirty="0" smtClean="0"/>
+              <a:t>code</a:t>
+            </a:r>
+            <a:endParaRPr lang="en-US" dirty="0"/>
+          </a:p>
+        </p:txBody>
+      </p:sp>
+      <p:sp>
+        <p:nvSpPr>
+          <p:cNvPr id="19" name="TextBox 18"/>
+          <p:cNvSpPr txBox="1"/>
+          <p:nvPr/>
+        </p:nvSpPr>
+        <p:spPr>
+          <a:xfrm>
+            <a:off x="4113623" y="3848100"/>
+            <a:ext cx="2058577" cy="369332"/>
+          </a:xfrm>
+          <a:prstGeom prst="rect">
+            <a:avLst/>
+          </a:prstGeom>
+          <a:noFill/>
+        </p:spPr>
+        <p:txBody>
+          <a:bodyPr wrap="none" rtlCol="0">
+            <a:spAutoFit/>
+          </a:bodyPr>
+          <a:lstStyle/>
+          <a:p>
+            <a:r>
+              <a:rPr lang="en-US" dirty="0" smtClean="0"/>
+              <a:t>192.156.78.22:8080</a:t>
+            </a:r>
+            <a:endParaRPr lang="en-US" dirty="0"/>
+          </a:p>
+        </p:txBody>
+      </p:sp>
+      <p:cxnSp>
+        <p:nvCxnSpPr>
+          <p:cNvPr id="21" name="Straight Arrow Connector 20"/>
+          <p:cNvCxnSpPr>
+            <a:stCxn id="18" idx="3"/>
+            <a:endCxn id="11" idx="2"/>
+          </p:cNvCxnSpPr>
+          <p:nvPr/>
+        </p:nvCxnSpPr>
+        <p:spPr>
+          <a:xfrm flipV="1">
+            <a:off x="5942423" y="2781300"/>
+            <a:ext cx="1525177" cy="647700"/>
+          </a:xfrm>
+          <a:prstGeom prst="straightConnector1">
+            <a:avLst/>
+          </a:prstGeom>
+          <a:ln>
+            <a:tailEnd type="arrow"/>
+          </a:ln>
+        </p:spPr>
+        <p:style>
+          <a:lnRef idx="1">
+            <a:schemeClr val="accent1"/>
+          </a:lnRef>
+          <a:fillRef idx="0">
+            <a:schemeClr val="accent1"/>
+          </a:fillRef>
+          <a:effectRef idx="0">
+            <a:schemeClr val="accent1"/>
+          </a:effectRef>
+          <a:fontRef idx="minor">
+            <a:schemeClr val="tx1"/>
+          </a:fontRef>
+        </p:style>
+      </p:cxnSp>
+      <p:sp>
+        <p:nvSpPr>
+          <p:cNvPr id="25" name="Rounded Rectangle 24"/>
+          <p:cNvSpPr/>
+          <p:nvPr/>
+        </p:nvSpPr>
+        <p:spPr>
+          <a:xfrm>
+            <a:off x="2209800" y="2476500"/>
+            <a:ext cx="1524000" cy="838200"/>
+          </a:xfrm>
+          <a:prstGeom prst="roundRect">
+            <a:avLst/>
+          </a:prstGeom>
+        </p:spPr>
+        <p:style>
+          <a:lnRef idx="2">
+            <a:schemeClr val="accent1">
+              <a:shade val="50000"/>
+            </a:schemeClr>
+          </a:lnRef>
+          <a:fillRef idx="1">
+            <a:schemeClr val="accent1"/>
+          </a:fillRef>
+          <a:effectRef idx="0">
+            <a:schemeClr val="accent1"/>
+          </a:effectRef>
+          <a:fontRef idx="minor">
+            <a:schemeClr val="lt1"/>
+          </a:fontRef>
+        </p:style>
+        <p:txBody>
+          <a:bodyPr rtlCol="0" anchor="ctr"/>
+          <a:lstStyle/>
+          <a:p>
+            <a:pPr algn="ctr"/>
+            <a:r>
+              <a:rPr lang="en-US" dirty="0" smtClean="0"/>
+              <a:t>Lb</a:t>
+            </a:r>
+          </a:p>
+          <a:p>
+            <a:pPr algn="ctr"/>
+            <a:r>
+              <a:rPr lang="en-US" dirty="0" smtClean="0"/>
+              <a:t>Ha-proxy</a:t>
+            </a:r>
+            <a:endParaRPr lang="en-US" dirty="0"/>
+          </a:p>
+        </p:txBody>
+      </p:sp>
+      <p:sp>
+        <p:nvSpPr>
+          <p:cNvPr id="26" name="TextBox 25"/>
+          <p:cNvSpPr txBox="1"/>
+          <p:nvPr/>
+        </p:nvSpPr>
+        <p:spPr>
+          <a:xfrm>
+            <a:off x="2057400" y="2095500"/>
+            <a:ext cx="1824538" cy="369332"/>
+          </a:xfrm>
+          <a:prstGeom prst="rect">
+            <a:avLst/>
+          </a:prstGeom>
+          <a:noFill/>
+        </p:spPr>
+        <p:txBody>
+          <a:bodyPr wrap="none" rtlCol="0">
+            <a:spAutoFit/>
+          </a:bodyPr>
+          <a:lstStyle/>
+          <a:p>
+            <a:r>
+              <a:rPr lang="en-US" dirty="0" smtClean="0"/>
+              <a:t>192.156.78.23:80</a:t>
+            </a:r>
+            <a:endParaRPr lang="en-US" dirty="0"/>
+          </a:p>
+        </p:txBody>
+      </p:sp>
+      <p:sp>
+        <p:nvSpPr>
+          <p:cNvPr id="27" name="TextBox 26"/>
+          <p:cNvSpPr txBox="1"/>
+          <p:nvPr/>
+        </p:nvSpPr>
+        <p:spPr>
+          <a:xfrm>
+            <a:off x="2057400" y="3314700"/>
+            <a:ext cx="1905000" cy="738664"/>
+          </a:xfrm>
+          <a:prstGeom prst="rect">
+            <a:avLst/>
+          </a:prstGeom>
+          <a:noFill/>
+        </p:spPr>
+        <p:txBody>
+          <a:bodyPr wrap="square" rtlCol="0">
+            <a:spAutoFit/>
+          </a:bodyPr>
+          <a:lstStyle/>
+          <a:p>
+            <a:r>
+              <a:rPr lang="en-US" sz="1400" dirty="0" smtClean="0"/>
+              <a:t>Backend: Round Robin</a:t>
+            </a:r>
+          </a:p>
+          <a:p>
+            <a:r>
+              <a:rPr lang="en-US" sz="1400" dirty="0" smtClean="0"/>
+              <a:t> </a:t>
+            </a:r>
+            <a:r>
+              <a:rPr lang="en-US" sz="1400" dirty="0" smtClean="0"/>
+              <a:t>  </a:t>
+            </a:r>
+            <a:r>
+              <a:rPr lang="en-US" sz="1400" dirty="0" smtClean="0"/>
+              <a:t>192.156.78.21:8080</a:t>
+            </a:r>
+          </a:p>
+          <a:p>
+            <a:r>
+              <a:rPr lang="en-US" sz="1400" dirty="0" smtClean="0"/>
+              <a:t>   192.156.78.22:8080</a:t>
+            </a:r>
+            <a:endParaRPr lang="en-US" dirty="0"/>
+          </a:p>
+        </p:txBody>
+      </p:sp>
+      <p:cxnSp>
+        <p:nvCxnSpPr>
+          <p:cNvPr id="29" name="Straight Arrow Connector 28"/>
+          <p:cNvCxnSpPr>
+            <a:stCxn id="25" idx="3"/>
+            <a:endCxn id="13" idx="1"/>
+          </p:cNvCxnSpPr>
+          <p:nvPr/>
+        </p:nvCxnSpPr>
+        <p:spPr>
+          <a:xfrm flipV="1">
+            <a:off x="3733800" y="2209800"/>
+            <a:ext cx="609600" cy="685800"/>
+          </a:xfrm>
+          <a:prstGeom prst="straightConnector1">
+            <a:avLst/>
+          </a:prstGeom>
+          <a:ln>
+            <a:tailEnd type="arrow"/>
+          </a:ln>
+        </p:spPr>
+        <p:style>
+          <a:lnRef idx="1">
+            <a:schemeClr val="accent1"/>
+          </a:lnRef>
+          <a:fillRef idx="0">
+            <a:schemeClr val="accent1"/>
+          </a:fillRef>
+          <a:effectRef idx="0">
+            <a:schemeClr val="accent1"/>
+          </a:effectRef>
+          <a:fontRef idx="minor">
+            <a:schemeClr val="tx1"/>
+          </a:fontRef>
+        </p:style>
+      </p:cxnSp>
+      <p:cxnSp>
+        <p:nvCxnSpPr>
+          <p:cNvPr id="31" name="Straight Arrow Connector 30"/>
+          <p:cNvCxnSpPr>
+            <a:stCxn id="25" idx="3"/>
+            <a:endCxn id="18" idx="1"/>
+          </p:cNvCxnSpPr>
+          <p:nvPr/>
+        </p:nvCxnSpPr>
+        <p:spPr>
+          <a:xfrm>
+            <a:off x="3733800" y="2895600"/>
+            <a:ext cx="684623" cy="533400"/>
+          </a:xfrm>
+          <a:prstGeom prst="straightConnector1">
+            <a:avLst/>
+          </a:prstGeom>
+          <a:ln>
+            <a:tailEnd type="arrow"/>
+          </a:ln>
+        </p:spPr>
+        <p:style>
+          <a:lnRef idx="1">
+            <a:schemeClr val="accent1"/>
+          </a:lnRef>
+          <a:fillRef idx="0">
+            <a:schemeClr val="accent1"/>
+          </a:fillRef>
+          <a:effectRef idx="0">
+            <a:schemeClr val="accent1"/>
+          </a:effectRef>
+          <a:fontRef idx="minor">
+            <a:schemeClr val="tx1"/>
+          </a:fontRef>
+        </p:style>
+      </p:cxnSp>
+      <p:sp>
+        <p:nvSpPr>
+          <p:cNvPr id="32" name="TextBox 31"/>
+          <p:cNvSpPr txBox="1"/>
+          <p:nvPr/>
+        </p:nvSpPr>
+        <p:spPr>
+          <a:xfrm>
+            <a:off x="0" y="2781300"/>
+            <a:ext cx="1402307" cy="307777"/>
+          </a:xfrm>
+          <a:prstGeom prst="rect">
+            <a:avLst/>
+          </a:prstGeom>
+          <a:noFill/>
+        </p:spPr>
+        <p:txBody>
+          <a:bodyPr wrap="none" rtlCol="0">
+            <a:spAutoFit/>
+          </a:bodyPr>
+          <a:lstStyle/>
+          <a:p>
+            <a:r>
+              <a:rPr lang="en-US" sz="1400" dirty="0" smtClean="0"/>
+              <a:t>http://myapp:80</a:t>
+            </a:r>
+            <a:endParaRPr lang="en-US" dirty="0"/>
+          </a:p>
+        </p:txBody>
+      </p:sp>
+      <p:cxnSp>
+        <p:nvCxnSpPr>
+          <p:cNvPr id="34" name="Straight Arrow Connector 33"/>
+          <p:cNvCxnSpPr>
+            <a:stCxn id="32" idx="3"/>
+            <a:endCxn id="25" idx="1"/>
+          </p:cNvCxnSpPr>
+          <p:nvPr/>
+        </p:nvCxnSpPr>
+        <p:spPr>
+          <a:xfrm flipV="1">
+            <a:off x="1402307" y="2895600"/>
+            <a:ext cx="807493" cy="39589"/>
+          </a:xfrm>
+          <a:prstGeom prst="straightConnector1">
+            <a:avLst/>
+          </a:prstGeom>
+          <a:ln>
+            <a:tailEnd type="arrow"/>
+          </a:ln>
+        </p:spPr>
+        <p:style>
+          <a:lnRef idx="1">
+            <a:schemeClr val="accent1"/>
+          </a:lnRef>
+          <a:fillRef idx="0">
+            <a:schemeClr val="accent1"/>
+          </a:fillRef>
+          <a:effectRef idx="0">
+            <a:schemeClr val="accent1"/>
+          </a:effectRef>
+          <a:fontRef idx="minor">
+            <a:schemeClr val="tx1"/>
+          </a:fontRef>
+        </p:style>
+      </p:cxnSp>
+      <p:sp>
+        <p:nvSpPr>
+          <p:cNvPr id="35" name="TextBox 34"/>
+          <p:cNvSpPr txBox="1"/>
+          <p:nvPr/>
+        </p:nvSpPr>
+        <p:spPr>
+          <a:xfrm>
+            <a:off x="152400" y="1181100"/>
+            <a:ext cx="2568588" cy="646331"/>
+          </a:xfrm>
+          <a:prstGeom prst="rect">
+            <a:avLst/>
+          </a:prstGeom>
+          <a:noFill/>
+        </p:spPr>
+        <p:txBody>
+          <a:bodyPr wrap="none" rtlCol="0">
+            <a:spAutoFit/>
+          </a:bodyPr>
+          <a:lstStyle/>
+          <a:p>
+            <a:r>
+              <a:rPr lang="en-US" dirty="0" err="1" smtClean="0"/>
+              <a:t>Dns</a:t>
+            </a:r>
+            <a:r>
+              <a:rPr lang="en-US" dirty="0" smtClean="0"/>
+              <a:t>:</a:t>
+            </a:r>
+          </a:p>
+          <a:p>
+            <a:r>
+              <a:rPr lang="en-US" dirty="0" err="1" smtClean="0"/>
+              <a:t>myapp</a:t>
+            </a:r>
+            <a:r>
+              <a:rPr lang="en-US" dirty="0" smtClean="0"/>
+              <a:t> </a:t>
+            </a:r>
+            <a:r>
+              <a:rPr lang="en-US" dirty="0" smtClean="0">
+                <a:sym typeface="Wingdings" pitchFamily="2" charset="2"/>
+              </a:rPr>
+              <a:t> </a:t>
+            </a:r>
+            <a:r>
+              <a:rPr lang="en-US" dirty="0" smtClean="0"/>
+              <a:t>192.156.78.23</a:t>
+            </a:r>
+            <a:r>
+              <a:rPr lang="en-US" dirty="0" smtClean="0">
+                <a:sym typeface="Wingdings" pitchFamily="2" charset="2"/>
+              </a:rPr>
+              <a:t> </a:t>
+            </a:r>
+            <a:endParaRPr lang="en-US" dirty="0"/>
+          </a:p>
+        </p:txBody>
+      </p:sp>
+      <p:sp>
+        <p:nvSpPr>
+          <p:cNvPr id="36" name="TextBox 35"/>
+          <p:cNvSpPr txBox="1"/>
+          <p:nvPr/>
+        </p:nvSpPr>
+        <p:spPr>
+          <a:xfrm>
+            <a:off x="680096" y="4835723"/>
+            <a:ext cx="1402307" cy="307777"/>
+          </a:xfrm>
+          <a:prstGeom prst="rect">
+            <a:avLst/>
+          </a:prstGeom>
+          <a:noFill/>
+        </p:spPr>
+        <p:txBody>
+          <a:bodyPr wrap="none" rtlCol="0">
+            <a:spAutoFit/>
+          </a:bodyPr>
+          <a:lstStyle/>
+          <a:p>
+            <a:r>
+              <a:rPr lang="en-US" sz="1400" dirty="0" smtClean="0"/>
+              <a:t>http://myapp:80</a:t>
+            </a:r>
+            <a:endParaRPr lang="en-US" dirty="0"/>
+          </a:p>
+        </p:txBody>
+      </p:sp>
+      <p:cxnSp>
+        <p:nvCxnSpPr>
+          <p:cNvPr id="38" name="Straight Arrow Connector 37"/>
+          <p:cNvCxnSpPr>
+            <a:stCxn id="36" idx="3"/>
+          </p:cNvCxnSpPr>
+          <p:nvPr/>
+        </p:nvCxnSpPr>
+        <p:spPr>
+          <a:xfrm>
+            <a:off x="2082403" y="4989612"/>
+            <a:ext cx="959893" cy="1488"/>
+          </a:xfrm>
+          <a:prstGeom prst="straightConnector1">
+            <a:avLst/>
+          </a:prstGeom>
+          <a:ln>
+            <a:tailEnd type="arrow"/>
+          </a:ln>
+        </p:spPr>
+        <p:style>
+          <a:lnRef idx="1">
+            <a:schemeClr val="accent1"/>
+          </a:lnRef>
+          <a:fillRef idx="0">
+            <a:schemeClr val="accent1"/>
+          </a:fillRef>
+          <a:effectRef idx="0">
+            <a:schemeClr val="accent1"/>
+          </a:effectRef>
+          <a:fontRef idx="minor">
+            <a:schemeClr val="tx1"/>
+          </a:fontRef>
+        </p:style>
+      </p:cxnSp>
+      <p:sp>
+        <p:nvSpPr>
+          <p:cNvPr id="39" name="TextBox 38"/>
+          <p:cNvSpPr txBox="1"/>
+          <p:nvPr/>
+        </p:nvSpPr>
+        <p:spPr>
+          <a:xfrm>
+            <a:off x="2051696" y="4686300"/>
+            <a:ext cx="999889" cy="307777"/>
+          </a:xfrm>
+          <a:prstGeom prst="rect">
+            <a:avLst/>
+          </a:prstGeom>
+          <a:noFill/>
+        </p:spPr>
+        <p:txBody>
+          <a:bodyPr wrap="none" rtlCol="0">
+            <a:spAutoFit/>
+          </a:bodyPr>
+          <a:lstStyle/>
+          <a:p>
+            <a:r>
+              <a:rPr lang="en-US" sz="1400" dirty="0" err="1" smtClean="0"/>
+              <a:t>Dns</a:t>
+            </a:r>
+            <a:r>
+              <a:rPr lang="en-US" sz="1400" dirty="0" smtClean="0"/>
+              <a:t> lookup</a:t>
+            </a:r>
+            <a:endParaRPr lang="en-US" sz="1400" dirty="0"/>
+          </a:p>
+        </p:txBody>
+      </p:sp>
+      <p:sp>
+        <p:nvSpPr>
+          <p:cNvPr id="41" name="TextBox 40"/>
+          <p:cNvSpPr txBox="1"/>
+          <p:nvPr/>
+        </p:nvSpPr>
+        <p:spPr>
+          <a:xfrm>
+            <a:off x="3042296" y="4835723"/>
+            <a:ext cx="1956561" cy="307777"/>
+          </a:xfrm>
+          <a:prstGeom prst="rect">
+            <a:avLst/>
+          </a:prstGeom>
+          <a:noFill/>
+        </p:spPr>
+        <p:txBody>
+          <a:bodyPr wrap="none" rtlCol="0">
+            <a:spAutoFit/>
+          </a:bodyPr>
+          <a:lstStyle/>
+          <a:p>
+            <a:r>
+              <a:rPr lang="en-US" sz="1400" dirty="0" smtClean="0"/>
+              <a:t>http://</a:t>
+            </a:r>
+            <a:r>
+              <a:rPr lang="en-US" sz="1400" dirty="0" smtClean="0"/>
+              <a:t>192.156.78.23</a:t>
+            </a:r>
+            <a:r>
+              <a:rPr lang="en-US" sz="1400" dirty="0" smtClean="0"/>
+              <a:t>:80</a:t>
+            </a:r>
+            <a:endParaRPr lang="en-US" dirty="0"/>
+          </a:p>
+        </p:txBody>
+      </p:sp>
+      <p:cxnSp>
+        <p:nvCxnSpPr>
+          <p:cNvPr id="42" name="Straight Arrow Connector 41"/>
+          <p:cNvCxnSpPr/>
+          <p:nvPr/>
+        </p:nvCxnSpPr>
+        <p:spPr>
+          <a:xfrm>
+            <a:off x="4947296" y="4991100"/>
+            <a:ext cx="959893" cy="1488"/>
+          </a:xfrm>
+          <a:prstGeom prst="straightConnector1">
+            <a:avLst/>
+          </a:prstGeom>
+          <a:ln>
+            <a:tailEnd type="arrow"/>
+          </a:ln>
+        </p:spPr>
+        <p:style>
+          <a:lnRef idx="1">
+            <a:schemeClr val="accent1"/>
+          </a:lnRef>
+          <a:fillRef idx="0">
+            <a:schemeClr val="accent1"/>
+          </a:fillRef>
+          <a:effectRef idx="0">
+            <a:schemeClr val="accent1"/>
+          </a:effectRef>
+          <a:fontRef idx="minor">
+            <a:schemeClr val="tx1"/>
+          </a:fontRef>
+        </p:style>
+      </p:cxnSp>
+      <p:sp>
+        <p:nvSpPr>
+          <p:cNvPr id="43" name="TextBox 42"/>
+          <p:cNvSpPr txBox="1"/>
+          <p:nvPr/>
+        </p:nvSpPr>
+        <p:spPr>
+          <a:xfrm>
+            <a:off x="4871096" y="4610100"/>
+            <a:ext cx="894091" cy="307777"/>
+          </a:xfrm>
+          <a:prstGeom prst="rect">
+            <a:avLst/>
+          </a:prstGeom>
+          <a:noFill/>
+        </p:spPr>
+        <p:txBody>
+          <a:bodyPr wrap="none" rtlCol="0">
+            <a:spAutoFit/>
+          </a:bodyPr>
+          <a:lstStyle/>
+          <a:p>
+            <a:r>
+              <a:rPr lang="en-US" sz="1400" dirty="0" smtClean="0"/>
+              <a:t>Lb lookup</a:t>
+            </a:r>
+            <a:endParaRPr lang="en-US" sz="1400" dirty="0"/>
+          </a:p>
+        </p:txBody>
+      </p:sp>
+      <p:sp>
+        <p:nvSpPr>
+          <p:cNvPr id="44" name="TextBox 43"/>
+          <p:cNvSpPr txBox="1"/>
+          <p:nvPr/>
+        </p:nvSpPr>
+        <p:spPr>
+          <a:xfrm>
+            <a:off x="5937896" y="4838700"/>
+            <a:ext cx="2139304" cy="307777"/>
+          </a:xfrm>
+          <a:prstGeom prst="rect">
+            <a:avLst/>
+          </a:prstGeom>
+          <a:noFill/>
+        </p:spPr>
+        <p:txBody>
+          <a:bodyPr wrap="none" rtlCol="0">
+            <a:spAutoFit/>
+          </a:bodyPr>
+          <a:lstStyle/>
+          <a:p>
+            <a:r>
+              <a:rPr lang="en-US" sz="1400" dirty="0" smtClean="0"/>
+              <a:t>http://</a:t>
+            </a:r>
+            <a:r>
+              <a:rPr lang="en-US" sz="1400" dirty="0" smtClean="0"/>
+              <a:t>192.156.78.21:8080</a:t>
+            </a:r>
+            <a:endParaRPr lang="en-US" sz="1400" dirty="0"/>
+          </a:p>
+        </p:txBody>
+      </p:sp>
+    </p:spTree>
+  </p:cSld>
+  <p:clrMapOvr>
+    <a:masterClrMapping/>
+  </p:clrMapOvr>
+</p:sld>
+</file>
+
+<file path=ppt/slides/slide17.xml><?xml version="1.0" encoding="utf-8"?>
+<p:sld xmlns:a="http://schemas.openxmlformats.org/drawingml/2006/main" xmlns:r="http://schemas.openxmlformats.org/officeDocument/2006/relationships" xmlns:p="http://schemas.openxmlformats.org/presentationml/2006/main">
+  <p:cSld>
+    <p:spTree>
+      <p:nvGrpSpPr>
+        <p:cNvPr id="1" name=""/>
+        <p:cNvGrpSpPr/>
+        <p:nvPr/>
+      </p:nvGrpSpPr>
+      <p:grpSpPr>
+        <a:xfrm>
+          <a:off x="0" y="0"/>
+          <a:ext cx="0" cy="0"/>
+          <a:chOff x="0" y="0"/>
+          <a:chExt cx="0" cy="0"/>
+        </a:xfrm>
+      </p:grpSpPr>
+      <p:sp>
+        <p:nvSpPr>
+          <p:cNvPr id="2" name="Rectangle 1"/>
+          <p:cNvSpPr/>
+          <p:nvPr/>
+        </p:nvSpPr>
+        <p:spPr>
+          <a:xfrm>
+            <a:off x="3352800" y="419100"/>
+            <a:ext cx="5715000" cy="4419600"/>
+          </a:xfrm>
+          <a:prstGeom prst="rect">
+            <a:avLst/>
+          </a:prstGeom>
+          <a:noFill/>
+        </p:spPr>
+        <p:style>
+          <a:lnRef idx="2">
+            <a:schemeClr val="accent1">
+              <a:shade val="50000"/>
+            </a:schemeClr>
+          </a:lnRef>
+          <a:fillRef idx="1">
+            <a:schemeClr val="accent1"/>
+          </a:fillRef>
+          <a:effectRef idx="0">
+            <a:schemeClr val="accent1"/>
+          </a:effectRef>
+          <a:fontRef idx="minor">
+            <a:schemeClr val="lt1"/>
+          </a:fontRef>
+        </p:style>
+        <p:txBody>
+          <a:bodyPr rtlCol="0" anchor="ctr"/>
+          <a:lstStyle/>
+          <a:p>
+            <a:pPr algn="ctr"/>
+            <a:endParaRPr lang="en-US"/>
+          </a:p>
+        </p:txBody>
+      </p:sp>
+      <p:sp>
+        <p:nvSpPr>
+          <p:cNvPr id="3" name="TextBox 2"/>
+          <p:cNvSpPr txBox="1"/>
+          <p:nvPr/>
+        </p:nvSpPr>
+        <p:spPr>
+          <a:xfrm>
+            <a:off x="3352800" y="419100"/>
+            <a:ext cx="2054665" cy="307777"/>
+          </a:xfrm>
+          <a:prstGeom prst="rect">
+            <a:avLst/>
+          </a:prstGeom>
+          <a:noFill/>
+        </p:spPr>
+        <p:txBody>
+          <a:bodyPr wrap="none" rtlCol="0">
+            <a:spAutoFit/>
+          </a:bodyPr>
+          <a:lstStyle/>
+          <a:p>
+            <a:r>
+              <a:rPr lang="en-US" sz="1400" dirty="0" err="1" smtClean="0"/>
+              <a:t>Minikube</a:t>
+            </a:r>
+            <a:r>
+              <a:rPr lang="en-US" sz="1400" dirty="0" smtClean="0"/>
+              <a:t> 192.168.99.100</a:t>
+            </a:r>
+            <a:endParaRPr lang="en-US" dirty="0"/>
+          </a:p>
+        </p:txBody>
+      </p:sp>
+      <p:sp>
+        <p:nvSpPr>
+          <p:cNvPr id="4" name="TextBox 3"/>
+          <p:cNvSpPr txBox="1"/>
+          <p:nvPr/>
+        </p:nvSpPr>
+        <p:spPr>
+          <a:xfrm>
+            <a:off x="4267200" y="800100"/>
+            <a:ext cx="1459054" cy="1169551"/>
+          </a:xfrm>
+          <a:prstGeom prst="rect">
+            <a:avLst/>
+          </a:prstGeom>
+          <a:noFill/>
+        </p:spPr>
+        <p:txBody>
+          <a:bodyPr wrap="none" rtlCol="0">
+            <a:spAutoFit/>
+          </a:bodyPr>
+          <a:lstStyle/>
+          <a:p>
+            <a:r>
+              <a:rPr lang="en-US" sz="1400" dirty="0" smtClean="0"/>
+              <a:t>hw-svc</a:t>
+            </a:r>
+          </a:p>
+          <a:p>
+            <a:r>
+              <a:rPr lang="en-US" sz="1400" dirty="0" smtClean="0"/>
+              <a:t>EP</a:t>
+            </a:r>
+            <a:r>
+              <a:rPr lang="en-US" sz="1400" dirty="0" smtClean="0"/>
+              <a:t>: </a:t>
+            </a:r>
+            <a:r>
+              <a:rPr lang="en-US" sz="1400" dirty="0" smtClean="0"/>
+              <a:t>172.17.0.6</a:t>
+            </a:r>
+          </a:p>
+          <a:p>
+            <a:r>
+              <a:rPr lang="en-US" sz="1400" dirty="0" smtClean="0"/>
+              <a:t>TP: 80</a:t>
+            </a:r>
+          </a:p>
+          <a:p>
+            <a:r>
+              <a:rPr lang="en-US" sz="1400" dirty="0" smtClean="0"/>
+              <a:t>IP: </a:t>
+            </a:r>
+            <a:r>
+              <a:rPr lang="en-US" sz="1400" dirty="0" smtClean="0"/>
+              <a:t>10.110.144.92</a:t>
+            </a:r>
+          </a:p>
+          <a:p>
+            <a:r>
+              <a:rPr lang="en-US" sz="1400" dirty="0" smtClean="0"/>
+              <a:t>SP: 8888</a:t>
+            </a:r>
+            <a:endParaRPr lang="en-US" sz="1400" dirty="0"/>
+          </a:p>
+        </p:txBody>
+      </p:sp>
+      <p:sp>
+        <p:nvSpPr>
+          <p:cNvPr id="5" name="Rectangle 4"/>
+          <p:cNvSpPr/>
+          <p:nvPr/>
+        </p:nvSpPr>
+        <p:spPr>
+          <a:xfrm>
+            <a:off x="7162800" y="2400300"/>
+            <a:ext cx="1600200" cy="1371600"/>
+          </a:xfrm>
+          <a:prstGeom prst="rect">
+            <a:avLst/>
+          </a:prstGeom>
+          <a:noFill/>
+        </p:spPr>
+        <p:style>
+          <a:lnRef idx="2">
+            <a:schemeClr val="accent1">
+              <a:shade val="50000"/>
+            </a:schemeClr>
+          </a:lnRef>
+          <a:fillRef idx="1">
+            <a:schemeClr val="accent1"/>
+          </a:fillRef>
+          <a:effectRef idx="0">
+            <a:schemeClr val="accent1"/>
+          </a:effectRef>
+          <a:fontRef idx="minor">
+            <a:schemeClr val="lt1"/>
+          </a:fontRef>
+        </p:style>
+        <p:txBody>
+          <a:bodyPr rtlCol="0" anchor="ctr"/>
+          <a:lstStyle/>
+          <a:p>
+            <a:pPr algn="ctr"/>
+            <a:endParaRPr lang="en-US"/>
+          </a:p>
+        </p:txBody>
+      </p:sp>
+      <p:sp>
+        <p:nvSpPr>
+          <p:cNvPr id="6" name="TextBox 5"/>
+          <p:cNvSpPr txBox="1"/>
+          <p:nvPr/>
+        </p:nvSpPr>
+        <p:spPr>
+          <a:xfrm>
+            <a:off x="7162800" y="2247900"/>
+            <a:ext cx="1176925" cy="369332"/>
+          </a:xfrm>
+          <a:prstGeom prst="rect">
+            <a:avLst/>
+          </a:prstGeom>
+          <a:noFill/>
+        </p:spPr>
+        <p:txBody>
+          <a:bodyPr wrap="none" rtlCol="0">
+            <a:spAutoFit/>
+          </a:bodyPr>
+          <a:lstStyle/>
+          <a:p>
+            <a:r>
+              <a:rPr lang="en-US" dirty="0" smtClean="0"/>
+              <a:t>172.17.0.6</a:t>
+            </a:r>
+            <a:endParaRPr lang="en-US" dirty="0"/>
+          </a:p>
+        </p:txBody>
+      </p:sp>
+      <p:sp>
+        <p:nvSpPr>
+          <p:cNvPr id="7" name="Oval 6"/>
+          <p:cNvSpPr/>
+          <p:nvPr/>
+        </p:nvSpPr>
+        <p:spPr>
+          <a:xfrm>
+            <a:off x="7467600" y="3162300"/>
+            <a:ext cx="1295400" cy="457200"/>
+          </a:xfrm>
+          <a:prstGeom prst="ellipse">
+            <a:avLst/>
+          </a:prstGeom>
+        </p:spPr>
+        <p:style>
+          <a:lnRef idx="2">
+            <a:schemeClr val="accent1">
+              <a:shade val="50000"/>
+            </a:schemeClr>
+          </a:lnRef>
+          <a:fillRef idx="1">
+            <a:schemeClr val="accent1"/>
+          </a:fillRef>
+          <a:effectRef idx="0">
+            <a:schemeClr val="accent1"/>
+          </a:effectRef>
+          <a:fontRef idx="minor">
+            <a:schemeClr val="lt1"/>
+          </a:fontRef>
+        </p:style>
+        <p:txBody>
+          <a:bodyPr rtlCol="0" anchor="ctr"/>
+          <a:lstStyle/>
+          <a:p>
+            <a:pPr algn="ctr"/>
+            <a:r>
+              <a:rPr lang="en-US" dirty="0" smtClean="0"/>
+              <a:t>:80</a:t>
+            </a:r>
+            <a:endParaRPr lang="en-US" dirty="0"/>
+          </a:p>
+        </p:txBody>
+      </p:sp>
+      <p:sp>
+        <p:nvSpPr>
+          <p:cNvPr id="8" name="TextBox 7"/>
+          <p:cNvSpPr txBox="1"/>
+          <p:nvPr/>
+        </p:nvSpPr>
+        <p:spPr>
+          <a:xfrm>
+            <a:off x="2743200" y="1257300"/>
+            <a:ext cx="1152880" cy="369332"/>
+          </a:xfrm>
+          <a:prstGeom prst="rect">
+            <a:avLst/>
+          </a:prstGeom>
+          <a:noFill/>
+        </p:spPr>
+        <p:txBody>
+          <a:bodyPr wrap="none" rtlCol="0">
+            <a:spAutoFit/>
+          </a:bodyPr>
+          <a:lstStyle/>
+          <a:p>
+            <a:r>
+              <a:rPr lang="en-US" dirty="0" smtClean="0"/>
+              <a:t>NP: 31001</a:t>
+            </a:r>
+            <a:endParaRPr lang="en-US" dirty="0"/>
+          </a:p>
+        </p:txBody>
+      </p:sp>
+      <p:cxnSp>
+        <p:nvCxnSpPr>
+          <p:cNvPr id="10" name="Straight Arrow Connector 9"/>
+          <p:cNvCxnSpPr>
+            <a:stCxn id="8" idx="3"/>
+            <a:endCxn id="4" idx="1"/>
+          </p:cNvCxnSpPr>
+          <p:nvPr/>
+        </p:nvCxnSpPr>
+        <p:spPr>
+          <a:xfrm flipV="1">
+            <a:off x="3896080" y="1384876"/>
+            <a:ext cx="371120" cy="57090"/>
+          </a:xfrm>
+          <a:prstGeom prst="straightConnector1">
+            <a:avLst/>
+          </a:prstGeom>
+          <a:ln>
+            <a:tailEnd type="arrow"/>
+          </a:ln>
+        </p:spPr>
+        <p:style>
+          <a:lnRef idx="1">
+            <a:schemeClr val="accent1"/>
+          </a:lnRef>
+          <a:fillRef idx="0">
+            <a:schemeClr val="accent1"/>
+          </a:fillRef>
+          <a:effectRef idx="0">
+            <a:schemeClr val="accent1"/>
+          </a:effectRef>
+          <a:fontRef idx="minor">
+            <a:schemeClr val="tx1"/>
+          </a:fontRef>
+        </p:style>
+      </p:cxnSp>
+      <p:cxnSp>
+        <p:nvCxnSpPr>
+          <p:cNvPr id="12" name="Straight Arrow Connector 11"/>
+          <p:cNvCxnSpPr>
+            <a:stCxn id="4" idx="2"/>
+            <a:endCxn id="6" idx="0"/>
+          </p:cNvCxnSpPr>
+          <p:nvPr/>
+        </p:nvCxnSpPr>
+        <p:spPr>
+          <a:xfrm>
+            <a:off x="4996727" y="1969651"/>
+            <a:ext cx="2754536" cy="278249"/>
+          </a:xfrm>
+          <a:prstGeom prst="straightConnector1">
+            <a:avLst/>
+          </a:prstGeom>
+          <a:ln>
+            <a:tailEnd type="arrow"/>
+          </a:ln>
+        </p:spPr>
+        <p:style>
+          <a:lnRef idx="1">
+            <a:schemeClr val="accent1"/>
+          </a:lnRef>
+          <a:fillRef idx="0">
+            <a:schemeClr val="accent1"/>
+          </a:fillRef>
+          <a:effectRef idx="0">
+            <a:schemeClr val="accent1"/>
+          </a:effectRef>
+          <a:fontRef idx="minor">
+            <a:schemeClr val="tx1"/>
+          </a:fontRef>
+        </p:style>
+      </p:cxnSp>
+      <p:sp>
+        <p:nvSpPr>
+          <p:cNvPr id="14" name="TextBox 13"/>
+          <p:cNvSpPr txBox="1"/>
+          <p:nvPr/>
+        </p:nvSpPr>
+        <p:spPr>
+          <a:xfrm>
+            <a:off x="0" y="419100"/>
+            <a:ext cx="3493842" cy="923330"/>
+          </a:xfrm>
+          <a:prstGeom prst="rect">
+            <a:avLst/>
+          </a:prstGeom>
+          <a:noFill/>
+        </p:spPr>
+        <p:txBody>
+          <a:bodyPr wrap="none" rtlCol="0">
+            <a:spAutoFit/>
+          </a:bodyPr>
+          <a:lstStyle/>
+          <a:p>
+            <a:pPr marL="342900" indent="-342900">
+              <a:buAutoNum type="arabicPeriod"/>
+            </a:pPr>
+            <a:r>
+              <a:rPr lang="en-US" dirty="0" smtClean="0"/>
+              <a:t>Expose a port on the Node(opt)</a:t>
+            </a:r>
+          </a:p>
+          <a:p>
+            <a:pPr marL="342900" indent="-342900">
+              <a:buAutoNum type="arabicPeriod"/>
+            </a:pPr>
+            <a:r>
+              <a:rPr lang="en-US" dirty="0" smtClean="0"/>
+              <a:t>Load balancing – </a:t>
+            </a:r>
+            <a:r>
+              <a:rPr lang="en-US" dirty="0" err="1" smtClean="0"/>
+              <a:t>FairScheduler</a:t>
+            </a:r>
+            <a:endParaRPr lang="en-US" dirty="0" smtClean="0"/>
+          </a:p>
+          <a:p>
+            <a:pPr marL="342900" indent="-342900">
+              <a:buAutoNum type="arabicPeriod"/>
+            </a:pPr>
+            <a:r>
+              <a:rPr lang="en-US" dirty="0" smtClean="0"/>
+              <a:t>Name resolution</a:t>
+            </a:r>
+            <a:endParaRPr lang="en-US" dirty="0"/>
+          </a:p>
+        </p:txBody>
+      </p:sp>
+      <p:sp>
+        <p:nvSpPr>
+          <p:cNvPr id="15" name="Rectangle 14"/>
+          <p:cNvSpPr/>
+          <p:nvPr/>
+        </p:nvSpPr>
+        <p:spPr>
+          <a:xfrm>
+            <a:off x="5334000" y="2400300"/>
+            <a:ext cx="1600200" cy="1371600"/>
+          </a:xfrm>
+          <a:prstGeom prst="rect">
+            <a:avLst/>
+          </a:prstGeom>
+          <a:noFill/>
+        </p:spPr>
+        <p:style>
+          <a:lnRef idx="2">
+            <a:schemeClr val="accent1">
+              <a:shade val="50000"/>
+            </a:schemeClr>
+          </a:lnRef>
+          <a:fillRef idx="1">
+            <a:schemeClr val="accent1"/>
+          </a:fillRef>
+          <a:effectRef idx="0">
+            <a:schemeClr val="accent1"/>
+          </a:effectRef>
+          <a:fontRef idx="minor">
+            <a:schemeClr val="lt1"/>
+          </a:fontRef>
+        </p:style>
+        <p:txBody>
+          <a:bodyPr rtlCol="0" anchor="ctr"/>
+          <a:lstStyle/>
+          <a:p>
+            <a:pPr algn="ctr"/>
+            <a:endParaRPr lang="en-US"/>
+          </a:p>
+        </p:txBody>
+      </p:sp>
+      <p:sp>
+        <p:nvSpPr>
+          <p:cNvPr id="16" name="TextBox 15"/>
+          <p:cNvSpPr txBox="1"/>
+          <p:nvPr/>
+        </p:nvSpPr>
+        <p:spPr>
+          <a:xfrm>
+            <a:off x="5334000" y="2247900"/>
+            <a:ext cx="1293944" cy="369332"/>
+          </a:xfrm>
+          <a:prstGeom prst="rect">
+            <a:avLst/>
+          </a:prstGeom>
+          <a:noFill/>
+        </p:spPr>
+        <p:txBody>
+          <a:bodyPr wrap="none" rtlCol="0">
+            <a:spAutoFit/>
+          </a:bodyPr>
+          <a:lstStyle/>
+          <a:p>
+            <a:r>
+              <a:rPr lang="en-US" dirty="0" smtClean="0"/>
+              <a:t>172.17.0.15</a:t>
+            </a:r>
+            <a:endParaRPr lang="en-US" dirty="0"/>
+          </a:p>
+        </p:txBody>
+      </p:sp>
+      <p:sp>
+        <p:nvSpPr>
+          <p:cNvPr id="17" name="Oval 16"/>
+          <p:cNvSpPr/>
+          <p:nvPr/>
+        </p:nvSpPr>
+        <p:spPr>
+          <a:xfrm>
+            <a:off x="5638800" y="3162300"/>
+            <a:ext cx="1295400" cy="457200"/>
+          </a:xfrm>
+          <a:prstGeom prst="ellipse">
+            <a:avLst/>
+          </a:prstGeom>
+        </p:spPr>
+        <p:style>
+          <a:lnRef idx="2">
+            <a:schemeClr val="accent1">
+              <a:shade val="50000"/>
+            </a:schemeClr>
+          </a:lnRef>
+          <a:fillRef idx="1">
+            <a:schemeClr val="accent1"/>
+          </a:fillRef>
+          <a:effectRef idx="0">
+            <a:schemeClr val="accent1"/>
+          </a:effectRef>
+          <a:fontRef idx="minor">
+            <a:schemeClr val="lt1"/>
+          </a:fontRef>
+        </p:style>
+        <p:txBody>
+          <a:bodyPr rtlCol="0" anchor="ctr"/>
+          <a:lstStyle/>
+          <a:p>
+            <a:pPr algn="ctr"/>
+            <a:r>
+              <a:rPr lang="en-US" dirty="0" smtClean="0"/>
+              <a:t>:80</a:t>
+            </a:r>
+            <a:endParaRPr lang="en-US" dirty="0"/>
+          </a:p>
+        </p:txBody>
+      </p:sp>
+      <p:cxnSp>
+        <p:nvCxnSpPr>
+          <p:cNvPr id="19" name="Straight Arrow Connector 18"/>
+          <p:cNvCxnSpPr>
+            <a:stCxn id="4" idx="2"/>
+            <a:endCxn id="16" idx="0"/>
+          </p:cNvCxnSpPr>
+          <p:nvPr/>
+        </p:nvCxnSpPr>
+        <p:spPr>
+          <a:xfrm>
+            <a:off x="4996727" y="1969651"/>
+            <a:ext cx="984245" cy="278249"/>
+          </a:xfrm>
+          <a:prstGeom prst="straightConnector1">
+            <a:avLst/>
+          </a:prstGeom>
+          <a:ln>
+            <a:tailEnd type="arrow"/>
+          </a:ln>
+        </p:spPr>
+        <p:style>
+          <a:lnRef idx="1">
+            <a:schemeClr val="accent1"/>
+          </a:lnRef>
+          <a:fillRef idx="0">
+            <a:schemeClr val="accent1"/>
+          </a:fillRef>
+          <a:effectRef idx="0">
+            <a:schemeClr val="accent1"/>
+          </a:effectRef>
+          <a:fontRef idx="minor">
+            <a:schemeClr val="tx1"/>
+          </a:fontRef>
+        </p:style>
+      </p:cxnSp>
+    </p:spTree>
+  </p:cSld>
+  <p:clrMapOvr>
+    <a:masterClrMapping/>
+  </p:clrMapOvr>
+</p:sld>
+</file>
+
+<file path=ppt/slides/slide18.xml><?xml version="1.0" encoding="utf-8"?>
+<p:sld xmlns:a="http://schemas.openxmlformats.org/drawingml/2006/main" xmlns:r="http://schemas.openxmlformats.org/officeDocument/2006/relationships" xmlns:p="http://schemas.openxmlformats.org/presentationml/2006/main">
+  <p:cSld>
+    <p:spTree>
+      <p:nvGrpSpPr>
+        <p:cNvPr id="1" name=""/>
+        <p:cNvGrpSpPr/>
+        <p:nvPr/>
+      </p:nvGrpSpPr>
+      <p:grpSpPr>
+        <a:xfrm>
+          <a:off x="0" y="0"/>
+          <a:ext cx="0" cy="0"/>
+          <a:chOff x="0" y="0"/>
+          <a:chExt cx="0" cy="0"/>
+        </a:xfrm>
+      </p:grpSpPr>
+      <p:sp>
+        <p:nvSpPr>
+          <p:cNvPr id="22" name="Isosceles Triangle 21"/>
+          <p:cNvSpPr/>
+          <p:nvPr/>
+        </p:nvSpPr>
+        <p:spPr>
+          <a:xfrm>
+            <a:off x="838200" y="1028700"/>
+            <a:ext cx="609600" cy="990600"/>
+          </a:xfrm>
+          <a:prstGeom prst="triangle">
+            <a:avLst/>
+          </a:prstGeom>
+        </p:spPr>
+        <p:style>
+          <a:lnRef idx="2">
+            <a:schemeClr val="accent1">
+              <a:shade val="50000"/>
+            </a:schemeClr>
+          </a:lnRef>
+          <a:fillRef idx="1">
+            <a:schemeClr val="accent1"/>
+          </a:fillRef>
+          <a:effectRef idx="0">
+            <a:schemeClr val="accent1"/>
+          </a:effectRef>
+          <a:fontRef idx="minor">
+            <a:schemeClr val="lt1"/>
+          </a:fontRef>
+        </p:style>
+        <p:txBody>
+          <a:bodyPr rtlCol="0" anchor="ctr"/>
+          <a:lstStyle/>
+          <a:p>
+            <a:pPr algn="ctr"/>
+            <a:endParaRPr lang="en-US"/>
+          </a:p>
+        </p:txBody>
+      </p:sp>
+      <p:sp>
+        <p:nvSpPr>
+          <p:cNvPr id="2" name="Rectangle 1"/>
+          <p:cNvSpPr/>
+          <p:nvPr/>
+        </p:nvSpPr>
+        <p:spPr>
+          <a:xfrm>
+            <a:off x="3505200" y="647700"/>
+            <a:ext cx="2743200" cy="1828800"/>
+          </a:xfrm>
+          <a:prstGeom prst="rect">
+            <a:avLst/>
+          </a:prstGeom>
+          <a:noFill/>
+        </p:spPr>
+        <p:style>
+          <a:lnRef idx="2">
+            <a:schemeClr val="accent1">
+              <a:shade val="50000"/>
+            </a:schemeClr>
+          </a:lnRef>
+          <a:fillRef idx="1">
+            <a:schemeClr val="accent1"/>
+          </a:fillRef>
+          <a:effectRef idx="0">
+            <a:schemeClr val="accent1"/>
+          </a:effectRef>
+          <a:fontRef idx="minor">
+            <a:schemeClr val="lt1"/>
+          </a:fontRef>
+        </p:style>
+        <p:txBody>
+          <a:bodyPr rtlCol="0" anchor="ctr"/>
+          <a:lstStyle/>
+          <a:p>
+            <a:pPr algn="ctr"/>
+            <a:endParaRPr lang="en-US"/>
+          </a:p>
+        </p:txBody>
+      </p:sp>
+      <p:sp>
+        <p:nvSpPr>
+          <p:cNvPr id="3" name="TextBox 2"/>
+          <p:cNvSpPr txBox="1"/>
+          <p:nvPr/>
+        </p:nvSpPr>
+        <p:spPr>
+          <a:xfrm>
+            <a:off x="4419600" y="342900"/>
+            <a:ext cx="704937" cy="307777"/>
+          </a:xfrm>
+          <a:prstGeom prst="rect">
+            <a:avLst/>
+          </a:prstGeom>
+          <a:noFill/>
+        </p:spPr>
+        <p:txBody>
+          <a:bodyPr wrap="none" rtlCol="0">
+            <a:spAutoFit/>
+          </a:bodyPr>
+          <a:lstStyle/>
+          <a:p>
+            <a:r>
+              <a:rPr lang="en-US" sz="1400" dirty="0" smtClean="0"/>
+              <a:t>Master</a:t>
+            </a:r>
+            <a:endParaRPr lang="en-US" dirty="0"/>
+          </a:p>
+        </p:txBody>
+      </p:sp>
+      <p:sp>
+        <p:nvSpPr>
+          <p:cNvPr id="4" name="Rectangle 3"/>
+          <p:cNvSpPr/>
+          <p:nvPr/>
+        </p:nvSpPr>
+        <p:spPr>
+          <a:xfrm>
+            <a:off x="1600200" y="3238500"/>
+            <a:ext cx="2057400" cy="1371600"/>
+          </a:xfrm>
+          <a:prstGeom prst="rect">
+            <a:avLst/>
+          </a:prstGeom>
+          <a:noFill/>
+        </p:spPr>
+        <p:style>
+          <a:lnRef idx="2">
+            <a:schemeClr val="accent1">
+              <a:shade val="50000"/>
+            </a:schemeClr>
+          </a:lnRef>
+          <a:fillRef idx="1">
+            <a:schemeClr val="accent1"/>
+          </a:fillRef>
+          <a:effectRef idx="0">
+            <a:schemeClr val="accent1"/>
+          </a:effectRef>
+          <a:fontRef idx="minor">
+            <a:schemeClr val="lt1"/>
+          </a:fontRef>
+        </p:style>
+        <p:txBody>
+          <a:bodyPr rtlCol="0" anchor="ctr"/>
+          <a:lstStyle/>
+          <a:p>
+            <a:pPr algn="ctr"/>
+            <a:endParaRPr lang="en-US" dirty="0"/>
+          </a:p>
+        </p:txBody>
+      </p:sp>
+      <p:sp>
+        <p:nvSpPr>
+          <p:cNvPr id="5" name="Rectangle 4"/>
+          <p:cNvSpPr/>
+          <p:nvPr/>
+        </p:nvSpPr>
+        <p:spPr>
+          <a:xfrm>
+            <a:off x="5943600" y="3162300"/>
+            <a:ext cx="2057400" cy="1371600"/>
+          </a:xfrm>
+          <a:prstGeom prst="rect">
+            <a:avLst/>
+          </a:prstGeom>
+          <a:noFill/>
+        </p:spPr>
+        <p:style>
+          <a:lnRef idx="2">
+            <a:schemeClr val="accent1">
+              <a:shade val="50000"/>
+            </a:schemeClr>
+          </a:lnRef>
+          <a:fillRef idx="1">
+            <a:schemeClr val="accent1"/>
+          </a:fillRef>
+          <a:effectRef idx="0">
+            <a:schemeClr val="accent1"/>
+          </a:effectRef>
+          <a:fontRef idx="minor">
+            <a:schemeClr val="lt1"/>
+          </a:fontRef>
+        </p:style>
+        <p:txBody>
+          <a:bodyPr rtlCol="0" anchor="ctr"/>
+          <a:lstStyle/>
+          <a:p>
+            <a:pPr algn="ctr"/>
+            <a:endParaRPr lang="en-US" dirty="0"/>
+          </a:p>
+        </p:txBody>
+      </p:sp>
+      <p:sp>
+        <p:nvSpPr>
+          <p:cNvPr id="6" name="TextBox 5"/>
+          <p:cNvSpPr txBox="1"/>
+          <p:nvPr/>
+        </p:nvSpPr>
+        <p:spPr>
+          <a:xfrm>
+            <a:off x="2266863" y="4610100"/>
+            <a:ext cx="670376" cy="307777"/>
+          </a:xfrm>
+          <a:prstGeom prst="rect">
+            <a:avLst/>
+          </a:prstGeom>
+          <a:noFill/>
+        </p:spPr>
+        <p:txBody>
+          <a:bodyPr wrap="none" rtlCol="0">
+            <a:spAutoFit/>
+          </a:bodyPr>
+          <a:lstStyle/>
+          <a:p>
+            <a:r>
+              <a:rPr lang="en-US" sz="1400" dirty="0" smtClean="0"/>
+              <a:t>Node1</a:t>
+            </a:r>
+            <a:endParaRPr lang="en-US" dirty="0"/>
+          </a:p>
+        </p:txBody>
+      </p:sp>
+      <p:sp>
+        <p:nvSpPr>
+          <p:cNvPr id="7" name="TextBox 6"/>
+          <p:cNvSpPr txBox="1"/>
+          <p:nvPr/>
+        </p:nvSpPr>
+        <p:spPr>
+          <a:xfrm>
+            <a:off x="6705600" y="4533900"/>
+            <a:ext cx="670376" cy="307777"/>
+          </a:xfrm>
+          <a:prstGeom prst="rect">
+            <a:avLst/>
+          </a:prstGeom>
+          <a:noFill/>
+        </p:spPr>
+        <p:txBody>
+          <a:bodyPr wrap="none" rtlCol="0">
+            <a:spAutoFit/>
+          </a:bodyPr>
+          <a:lstStyle/>
+          <a:p>
+            <a:r>
+              <a:rPr lang="en-US" sz="1400" dirty="0" smtClean="0"/>
+              <a:t>Node2</a:t>
+            </a:r>
+            <a:endParaRPr lang="en-US" dirty="0"/>
+          </a:p>
+        </p:txBody>
+      </p:sp>
+      <p:sp>
+        <p:nvSpPr>
+          <p:cNvPr id="8" name="TextBox 7"/>
+          <p:cNvSpPr txBox="1"/>
+          <p:nvPr/>
+        </p:nvSpPr>
+        <p:spPr>
+          <a:xfrm>
+            <a:off x="5570970" y="647700"/>
+            <a:ext cx="677430" cy="307777"/>
+          </a:xfrm>
+          <a:prstGeom prst="rect">
+            <a:avLst/>
+          </a:prstGeom>
+          <a:noFill/>
+        </p:spPr>
+        <p:txBody>
+          <a:bodyPr wrap="none" rtlCol="0">
+            <a:spAutoFit/>
+          </a:bodyPr>
+          <a:lstStyle/>
+          <a:p>
+            <a:r>
+              <a:rPr lang="en-US" sz="1400" dirty="0" err="1" smtClean="0"/>
+              <a:t>docker</a:t>
+            </a:r>
+            <a:endParaRPr lang="en-US" dirty="0"/>
+          </a:p>
+        </p:txBody>
+      </p:sp>
+      <p:sp>
+        <p:nvSpPr>
+          <p:cNvPr id="9" name="TextBox 8"/>
+          <p:cNvSpPr txBox="1"/>
+          <p:nvPr/>
+        </p:nvSpPr>
+        <p:spPr>
+          <a:xfrm>
+            <a:off x="7323570" y="3162300"/>
+            <a:ext cx="677430" cy="307777"/>
+          </a:xfrm>
+          <a:prstGeom prst="rect">
+            <a:avLst/>
+          </a:prstGeom>
+          <a:noFill/>
+        </p:spPr>
+        <p:txBody>
+          <a:bodyPr wrap="none" rtlCol="0">
+            <a:spAutoFit/>
+          </a:bodyPr>
+          <a:lstStyle/>
+          <a:p>
+            <a:r>
+              <a:rPr lang="en-US" sz="1400" dirty="0" err="1" smtClean="0"/>
+              <a:t>docker</a:t>
+            </a:r>
+            <a:endParaRPr lang="en-US" dirty="0"/>
+          </a:p>
+        </p:txBody>
+      </p:sp>
+      <p:sp>
+        <p:nvSpPr>
+          <p:cNvPr id="10" name="TextBox 9"/>
+          <p:cNvSpPr txBox="1"/>
+          <p:nvPr/>
+        </p:nvSpPr>
+        <p:spPr>
+          <a:xfrm>
+            <a:off x="1600200" y="3238500"/>
+            <a:ext cx="677430" cy="307777"/>
+          </a:xfrm>
+          <a:prstGeom prst="rect">
+            <a:avLst/>
+          </a:prstGeom>
+          <a:noFill/>
+        </p:spPr>
+        <p:txBody>
+          <a:bodyPr wrap="none" rtlCol="0">
+            <a:spAutoFit/>
+          </a:bodyPr>
+          <a:lstStyle/>
+          <a:p>
+            <a:r>
+              <a:rPr lang="en-US" sz="1400" dirty="0" err="1" smtClean="0"/>
+              <a:t>docker</a:t>
+            </a:r>
+            <a:endParaRPr lang="en-US" dirty="0"/>
+          </a:p>
+        </p:txBody>
+      </p:sp>
+      <p:sp>
+        <p:nvSpPr>
+          <p:cNvPr id="11" name="TextBox 10"/>
+          <p:cNvSpPr txBox="1"/>
+          <p:nvPr/>
+        </p:nvSpPr>
+        <p:spPr>
+          <a:xfrm>
+            <a:off x="2895600" y="3238500"/>
+            <a:ext cx="734432" cy="307777"/>
+          </a:xfrm>
+          <a:prstGeom prst="rect">
+            <a:avLst/>
+          </a:prstGeom>
+          <a:noFill/>
+        </p:spPr>
+        <p:txBody>
+          <a:bodyPr wrap="none" rtlCol="0">
+            <a:spAutoFit/>
+          </a:bodyPr>
+          <a:lstStyle/>
+          <a:p>
+            <a:r>
+              <a:rPr lang="en-US" sz="1400" dirty="0" err="1" smtClean="0"/>
+              <a:t>kubelet</a:t>
+            </a:r>
+            <a:endParaRPr lang="en-US" dirty="0"/>
+          </a:p>
+        </p:txBody>
+      </p:sp>
+      <p:sp>
+        <p:nvSpPr>
+          <p:cNvPr id="12" name="TextBox 11"/>
+          <p:cNvSpPr txBox="1"/>
+          <p:nvPr/>
+        </p:nvSpPr>
+        <p:spPr>
+          <a:xfrm>
+            <a:off x="5943600" y="3162300"/>
+            <a:ext cx="734432" cy="307777"/>
+          </a:xfrm>
+          <a:prstGeom prst="rect">
+            <a:avLst/>
+          </a:prstGeom>
+          <a:noFill/>
+        </p:spPr>
+        <p:txBody>
+          <a:bodyPr wrap="none" rtlCol="0">
+            <a:spAutoFit/>
+          </a:bodyPr>
+          <a:lstStyle/>
+          <a:p>
+            <a:r>
+              <a:rPr lang="en-US" sz="1400" dirty="0" err="1" smtClean="0"/>
+              <a:t>kubelet</a:t>
+            </a:r>
+            <a:endParaRPr lang="en-US" dirty="0"/>
+          </a:p>
+        </p:txBody>
+      </p:sp>
+      <p:sp>
+        <p:nvSpPr>
+          <p:cNvPr id="13" name="TextBox 12"/>
+          <p:cNvSpPr txBox="1"/>
+          <p:nvPr/>
+        </p:nvSpPr>
+        <p:spPr>
+          <a:xfrm>
+            <a:off x="5513968" y="952500"/>
+            <a:ext cx="734432" cy="307777"/>
+          </a:xfrm>
+          <a:prstGeom prst="rect">
+            <a:avLst/>
+          </a:prstGeom>
+          <a:noFill/>
+        </p:spPr>
+        <p:txBody>
+          <a:bodyPr wrap="none" rtlCol="0">
+            <a:spAutoFit/>
+          </a:bodyPr>
+          <a:lstStyle/>
+          <a:p>
+            <a:r>
+              <a:rPr lang="en-US" sz="1400" dirty="0" err="1" smtClean="0"/>
+              <a:t>kubelet</a:t>
+            </a:r>
+            <a:endParaRPr lang="en-US" dirty="0"/>
+          </a:p>
+        </p:txBody>
+      </p:sp>
+      <p:sp>
+        <p:nvSpPr>
+          <p:cNvPr id="21" name="Rectangle 20"/>
+          <p:cNvSpPr/>
+          <p:nvPr/>
+        </p:nvSpPr>
+        <p:spPr>
+          <a:xfrm>
+            <a:off x="228600" y="571500"/>
+            <a:ext cx="1828800" cy="1066800"/>
+          </a:xfrm>
+          <a:prstGeom prst="rect">
+            <a:avLst/>
+          </a:prstGeom>
+        </p:spPr>
+        <p:style>
+          <a:lnRef idx="2">
+            <a:schemeClr val="accent1">
+              <a:shade val="50000"/>
+            </a:schemeClr>
+          </a:lnRef>
+          <a:fillRef idx="1">
+            <a:schemeClr val="accent1"/>
+          </a:fillRef>
+          <a:effectRef idx="0">
+            <a:schemeClr val="accent1"/>
+          </a:effectRef>
+          <a:fontRef idx="minor">
+            <a:schemeClr val="lt1"/>
+          </a:fontRef>
+        </p:style>
+        <p:txBody>
+          <a:bodyPr rtlCol="0" anchor="ctr"/>
+          <a:lstStyle/>
+          <a:p>
+            <a:pPr algn="ctr"/>
+            <a:r>
+              <a:rPr lang="en-US" dirty="0" err="1" smtClean="0"/>
+              <a:t>Kubectl</a:t>
+            </a:r>
+            <a:r>
+              <a:rPr lang="en-US" dirty="0" smtClean="0"/>
+              <a:t> apply –f dep.yml</a:t>
+            </a:r>
+            <a:endParaRPr lang="en-US" dirty="0"/>
+          </a:p>
+        </p:txBody>
+      </p:sp>
+      <p:cxnSp>
+        <p:nvCxnSpPr>
+          <p:cNvPr id="24" name="Straight Arrow Connector 23"/>
+          <p:cNvCxnSpPr>
+            <a:stCxn id="21" idx="3"/>
+            <a:endCxn id="25" idx="1"/>
+          </p:cNvCxnSpPr>
+          <p:nvPr/>
+        </p:nvCxnSpPr>
+        <p:spPr>
+          <a:xfrm flipV="1">
+            <a:off x="2057400" y="832366"/>
+            <a:ext cx="2204857" cy="272534"/>
+          </a:xfrm>
+          <a:prstGeom prst="straightConnector1">
+            <a:avLst/>
+          </a:prstGeom>
+          <a:ln>
+            <a:tailEnd type="arrow"/>
+          </a:ln>
+        </p:spPr>
+        <p:style>
+          <a:lnRef idx="1">
+            <a:schemeClr val="accent1"/>
+          </a:lnRef>
+          <a:fillRef idx="0">
+            <a:schemeClr val="accent1"/>
+          </a:fillRef>
+          <a:effectRef idx="0">
+            <a:schemeClr val="accent1"/>
+          </a:effectRef>
+          <a:fontRef idx="minor">
+            <a:schemeClr val="tx1"/>
+          </a:fontRef>
+        </p:style>
+      </p:cxnSp>
+      <p:sp>
+        <p:nvSpPr>
+          <p:cNvPr id="25" name="TextBox 24"/>
+          <p:cNvSpPr txBox="1"/>
+          <p:nvPr/>
+        </p:nvSpPr>
+        <p:spPr>
+          <a:xfrm>
+            <a:off x="4262257" y="647700"/>
+            <a:ext cx="1147943" cy="369332"/>
+          </a:xfrm>
+          <a:prstGeom prst="rect">
+            <a:avLst/>
+          </a:prstGeom>
+          <a:noFill/>
+        </p:spPr>
+        <p:txBody>
+          <a:bodyPr wrap="none" rtlCol="0">
+            <a:spAutoFit/>
+          </a:bodyPr>
+          <a:lstStyle/>
+          <a:p>
+            <a:r>
+              <a:rPr lang="en-US" dirty="0" err="1" smtClean="0"/>
+              <a:t>api</a:t>
+            </a:r>
+            <a:r>
+              <a:rPr lang="en-US" dirty="0" smtClean="0"/>
+              <a:t>-server</a:t>
+            </a:r>
+            <a:endParaRPr lang="en-US" dirty="0"/>
+          </a:p>
+        </p:txBody>
+      </p:sp>
+      <p:sp>
+        <p:nvSpPr>
+          <p:cNvPr id="27" name="TextBox 26"/>
+          <p:cNvSpPr txBox="1"/>
+          <p:nvPr/>
+        </p:nvSpPr>
+        <p:spPr>
+          <a:xfrm>
+            <a:off x="2743200" y="800100"/>
+            <a:ext cx="301686" cy="369332"/>
+          </a:xfrm>
+          <a:prstGeom prst="rect">
+            <a:avLst/>
+          </a:prstGeom>
+          <a:noFill/>
+        </p:spPr>
+        <p:txBody>
+          <a:bodyPr wrap="none" rtlCol="0">
+            <a:spAutoFit/>
+          </a:bodyPr>
+          <a:lstStyle/>
+          <a:p>
+            <a:r>
+              <a:rPr lang="en-US" dirty="0" smtClean="0"/>
+              <a:t>1</a:t>
+            </a:r>
+            <a:endParaRPr lang="en-US" dirty="0"/>
+          </a:p>
+        </p:txBody>
+      </p:sp>
+      <p:sp>
+        <p:nvSpPr>
+          <p:cNvPr id="28" name="TextBox 27"/>
+          <p:cNvSpPr txBox="1"/>
+          <p:nvPr/>
+        </p:nvSpPr>
+        <p:spPr>
+          <a:xfrm>
+            <a:off x="3581400" y="1257300"/>
+            <a:ext cx="2026773" cy="553998"/>
+          </a:xfrm>
+          <a:prstGeom prst="rect">
+            <a:avLst/>
+          </a:prstGeom>
+          <a:noFill/>
+        </p:spPr>
+        <p:txBody>
+          <a:bodyPr wrap="none" rtlCol="0">
+            <a:spAutoFit/>
+          </a:bodyPr>
+          <a:lstStyle/>
+          <a:p>
+            <a:r>
+              <a:rPr lang="en-US" dirty="0" smtClean="0"/>
+              <a:t>Controller-manager</a:t>
+            </a:r>
+          </a:p>
+          <a:p>
+            <a:r>
+              <a:rPr lang="en-US" sz="1200" dirty="0" smtClean="0"/>
+              <a:t>(</a:t>
+            </a:r>
+            <a:r>
+              <a:rPr lang="en-US" sz="1200" dirty="0" err="1" smtClean="0"/>
+              <a:t>dep</a:t>
+            </a:r>
+            <a:r>
+              <a:rPr lang="en-US" sz="1200" dirty="0" smtClean="0"/>
+              <a:t>, </a:t>
+            </a:r>
+            <a:r>
+              <a:rPr lang="en-US" sz="1200" dirty="0" err="1" smtClean="0"/>
+              <a:t>rc</a:t>
+            </a:r>
+            <a:r>
+              <a:rPr lang="en-US" sz="1200" dirty="0" smtClean="0"/>
+              <a:t>, </a:t>
+            </a:r>
+            <a:r>
+              <a:rPr lang="en-US" sz="1200" dirty="0" err="1" smtClean="0"/>
+              <a:t>rs</a:t>
+            </a:r>
+            <a:r>
+              <a:rPr lang="en-US" sz="1200" dirty="0" smtClean="0"/>
+              <a:t>, pod def)</a:t>
+            </a:r>
+            <a:endParaRPr lang="en-US" dirty="0"/>
+          </a:p>
+        </p:txBody>
+      </p:sp>
+      <p:cxnSp>
+        <p:nvCxnSpPr>
+          <p:cNvPr id="30" name="Straight Arrow Connector 29"/>
+          <p:cNvCxnSpPr>
+            <a:stCxn id="25" idx="2"/>
+            <a:endCxn id="28" idx="0"/>
+          </p:cNvCxnSpPr>
+          <p:nvPr/>
+        </p:nvCxnSpPr>
+        <p:spPr>
+          <a:xfrm flipH="1">
+            <a:off x="4594787" y="1017032"/>
+            <a:ext cx="241442" cy="240268"/>
+          </a:xfrm>
+          <a:prstGeom prst="straightConnector1">
+            <a:avLst/>
+          </a:prstGeom>
+          <a:ln>
+            <a:tailEnd type="arrow"/>
+          </a:ln>
+        </p:spPr>
+        <p:style>
+          <a:lnRef idx="1">
+            <a:schemeClr val="accent1"/>
+          </a:lnRef>
+          <a:fillRef idx="0">
+            <a:schemeClr val="accent1"/>
+          </a:fillRef>
+          <a:effectRef idx="0">
+            <a:schemeClr val="accent1"/>
+          </a:effectRef>
+          <a:fontRef idx="minor">
+            <a:schemeClr val="tx1"/>
+          </a:fontRef>
+        </p:style>
+      </p:cxnSp>
+      <p:sp>
+        <p:nvSpPr>
+          <p:cNvPr id="31" name="TextBox 30"/>
+          <p:cNvSpPr txBox="1"/>
+          <p:nvPr/>
+        </p:nvSpPr>
+        <p:spPr>
+          <a:xfrm>
+            <a:off x="4572000" y="876300"/>
+            <a:ext cx="301686" cy="369332"/>
+          </a:xfrm>
+          <a:prstGeom prst="rect">
+            <a:avLst/>
+          </a:prstGeom>
+          <a:noFill/>
+        </p:spPr>
+        <p:txBody>
+          <a:bodyPr wrap="none" rtlCol="0">
+            <a:spAutoFit/>
+          </a:bodyPr>
+          <a:lstStyle/>
+          <a:p>
+            <a:r>
+              <a:rPr lang="en-US" dirty="0" smtClean="0"/>
+              <a:t>2</a:t>
+            </a:r>
+            <a:endParaRPr lang="en-US" dirty="0"/>
+          </a:p>
+        </p:txBody>
+      </p:sp>
+      <p:sp>
+        <p:nvSpPr>
+          <p:cNvPr id="32" name="TextBox 31"/>
+          <p:cNvSpPr txBox="1"/>
+          <p:nvPr/>
+        </p:nvSpPr>
+        <p:spPr>
+          <a:xfrm>
+            <a:off x="4724400" y="1866900"/>
+            <a:ext cx="1117614" cy="369332"/>
+          </a:xfrm>
+          <a:prstGeom prst="rect">
+            <a:avLst/>
+          </a:prstGeom>
+          <a:noFill/>
+        </p:spPr>
+        <p:txBody>
+          <a:bodyPr wrap="none" rtlCol="0">
+            <a:spAutoFit/>
+          </a:bodyPr>
+          <a:lstStyle/>
+          <a:p>
+            <a:r>
+              <a:rPr lang="en-US" dirty="0" smtClean="0"/>
+              <a:t>Scheduler</a:t>
+            </a:r>
+            <a:endParaRPr lang="en-US" dirty="0"/>
+          </a:p>
+        </p:txBody>
+      </p:sp>
+      <p:cxnSp>
+        <p:nvCxnSpPr>
+          <p:cNvPr id="34" name="Straight Arrow Connector 33"/>
+          <p:cNvCxnSpPr>
+            <a:stCxn id="28" idx="2"/>
+            <a:endCxn id="32" idx="1"/>
+          </p:cNvCxnSpPr>
+          <p:nvPr/>
+        </p:nvCxnSpPr>
+        <p:spPr>
+          <a:xfrm>
+            <a:off x="4594787" y="1811298"/>
+            <a:ext cx="129613" cy="240268"/>
+          </a:xfrm>
+          <a:prstGeom prst="straightConnector1">
+            <a:avLst/>
+          </a:prstGeom>
+          <a:ln>
+            <a:tailEnd type="arrow"/>
+          </a:ln>
+        </p:spPr>
+        <p:style>
+          <a:lnRef idx="1">
+            <a:schemeClr val="accent1"/>
+          </a:lnRef>
+          <a:fillRef idx="0">
+            <a:schemeClr val="accent1"/>
+          </a:fillRef>
+          <a:effectRef idx="0">
+            <a:schemeClr val="accent1"/>
+          </a:effectRef>
+          <a:fontRef idx="minor">
+            <a:schemeClr val="tx1"/>
+          </a:fontRef>
+        </p:style>
+      </p:cxnSp>
+      <p:sp>
+        <p:nvSpPr>
+          <p:cNvPr id="35" name="TextBox 34"/>
+          <p:cNvSpPr txBox="1"/>
+          <p:nvPr/>
+        </p:nvSpPr>
+        <p:spPr>
+          <a:xfrm>
+            <a:off x="4495800" y="1714500"/>
+            <a:ext cx="301686" cy="369332"/>
+          </a:xfrm>
+          <a:prstGeom prst="rect">
+            <a:avLst/>
+          </a:prstGeom>
+          <a:noFill/>
+        </p:spPr>
+        <p:txBody>
+          <a:bodyPr wrap="none" rtlCol="0">
+            <a:spAutoFit/>
+          </a:bodyPr>
+          <a:lstStyle/>
+          <a:p>
+            <a:r>
+              <a:rPr lang="en-US" dirty="0" smtClean="0"/>
+              <a:t>3</a:t>
+            </a:r>
+            <a:endParaRPr lang="en-US" dirty="0"/>
+          </a:p>
+        </p:txBody>
+      </p:sp>
+      <p:cxnSp>
+        <p:nvCxnSpPr>
+          <p:cNvPr id="37" name="Straight Arrow Connector 36"/>
+          <p:cNvCxnSpPr>
+            <a:endCxn id="12" idx="0"/>
+          </p:cNvCxnSpPr>
+          <p:nvPr/>
+        </p:nvCxnSpPr>
+        <p:spPr>
+          <a:xfrm>
+            <a:off x="5410200" y="2174677"/>
+            <a:ext cx="900616" cy="987623"/>
+          </a:xfrm>
+          <a:prstGeom prst="straightConnector1">
+            <a:avLst/>
+          </a:prstGeom>
+          <a:ln>
+            <a:tailEnd type="arrow"/>
+          </a:ln>
+        </p:spPr>
+        <p:style>
+          <a:lnRef idx="1">
+            <a:schemeClr val="accent1"/>
+          </a:lnRef>
+          <a:fillRef idx="0">
+            <a:schemeClr val="accent1"/>
+          </a:fillRef>
+          <a:effectRef idx="0">
+            <a:schemeClr val="accent1"/>
+          </a:effectRef>
+          <a:fontRef idx="minor">
+            <a:schemeClr val="tx1"/>
+          </a:fontRef>
+        </p:style>
+      </p:cxnSp>
+      <p:sp>
+        <p:nvSpPr>
+          <p:cNvPr id="39" name="TextBox 38"/>
+          <p:cNvSpPr txBox="1"/>
+          <p:nvPr/>
+        </p:nvSpPr>
+        <p:spPr>
+          <a:xfrm>
+            <a:off x="5562600" y="2552700"/>
+            <a:ext cx="301686" cy="369332"/>
+          </a:xfrm>
+          <a:prstGeom prst="rect">
+            <a:avLst/>
+          </a:prstGeom>
+          <a:noFill/>
+        </p:spPr>
+        <p:txBody>
+          <a:bodyPr wrap="none" rtlCol="0">
+            <a:spAutoFit/>
+          </a:bodyPr>
+          <a:lstStyle/>
+          <a:p>
+            <a:r>
+              <a:rPr lang="en-US" dirty="0" smtClean="0"/>
+              <a:t>4</a:t>
+            </a:r>
+            <a:endParaRPr lang="en-US" dirty="0"/>
+          </a:p>
+        </p:txBody>
+      </p:sp>
+      <p:cxnSp>
+        <p:nvCxnSpPr>
+          <p:cNvPr id="42" name="Straight Arrow Connector 41"/>
+          <p:cNvCxnSpPr>
+            <a:stCxn id="12" idx="3"/>
+            <a:endCxn id="9" idx="1"/>
+          </p:cNvCxnSpPr>
+          <p:nvPr/>
+        </p:nvCxnSpPr>
+        <p:spPr>
+          <a:xfrm>
+            <a:off x="6678032" y="3316189"/>
+            <a:ext cx="645538" cy="0"/>
+          </a:xfrm>
+          <a:prstGeom prst="straightConnector1">
+            <a:avLst/>
+          </a:prstGeom>
+          <a:ln>
+            <a:tailEnd type="arrow"/>
+          </a:ln>
+        </p:spPr>
+        <p:style>
+          <a:lnRef idx="1">
+            <a:schemeClr val="accent1"/>
+          </a:lnRef>
+          <a:fillRef idx="0">
+            <a:schemeClr val="accent1"/>
+          </a:fillRef>
+          <a:effectRef idx="0">
+            <a:schemeClr val="accent1"/>
+          </a:effectRef>
+          <a:fontRef idx="minor">
+            <a:schemeClr val="tx1"/>
+          </a:fontRef>
+        </p:style>
+      </p:cxnSp>
+      <p:sp>
+        <p:nvSpPr>
+          <p:cNvPr id="43" name="TextBox 42"/>
+          <p:cNvSpPr txBox="1"/>
+          <p:nvPr/>
+        </p:nvSpPr>
+        <p:spPr>
+          <a:xfrm>
+            <a:off x="6708714" y="3089077"/>
+            <a:ext cx="301686" cy="369332"/>
+          </a:xfrm>
+          <a:prstGeom prst="rect">
+            <a:avLst/>
+          </a:prstGeom>
+          <a:noFill/>
+        </p:spPr>
+        <p:txBody>
+          <a:bodyPr wrap="none" rtlCol="0">
+            <a:spAutoFit/>
+          </a:bodyPr>
+          <a:lstStyle/>
+          <a:p>
+            <a:r>
+              <a:rPr lang="en-US" dirty="0" smtClean="0"/>
+              <a:t>5</a:t>
+            </a:r>
+            <a:endParaRPr lang="en-US" dirty="0"/>
+          </a:p>
+        </p:txBody>
+      </p:sp>
+      <p:cxnSp>
+        <p:nvCxnSpPr>
+          <p:cNvPr id="45" name="Straight Arrow Connector 44"/>
+          <p:cNvCxnSpPr>
+            <a:stCxn id="9" idx="1"/>
+          </p:cNvCxnSpPr>
+          <p:nvPr/>
+        </p:nvCxnSpPr>
+        <p:spPr>
+          <a:xfrm flipH="1">
+            <a:off x="6477000" y="3316189"/>
+            <a:ext cx="846570" cy="306288"/>
+          </a:xfrm>
+          <a:prstGeom prst="straightConnector1">
+            <a:avLst/>
+          </a:prstGeom>
+          <a:ln>
+            <a:tailEnd type="arrow"/>
+          </a:ln>
+        </p:spPr>
+        <p:style>
+          <a:lnRef idx="1">
+            <a:schemeClr val="accent1"/>
+          </a:lnRef>
+          <a:fillRef idx="0">
+            <a:schemeClr val="accent1"/>
+          </a:fillRef>
+          <a:effectRef idx="0">
+            <a:schemeClr val="accent1"/>
+          </a:effectRef>
+          <a:fontRef idx="minor">
+            <a:schemeClr val="tx1"/>
+          </a:fontRef>
+        </p:style>
+      </p:cxnSp>
+      <p:sp>
+        <p:nvSpPr>
+          <p:cNvPr id="46" name="Oval 45"/>
+          <p:cNvSpPr/>
+          <p:nvPr/>
+        </p:nvSpPr>
+        <p:spPr>
+          <a:xfrm>
+            <a:off x="5867400" y="3698677"/>
+            <a:ext cx="914400" cy="381000"/>
+          </a:xfrm>
+          <a:prstGeom prst="ellipse">
+            <a:avLst/>
+          </a:prstGeom>
+        </p:spPr>
+        <p:style>
+          <a:lnRef idx="2">
+            <a:schemeClr val="accent1">
+              <a:shade val="50000"/>
+            </a:schemeClr>
+          </a:lnRef>
+          <a:fillRef idx="1">
+            <a:schemeClr val="accent1"/>
+          </a:fillRef>
+          <a:effectRef idx="0">
+            <a:schemeClr val="accent1"/>
+          </a:effectRef>
+          <a:fontRef idx="minor">
+            <a:schemeClr val="lt1"/>
+          </a:fontRef>
+        </p:style>
+        <p:txBody>
+          <a:bodyPr rtlCol="0" anchor="ctr"/>
+          <a:lstStyle/>
+          <a:p>
+            <a:pPr algn="ctr"/>
+            <a:r>
+              <a:rPr lang="en-US" dirty="0" smtClean="0"/>
+              <a:t>pod</a:t>
+            </a:r>
+            <a:endParaRPr lang="en-US" dirty="0"/>
+          </a:p>
+        </p:txBody>
+      </p:sp>
+      <p:cxnSp>
+        <p:nvCxnSpPr>
+          <p:cNvPr id="48" name="Straight Arrow Connector 47"/>
+          <p:cNvCxnSpPr>
+            <a:stCxn id="46" idx="6"/>
+            <a:endCxn id="9" idx="2"/>
+          </p:cNvCxnSpPr>
+          <p:nvPr/>
+        </p:nvCxnSpPr>
+        <p:spPr>
+          <a:xfrm flipV="1">
+            <a:off x="6781800" y="3470077"/>
+            <a:ext cx="880485" cy="419100"/>
+          </a:xfrm>
+          <a:prstGeom prst="straightConnector1">
+            <a:avLst/>
+          </a:prstGeom>
+          <a:ln>
+            <a:tailEnd type="arrow"/>
+          </a:ln>
+        </p:spPr>
+        <p:style>
+          <a:lnRef idx="1">
+            <a:schemeClr val="accent1"/>
+          </a:lnRef>
+          <a:fillRef idx="0">
+            <a:schemeClr val="accent1"/>
+          </a:fillRef>
+          <a:effectRef idx="0">
+            <a:schemeClr val="accent1"/>
+          </a:effectRef>
+          <a:fontRef idx="minor">
+            <a:schemeClr val="tx1"/>
+          </a:fontRef>
+        </p:style>
+      </p:cxnSp>
+      <p:sp>
+        <p:nvSpPr>
+          <p:cNvPr id="49" name="TextBox 48"/>
+          <p:cNvSpPr txBox="1"/>
+          <p:nvPr/>
+        </p:nvSpPr>
+        <p:spPr>
+          <a:xfrm>
+            <a:off x="6629400" y="3329345"/>
+            <a:ext cx="301686" cy="369332"/>
+          </a:xfrm>
+          <a:prstGeom prst="rect">
+            <a:avLst/>
+          </a:prstGeom>
+          <a:noFill/>
+        </p:spPr>
+        <p:txBody>
+          <a:bodyPr wrap="none" rtlCol="0">
+            <a:spAutoFit/>
+          </a:bodyPr>
+          <a:lstStyle/>
+          <a:p>
+            <a:r>
+              <a:rPr lang="en-US" dirty="0" smtClean="0"/>
+              <a:t>6</a:t>
+            </a:r>
+            <a:endParaRPr lang="en-US" dirty="0"/>
+          </a:p>
+        </p:txBody>
+      </p:sp>
+      <p:sp>
+        <p:nvSpPr>
+          <p:cNvPr id="50" name="TextBox 49"/>
+          <p:cNvSpPr txBox="1"/>
+          <p:nvPr/>
+        </p:nvSpPr>
+        <p:spPr>
+          <a:xfrm>
+            <a:off x="6937314" y="3481745"/>
+            <a:ext cx="301686" cy="369332"/>
+          </a:xfrm>
+          <a:prstGeom prst="rect">
+            <a:avLst/>
+          </a:prstGeom>
+          <a:noFill/>
+        </p:spPr>
+        <p:txBody>
+          <a:bodyPr wrap="none" rtlCol="0">
+            <a:spAutoFit/>
+          </a:bodyPr>
+          <a:lstStyle/>
+          <a:p>
+            <a:r>
+              <a:rPr lang="en-US" dirty="0" smtClean="0"/>
+              <a:t>7</a:t>
+            </a:r>
+            <a:endParaRPr lang="en-US" dirty="0"/>
+          </a:p>
+        </p:txBody>
+      </p:sp>
+      <p:cxnSp>
+        <p:nvCxnSpPr>
+          <p:cNvPr id="52" name="Straight Arrow Connector 51"/>
+          <p:cNvCxnSpPr>
+            <a:stCxn id="9" idx="2"/>
+          </p:cNvCxnSpPr>
+          <p:nvPr/>
+        </p:nvCxnSpPr>
+        <p:spPr>
+          <a:xfrm flipH="1">
+            <a:off x="7620000" y="3470077"/>
+            <a:ext cx="42285" cy="533400"/>
+          </a:xfrm>
+          <a:prstGeom prst="straightConnector1">
+            <a:avLst/>
+          </a:prstGeom>
+          <a:ln>
+            <a:tailEnd type="arrow"/>
+          </a:ln>
+        </p:spPr>
+        <p:style>
+          <a:lnRef idx="1">
+            <a:schemeClr val="accent1"/>
+          </a:lnRef>
+          <a:fillRef idx="0">
+            <a:schemeClr val="accent1"/>
+          </a:fillRef>
+          <a:effectRef idx="0">
+            <a:schemeClr val="accent1"/>
+          </a:effectRef>
+          <a:fontRef idx="minor">
+            <a:schemeClr val="tx1"/>
+          </a:fontRef>
+        </p:style>
+      </p:cxnSp>
+      <p:sp>
+        <p:nvSpPr>
+          <p:cNvPr id="53" name="Oval 52"/>
+          <p:cNvSpPr/>
+          <p:nvPr/>
+        </p:nvSpPr>
+        <p:spPr>
+          <a:xfrm>
+            <a:off x="7086600" y="4079677"/>
+            <a:ext cx="914400" cy="381000"/>
+          </a:xfrm>
+          <a:prstGeom prst="ellipse">
+            <a:avLst/>
+          </a:prstGeom>
+        </p:spPr>
+        <p:style>
+          <a:lnRef idx="2">
+            <a:schemeClr val="accent1">
+              <a:shade val="50000"/>
+            </a:schemeClr>
+          </a:lnRef>
+          <a:fillRef idx="1">
+            <a:schemeClr val="accent1"/>
+          </a:fillRef>
+          <a:effectRef idx="0">
+            <a:schemeClr val="accent1"/>
+          </a:effectRef>
+          <a:fontRef idx="minor">
+            <a:schemeClr val="lt1"/>
+          </a:fontRef>
+        </p:style>
+        <p:txBody>
+          <a:bodyPr rtlCol="0" anchor="ctr"/>
+          <a:lstStyle/>
+          <a:p>
+            <a:pPr algn="ctr"/>
+            <a:r>
+              <a:rPr lang="en-US" sz="1600" dirty="0" err="1" smtClean="0"/>
+              <a:t>nginx</a:t>
+            </a:r>
+            <a:endParaRPr lang="en-US" dirty="0"/>
+          </a:p>
+        </p:txBody>
+      </p:sp>
+      <p:sp>
+        <p:nvSpPr>
+          <p:cNvPr id="54" name="Can 53"/>
+          <p:cNvSpPr/>
+          <p:nvPr/>
+        </p:nvSpPr>
+        <p:spPr>
+          <a:xfrm>
+            <a:off x="3505200" y="2019300"/>
+            <a:ext cx="838200" cy="381000"/>
+          </a:xfrm>
+          <a:prstGeom prst="can">
+            <a:avLst/>
+          </a:prstGeom>
+        </p:spPr>
+        <p:style>
+          <a:lnRef idx="2">
+            <a:schemeClr val="accent1">
+              <a:shade val="50000"/>
+            </a:schemeClr>
+          </a:lnRef>
+          <a:fillRef idx="1">
+            <a:schemeClr val="accent1"/>
+          </a:fillRef>
+          <a:effectRef idx="0">
+            <a:schemeClr val="accent1"/>
+          </a:effectRef>
+          <a:fontRef idx="minor">
+            <a:schemeClr val="lt1"/>
+          </a:fontRef>
+        </p:style>
+        <p:txBody>
+          <a:bodyPr rtlCol="0" anchor="ctr"/>
+          <a:lstStyle/>
+          <a:p>
+            <a:pPr algn="ctr"/>
+            <a:r>
+              <a:rPr lang="en-US" dirty="0" err="1" smtClean="0"/>
+              <a:t>etcd</a:t>
+            </a:r>
+            <a:endParaRPr lang="en-US" dirty="0"/>
+          </a:p>
+        </p:txBody>
+      </p:sp>
+      <p:cxnSp>
+        <p:nvCxnSpPr>
+          <p:cNvPr id="56" name="Straight Arrow Connector 55"/>
+          <p:cNvCxnSpPr>
+            <a:endCxn id="54" idx="1"/>
+          </p:cNvCxnSpPr>
+          <p:nvPr/>
+        </p:nvCxnSpPr>
+        <p:spPr>
+          <a:xfrm flipH="1">
+            <a:off x="3924300" y="1790700"/>
+            <a:ext cx="190500" cy="228600"/>
+          </a:xfrm>
+          <a:prstGeom prst="straightConnector1">
+            <a:avLst/>
+          </a:prstGeom>
+          <a:ln>
+            <a:tailEnd type="arrow"/>
+          </a:ln>
+        </p:spPr>
+        <p:style>
+          <a:lnRef idx="1">
+            <a:schemeClr val="accent1"/>
+          </a:lnRef>
+          <a:fillRef idx="0">
+            <a:schemeClr val="accent1"/>
+          </a:fillRef>
+          <a:effectRef idx="0">
+            <a:schemeClr val="accent1"/>
+          </a:effectRef>
+          <a:fontRef idx="minor">
+            <a:schemeClr val="tx1"/>
+          </a:fontRef>
+        </p:style>
+      </p:cxnSp>
+      <p:sp>
+        <p:nvSpPr>
+          <p:cNvPr id="57" name="Rectangle 56"/>
+          <p:cNvSpPr/>
+          <p:nvPr/>
+        </p:nvSpPr>
+        <p:spPr>
+          <a:xfrm>
+            <a:off x="3657600" y="723900"/>
+            <a:ext cx="2133600" cy="1447800"/>
+          </a:xfrm>
+          <a:prstGeom prst="rect">
+            <a:avLst/>
+          </a:prstGeom>
+          <a:noFill/>
+          <a:ln>
+            <a:prstDash val="sysDot"/>
+          </a:ln>
+        </p:spPr>
+        <p:style>
+          <a:lnRef idx="2">
+            <a:schemeClr val="accent1">
+              <a:shade val="50000"/>
+            </a:schemeClr>
+          </a:lnRef>
+          <a:fillRef idx="1">
+            <a:schemeClr val="accent1"/>
+          </a:fillRef>
+          <a:effectRef idx="0">
+            <a:schemeClr val="accent1"/>
+          </a:effectRef>
+          <a:fontRef idx="minor">
+            <a:schemeClr val="lt1"/>
+          </a:fontRef>
+        </p:style>
+        <p:txBody>
+          <a:bodyPr rtlCol="0" anchor="ctr"/>
+          <a:lstStyle/>
+          <a:p>
+            <a:pPr algn="ctr"/>
+            <a:endParaRPr lang="en-US"/>
+          </a:p>
+        </p:txBody>
+      </p:sp>
+      <p:cxnSp>
+        <p:nvCxnSpPr>
+          <p:cNvPr id="59" name="Straight Arrow Connector 58"/>
+          <p:cNvCxnSpPr/>
+          <p:nvPr/>
+        </p:nvCxnSpPr>
+        <p:spPr>
+          <a:xfrm flipV="1">
+            <a:off x="5791200" y="1638300"/>
+            <a:ext cx="1143000" cy="76200"/>
+          </a:xfrm>
+          <a:prstGeom prst="straightConnector1">
+            <a:avLst/>
+          </a:prstGeom>
+          <a:ln>
+            <a:tailEnd type="arrow"/>
+          </a:ln>
+        </p:spPr>
+        <p:style>
+          <a:lnRef idx="1">
+            <a:schemeClr val="accent1"/>
+          </a:lnRef>
+          <a:fillRef idx="0">
+            <a:schemeClr val="accent1"/>
+          </a:fillRef>
+          <a:effectRef idx="0">
+            <a:schemeClr val="accent1"/>
+          </a:effectRef>
+          <a:fontRef idx="minor">
+            <a:schemeClr val="tx1"/>
+          </a:fontRef>
+        </p:style>
+      </p:cxnSp>
+      <p:sp>
+        <p:nvSpPr>
+          <p:cNvPr id="60" name="TextBox 59"/>
+          <p:cNvSpPr txBox="1"/>
+          <p:nvPr/>
+        </p:nvSpPr>
+        <p:spPr>
+          <a:xfrm>
+            <a:off x="6934200" y="1421368"/>
+            <a:ext cx="1453218" cy="369332"/>
+          </a:xfrm>
+          <a:prstGeom prst="rect">
+            <a:avLst/>
+          </a:prstGeom>
+          <a:noFill/>
+        </p:spPr>
+        <p:txBody>
+          <a:bodyPr wrap="none" rtlCol="0">
+            <a:spAutoFit/>
+          </a:bodyPr>
+          <a:lstStyle/>
+          <a:p>
+            <a:r>
+              <a:rPr lang="en-US" dirty="0" smtClean="0"/>
+              <a:t>Control plane</a:t>
+            </a:r>
+            <a:endParaRPr lang="en-US" dirty="0"/>
+          </a:p>
+        </p:txBody>
+      </p:sp>
+      <p:cxnSp>
+        <p:nvCxnSpPr>
+          <p:cNvPr id="62" name="Straight Arrow Connector 61"/>
+          <p:cNvCxnSpPr>
+            <a:stCxn id="54" idx="2"/>
+          </p:cNvCxnSpPr>
+          <p:nvPr/>
+        </p:nvCxnSpPr>
+        <p:spPr>
+          <a:xfrm flipH="1">
+            <a:off x="2819400" y="2209800"/>
+            <a:ext cx="685800" cy="190500"/>
+          </a:xfrm>
+          <a:prstGeom prst="straightConnector1">
+            <a:avLst/>
+          </a:prstGeom>
+          <a:ln>
+            <a:tailEnd type="arrow"/>
+          </a:ln>
+        </p:spPr>
+        <p:style>
+          <a:lnRef idx="1">
+            <a:schemeClr val="accent1"/>
+          </a:lnRef>
+          <a:fillRef idx="0">
+            <a:schemeClr val="accent1"/>
+          </a:fillRef>
+          <a:effectRef idx="0">
+            <a:schemeClr val="accent1"/>
+          </a:effectRef>
+          <a:fontRef idx="minor">
+            <a:schemeClr val="tx1"/>
+          </a:fontRef>
+        </p:style>
+      </p:cxnSp>
+      <p:sp>
+        <p:nvSpPr>
+          <p:cNvPr id="63" name="TextBox 62"/>
+          <p:cNvSpPr txBox="1"/>
+          <p:nvPr/>
+        </p:nvSpPr>
+        <p:spPr>
+          <a:xfrm>
+            <a:off x="1676400" y="2171700"/>
+            <a:ext cx="1213666" cy="369332"/>
+          </a:xfrm>
+          <a:prstGeom prst="rect">
+            <a:avLst/>
+          </a:prstGeom>
+          <a:noFill/>
+        </p:spPr>
+        <p:txBody>
+          <a:bodyPr wrap="none" rtlCol="0">
+            <a:spAutoFit/>
+          </a:bodyPr>
+          <a:lstStyle/>
+          <a:p>
+            <a:r>
+              <a:rPr lang="en-US" dirty="0" smtClean="0"/>
+              <a:t>Data-plane</a:t>
+            </a:r>
+            <a:endParaRPr lang="en-US" dirty="0"/>
+          </a:p>
+        </p:txBody>
+      </p:sp>
+      <p:sp>
+        <p:nvSpPr>
+          <p:cNvPr id="64" name="TextBox 63"/>
+          <p:cNvSpPr txBox="1"/>
+          <p:nvPr/>
+        </p:nvSpPr>
+        <p:spPr>
+          <a:xfrm>
+            <a:off x="3505200" y="2628900"/>
+            <a:ext cx="1946302" cy="369332"/>
+          </a:xfrm>
+          <a:prstGeom prst="rect">
+            <a:avLst/>
+          </a:prstGeom>
+          <a:noFill/>
+        </p:spPr>
+        <p:txBody>
+          <a:bodyPr wrap="none" rtlCol="0">
+            <a:spAutoFit/>
+          </a:bodyPr>
+          <a:lstStyle/>
+          <a:p>
+            <a:r>
+              <a:rPr lang="en-US" dirty="0" err="1" smtClean="0"/>
+              <a:t>Dep</a:t>
+            </a:r>
+            <a:r>
+              <a:rPr lang="en-US" dirty="0" smtClean="0"/>
+              <a:t>-hw : 20 </a:t>
+            </a:r>
+            <a:r>
+              <a:rPr lang="en-US" dirty="0" err="1" smtClean="0"/>
+              <a:t>config</a:t>
+            </a:r>
+            <a:endParaRPr lang="en-US" dirty="0"/>
+          </a:p>
+        </p:txBody>
+      </p:sp>
+      <p:cxnSp>
+        <p:nvCxnSpPr>
+          <p:cNvPr id="66" name="Straight Arrow Connector 65"/>
+          <p:cNvCxnSpPr>
+            <a:endCxn id="11" idx="0"/>
+          </p:cNvCxnSpPr>
+          <p:nvPr/>
+        </p:nvCxnSpPr>
+        <p:spPr>
+          <a:xfrm flipH="1">
+            <a:off x="3262816" y="2171700"/>
+            <a:ext cx="1994984" cy="1066800"/>
+          </a:xfrm>
+          <a:prstGeom prst="straightConnector1">
+            <a:avLst/>
+          </a:prstGeom>
+          <a:ln>
+            <a:tailEnd type="arrow"/>
+          </a:ln>
+        </p:spPr>
+        <p:style>
+          <a:lnRef idx="1">
+            <a:schemeClr val="accent1"/>
+          </a:lnRef>
+          <a:fillRef idx="0">
+            <a:schemeClr val="accent1"/>
+          </a:fillRef>
+          <a:effectRef idx="0">
+            <a:schemeClr val="accent1"/>
+          </a:effectRef>
+          <a:fontRef idx="minor">
+            <a:schemeClr val="tx1"/>
+          </a:fontRef>
+        </p:style>
+      </p:cxnSp>
+      <p:sp>
+        <p:nvSpPr>
+          <p:cNvPr id="70" name="TextBox 69"/>
+          <p:cNvSpPr txBox="1"/>
+          <p:nvPr/>
+        </p:nvSpPr>
+        <p:spPr>
+          <a:xfrm>
+            <a:off x="1828800" y="4762500"/>
+            <a:ext cx="1413720" cy="369332"/>
+          </a:xfrm>
+          <a:prstGeom prst="rect">
+            <a:avLst/>
+          </a:prstGeom>
+          <a:noFill/>
+        </p:spPr>
+        <p:txBody>
+          <a:bodyPr wrap="none" rtlCol="0">
+            <a:spAutoFit/>
+          </a:bodyPr>
+          <a:lstStyle/>
+          <a:p>
+            <a:r>
+              <a:rPr lang="en-US" dirty="0" err="1" smtClean="0"/>
+              <a:t>Mctype</a:t>
+            </a:r>
+            <a:r>
+              <a:rPr lang="en-US" dirty="0" smtClean="0"/>
+              <a:t>=web</a:t>
+            </a:r>
+            <a:endParaRPr lang="en-US" dirty="0"/>
+          </a:p>
+        </p:txBody>
+      </p:sp>
+      <p:sp>
+        <p:nvSpPr>
+          <p:cNvPr id="71" name="TextBox 70"/>
+          <p:cNvSpPr txBox="1"/>
+          <p:nvPr/>
+        </p:nvSpPr>
+        <p:spPr>
+          <a:xfrm>
+            <a:off x="5334000" y="4610100"/>
+            <a:ext cx="1257075" cy="369332"/>
+          </a:xfrm>
+          <a:prstGeom prst="rect">
+            <a:avLst/>
+          </a:prstGeom>
+          <a:noFill/>
+        </p:spPr>
+        <p:txBody>
+          <a:bodyPr wrap="none" rtlCol="0">
+            <a:spAutoFit/>
+          </a:bodyPr>
+          <a:lstStyle/>
+          <a:p>
+            <a:r>
+              <a:rPr lang="en-US" dirty="0" err="1" smtClean="0"/>
+              <a:t>Mctype</a:t>
+            </a:r>
+            <a:r>
+              <a:rPr lang="en-US" dirty="0" smtClean="0"/>
+              <a:t>=db</a:t>
+            </a:r>
+            <a:endParaRPr lang="en-US" dirty="0"/>
+          </a:p>
+        </p:txBody>
+      </p:sp>
+    </p:spTree>
+  </p:cSld>
+  <p:clrMapOvr>
+    <a:masterClrMapping/>
+  </p:clrMapOvr>
+</p:sld>
+</file>
+
+<file path=ppt/slides/slide19.xml><?xml version="1.0" encoding="utf-8"?>
+<p:sld xmlns:a="http://schemas.openxmlformats.org/drawingml/2006/main" xmlns:r="http://schemas.openxmlformats.org/officeDocument/2006/relationships" xmlns:p="http://schemas.openxmlformats.org/presentationml/2006/main">
+  <p:cSld>
+    <p:spTree>
+      <p:nvGrpSpPr>
+        <p:cNvPr id="1" name=""/>
+        <p:cNvGrpSpPr/>
+        <p:nvPr/>
+      </p:nvGrpSpPr>
+      <p:grpSpPr>
+        <a:xfrm>
+          <a:off x="0" y="0"/>
+          <a:ext cx="0" cy="0"/>
+          <a:chOff x="0" y="0"/>
+          <a:chExt cx="0" cy="0"/>
+        </a:xfrm>
+      </p:grpSpPr>
+      <p:sp>
+        <p:nvSpPr>
+          <p:cNvPr id="2" name="Rectangle 1"/>
+          <p:cNvSpPr/>
+          <p:nvPr/>
+        </p:nvSpPr>
+        <p:spPr>
+          <a:xfrm>
+            <a:off x="2590800" y="495300"/>
+            <a:ext cx="6172200" cy="1981200"/>
+          </a:xfrm>
+          <a:prstGeom prst="rect">
+            <a:avLst/>
+          </a:prstGeom>
+          <a:noFill/>
+        </p:spPr>
+        <p:style>
+          <a:lnRef idx="2">
+            <a:schemeClr val="accent1">
+              <a:shade val="50000"/>
+            </a:schemeClr>
+          </a:lnRef>
+          <a:fillRef idx="1">
+            <a:schemeClr val="accent1"/>
+          </a:fillRef>
+          <a:effectRef idx="0">
+            <a:schemeClr val="accent1"/>
+          </a:effectRef>
+          <a:fontRef idx="minor">
+            <a:schemeClr val="lt1"/>
+          </a:fontRef>
+        </p:style>
+        <p:txBody>
+          <a:bodyPr rtlCol="0" anchor="ctr"/>
+          <a:lstStyle/>
+          <a:p>
+            <a:pPr algn="ctr"/>
+            <a:endParaRPr lang="en-US" dirty="0"/>
+          </a:p>
+        </p:txBody>
+      </p:sp>
+      <p:sp>
+        <p:nvSpPr>
+          <p:cNvPr id="3" name="Rectangle 2"/>
+          <p:cNvSpPr/>
+          <p:nvPr/>
+        </p:nvSpPr>
+        <p:spPr>
+          <a:xfrm>
+            <a:off x="2590800" y="3009900"/>
+            <a:ext cx="6172200" cy="1981200"/>
+          </a:xfrm>
+          <a:prstGeom prst="rect">
+            <a:avLst/>
+          </a:prstGeom>
+          <a:noFill/>
+        </p:spPr>
+        <p:style>
+          <a:lnRef idx="2">
+            <a:schemeClr val="accent1">
+              <a:shade val="50000"/>
+            </a:schemeClr>
+          </a:lnRef>
+          <a:fillRef idx="1">
+            <a:schemeClr val="accent1"/>
+          </a:fillRef>
+          <a:effectRef idx="0">
+            <a:schemeClr val="accent1"/>
+          </a:effectRef>
+          <a:fontRef idx="minor">
+            <a:schemeClr val="lt1"/>
+          </a:fontRef>
+        </p:style>
+        <p:txBody>
+          <a:bodyPr rtlCol="0" anchor="ctr"/>
+          <a:lstStyle/>
+          <a:p>
+            <a:pPr algn="ctr"/>
+            <a:endParaRPr lang="en-US"/>
+          </a:p>
+        </p:txBody>
+      </p:sp>
+      <p:sp>
+        <p:nvSpPr>
+          <p:cNvPr id="4" name="TextBox 3"/>
+          <p:cNvSpPr txBox="1"/>
+          <p:nvPr/>
+        </p:nvSpPr>
+        <p:spPr>
+          <a:xfrm>
+            <a:off x="2590800" y="266700"/>
+            <a:ext cx="1898277" cy="307777"/>
+          </a:xfrm>
+          <a:prstGeom prst="rect">
+            <a:avLst/>
+          </a:prstGeom>
+          <a:noFill/>
+        </p:spPr>
+        <p:txBody>
+          <a:bodyPr wrap="none" rtlCol="0">
+            <a:spAutoFit/>
+          </a:bodyPr>
+          <a:lstStyle/>
+          <a:p>
+            <a:r>
+              <a:rPr lang="en-US" sz="1400" dirty="0" smtClean="0"/>
+              <a:t>Node1: 192.168.99.100</a:t>
+            </a:r>
+            <a:endParaRPr lang="en-US" sz="1400" dirty="0"/>
+          </a:p>
+        </p:txBody>
+      </p:sp>
+      <p:sp>
+        <p:nvSpPr>
+          <p:cNvPr id="5" name="TextBox 4"/>
+          <p:cNvSpPr txBox="1"/>
+          <p:nvPr/>
+        </p:nvSpPr>
+        <p:spPr>
+          <a:xfrm>
+            <a:off x="2597523" y="2778323"/>
+            <a:ext cx="1898277" cy="307777"/>
+          </a:xfrm>
+          <a:prstGeom prst="rect">
+            <a:avLst/>
+          </a:prstGeom>
+          <a:noFill/>
+        </p:spPr>
+        <p:txBody>
+          <a:bodyPr wrap="none" rtlCol="0">
+            <a:spAutoFit/>
+          </a:bodyPr>
+          <a:lstStyle/>
+          <a:p>
+            <a:r>
+              <a:rPr lang="en-US" sz="1400" dirty="0" smtClean="0"/>
+              <a:t>Node2: 192.168.99.101</a:t>
+            </a:r>
+            <a:endParaRPr lang="en-US" dirty="0"/>
+          </a:p>
+        </p:txBody>
+      </p:sp>
+      <p:sp>
+        <p:nvSpPr>
+          <p:cNvPr id="6" name="TextBox 5"/>
+          <p:cNvSpPr txBox="1"/>
+          <p:nvPr/>
+        </p:nvSpPr>
+        <p:spPr>
+          <a:xfrm>
+            <a:off x="0" y="38100"/>
+            <a:ext cx="2544927" cy="369332"/>
+          </a:xfrm>
+          <a:prstGeom prst="rect">
+            <a:avLst/>
+          </a:prstGeom>
+          <a:noFill/>
+        </p:spPr>
+        <p:txBody>
+          <a:bodyPr wrap="none" rtlCol="0">
+            <a:spAutoFit/>
+          </a:bodyPr>
+          <a:lstStyle/>
+          <a:p>
+            <a:r>
+              <a:rPr lang="en-US" dirty="0" smtClean="0"/>
+              <a:t>Pod-pod communication</a:t>
+            </a:r>
+            <a:endParaRPr lang="en-US" dirty="0"/>
+          </a:p>
+        </p:txBody>
+      </p:sp>
+      <p:sp>
+        <p:nvSpPr>
+          <p:cNvPr id="7" name="Rectangle 6"/>
+          <p:cNvSpPr/>
+          <p:nvPr/>
+        </p:nvSpPr>
+        <p:spPr>
+          <a:xfrm>
+            <a:off x="152400" y="1562100"/>
+            <a:ext cx="1066800" cy="2057400"/>
+          </a:xfrm>
+          <a:prstGeom prst="rect">
+            <a:avLst/>
+          </a:prstGeom>
+        </p:spPr>
+        <p:style>
+          <a:lnRef idx="2">
+            <a:schemeClr val="accent1">
+              <a:shade val="50000"/>
+            </a:schemeClr>
+          </a:lnRef>
+          <a:fillRef idx="1">
+            <a:schemeClr val="accent1"/>
+          </a:fillRef>
+          <a:effectRef idx="0">
+            <a:schemeClr val="accent1"/>
+          </a:effectRef>
+          <a:fontRef idx="minor">
+            <a:schemeClr val="lt1"/>
+          </a:fontRef>
+        </p:style>
+        <p:txBody>
+          <a:bodyPr rtlCol="0" anchor="ctr"/>
+          <a:lstStyle/>
+          <a:p>
+            <a:pPr algn="ctr"/>
+            <a:r>
+              <a:rPr lang="en-US" dirty="0" smtClean="0"/>
+              <a:t>master</a:t>
+            </a:r>
+            <a:endParaRPr lang="en-US" dirty="0"/>
+          </a:p>
+        </p:txBody>
+      </p:sp>
+      <p:sp>
+        <p:nvSpPr>
+          <p:cNvPr id="10" name="TextBox 9"/>
+          <p:cNvSpPr txBox="1"/>
+          <p:nvPr/>
+        </p:nvSpPr>
+        <p:spPr>
+          <a:xfrm>
+            <a:off x="6172200" y="1104900"/>
+            <a:ext cx="1926168" cy="646331"/>
+          </a:xfrm>
+          <a:prstGeom prst="rect">
+            <a:avLst/>
+          </a:prstGeom>
+          <a:noFill/>
+        </p:spPr>
+        <p:txBody>
+          <a:bodyPr wrap="none" rtlCol="0">
+            <a:spAutoFit/>
+          </a:bodyPr>
+          <a:lstStyle/>
+          <a:p>
+            <a:r>
+              <a:rPr lang="en-US" dirty="0" smtClean="0"/>
+              <a:t>ghost: 172.17.0.12</a:t>
+            </a:r>
+          </a:p>
+          <a:p>
+            <a:r>
+              <a:rPr lang="en-US" dirty="0" smtClean="0"/>
+              <a:t> 172.18.0.12:3306</a:t>
+            </a:r>
+            <a:endParaRPr lang="en-US" dirty="0"/>
+          </a:p>
+        </p:txBody>
+      </p:sp>
+      <p:sp>
+        <p:nvSpPr>
+          <p:cNvPr id="11" name="TextBox 10"/>
+          <p:cNvSpPr txBox="1"/>
+          <p:nvPr/>
+        </p:nvSpPr>
+        <p:spPr>
+          <a:xfrm>
+            <a:off x="6172200" y="3631168"/>
+            <a:ext cx="2175596" cy="369332"/>
+          </a:xfrm>
+          <a:prstGeom prst="rect">
+            <a:avLst/>
+          </a:prstGeom>
+          <a:noFill/>
+        </p:spPr>
+        <p:txBody>
+          <a:bodyPr wrap="none" rtlCol="0">
+            <a:spAutoFit/>
+          </a:bodyPr>
+          <a:lstStyle/>
+          <a:p>
+            <a:r>
+              <a:rPr lang="en-US" dirty="0" smtClean="0"/>
+              <a:t>P2: 172.18.0.12:3306</a:t>
+            </a:r>
+            <a:endParaRPr lang="en-US" dirty="0"/>
+          </a:p>
+        </p:txBody>
+      </p:sp>
+      <p:sp>
+        <p:nvSpPr>
+          <p:cNvPr id="12" name="TextBox 11"/>
+          <p:cNvSpPr txBox="1"/>
+          <p:nvPr/>
+        </p:nvSpPr>
+        <p:spPr>
+          <a:xfrm>
+            <a:off x="2590800" y="1562100"/>
+            <a:ext cx="3200400" cy="954107"/>
+          </a:xfrm>
+          <a:prstGeom prst="rect">
+            <a:avLst/>
+          </a:prstGeom>
+          <a:noFill/>
+        </p:spPr>
+        <p:txBody>
+          <a:bodyPr wrap="square" rtlCol="0">
+            <a:spAutoFit/>
+          </a:bodyPr>
+          <a:lstStyle/>
+          <a:p>
+            <a:r>
+              <a:rPr lang="en-US" sz="1400" dirty="0" smtClean="0"/>
+              <a:t>canal</a:t>
+            </a:r>
+          </a:p>
+          <a:p>
+            <a:r>
+              <a:rPr lang="en-US" sz="1400" dirty="0" err="1" smtClean="0"/>
+              <a:t>Kube</a:t>
+            </a:r>
+            <a:r>
+              <a:rPr lang="en-US" sz="1400" dirty="0" smtClean="0"/>
+              <a:t>-proxy</a:t>
+            </a:r>
+          </a:p>
+          <a:p>
+            <a:r>
+              <a:rPr lang="en-US" sz="1400" dirty="0" smtClean="0"/>
+              <a:t>172.18.0.0 next hop 192.168.99.101</a:t>
+            </a:r>
+          </a:p>
+          <a:p>
+            <a:r>
+              <a:rPr lang="en-US" sz="1400" dirty="0" smtClean="0"/>
+              <a:t>172.17.0.0 </a:t>
+            </a:r>
+            <a:r>
+              <a:rPr lang="en-US" sz="1400" dirty="0" smtClean="0"/>
+              <a:t>next hop </a:t>
+            </a:r>
+            <a:r>
+              <a:rPr lang="en-US" sz="1400" dirty="0" smtClean="0"/>
+              <a:t>192.168.99.100</a:t>
+            </a:r>
+            <a:endParaRPr lang="en-US" dirty="0"/>
+          </a:p>
+        </p:txBody>
+      </p:sp>
+      <p:sp>
+        <p:nvSpPr>
+          <p:cNvPr id="14" name="Cloud 13"/>
+          <p:cNvSpPr/>
+          <p:nvPr/>
+        </p:nvSpPr>
+        <p:spPr>
+          <a:xfrm>
+            <a:off x="990600" y="1181100"/>
+            <a:ext cx="1828800" cy="3124200"/>
+          </a:xfrm>
+          <a:prstGeom prst="cloud">
+            <a:avLst/>
+          </a:prstGeom>
+          <a:noFill/>
+        </p:spPr>
+        <p:style>
+          <a:lnRef idx="2">
+            <a:schemeClr val="accent1">
+              <a:shade val="50000"/>
+            </a:schemeClr>
+          </a:lnRef>
+          <a:fillRef idx="1">
+            <a:schemeClr val="accent1"/>
+          </a:fillRef>
+          <a:effectRef idx="0">
+            <a:schemeClr val="accent1"/>
+          </a:effectRef>
+          <a:fontRef idx="minor">
+            <a:schemeClr val="lt1"/>
+          </a:fontRef>
+        </p:style>
+        <p:txBody>
+          <a:bodyPr rtlCol="0" anchor="ctr"/>
+          <a:lstStyle/>
+          <a:p>
+            <a:pPr algn="ctr"/>
+            <a:endParaRPr lang="en-US"/>
+          </a:p>
+        </p:txBody>
+      </p:sp>
+      <p:sp>
+        <p:nvSpPr>
+          <p:cNvPr id="15" name="TextBox 14"/>
+          <p:cNvSpPr txBox="1"/>
+          <p:nvPr/>
+        </p:nvSpPr>
+        <p:spPr>
+          <a:xfrm>
+            <a:off x="1219200" y="1943100"/>
+            <a:ext cx="1476815" cy="954107"/>
+          </a:xfrm>
+          <a:prstGeom prst="rect">
+            <a:avLst/>
+          </a:prstGeom>
+          <a:noFill/>
+        </p:spPr>
+        <p:txBody>
+          <a:bodyPr wrap="none" rtlCol="0">
+            <a:spAutoFit/>
+          </a:bodyPr>
+          <a:lstStyle/>
+          <a:p>
+            <a:r>
+              <a:rPr lang="en-US" sz="1400" dirty="0" smtClean="0"/>
+              <a:t>Mesh n/w</a:t>
+            </a:r>
+          </a:p>
+          <a:p>
+            <a:pPr marL="342900" indent="-342900">
+              <a:buAutoNum type="arabicPeriod"/>
+            </a:pPr>
+            <a:r>
+              <a:rPr lang="en-US" sz="1400" dirty="0" smtClean="0"/>
+              <a:t>Flannel</a:t>
+            </a:r>
+          </a:p>
+          <a:p>
+            <a:pPr marL="342900" indent="-342900">
+              <a:buAutoNum type="arabicPeriod"/>
+            </a:pPr>
+            <a:r>
+              <a:rPr lang="en-US" sz="1400" dirty="0" smtClean="0"/>
+              <a:t>Calico</a:t>
+            </a:r>
+          </a:p>
+          <a:p>
+            <a:pPr marL="342900" indent="-342900">
+              <a:buAutoNum type="arabicPeriod"/>
+            </a:pPr>
+            <a:r>
+              <a:rPr lang="en-US" sz="1400" dirty="0" smtClean="0"/>
+              <a:t>Cloud-weave</a:t>
+            </a:r>
+            <a:endParaRPr lang="en-US" sz="1400" dirty="0"/>
+          </a:p>
+        </p:txBody>
+      </p:sp>
+      <p:sp>
+        <p:nvSpPr>
+          <p:cNvPr id="16" name="TextBox 15"/>
+          <p:cNvSpPr txBox="1"/>
+          <p:nvPr/>
+        </p:nvSpPr>
+        <p:spPr>
+          <a:xfrm>
+            <a:off x="2590800" y="4076700"/>
+            <a:ext cx="3200400" cy="954107"/>
+          </a:xfrm>
+          <a:prstGeom prst="rect">
+            <a:avLst/>
+          </a:prstGeom>
+          <a:noFill/>
+        </p:spPr>
+        <p:txBody>
+          <a:bodyPr wrap="square" rtlCol="0">
+            <a:spAutoFit/>
+          </a:bodyPr>
+          <a:lstStyle/>
+          <a:p>
+            <a:r>
+              <a:rPr lang="en-US" sz="1400" dirty="0" smtClean="0"/>
+              <a:t>canal</a:t>
+            </a:r>
+          </a:p>
+          <a:p>
+            <a:r>
+              <a:rPr lang="en-US" sz="1400" dirty="0" err="1" smtClean="0"/>
+              <a:t>Kube</a:t>
+            </a:r>
+            <a:r>
+              <a:rPr lang="en-US" sz="1400" dirty="0" smtClean="0"/>
+              <a:t>-proxy</a:t>
+            </a:r>
+          </a:p>
+          <a:p>
+            <a:r>
+              <a:rPr lang="en-US" sz="1400" dirty="0" smtClean="0"/>
+              <a:t>172.18.0.0 next hop 192.168.99.101</a:t>
+            </a:r>
+          </a:p>
+          <a:p>
+            <a:r>
+              <a:rPr lang="en-US" sz="1400" dirty="0" smtClean="0"/>
+              <a:t>172.17.0.0 </a:t>
+            </a:r>
+            <a:r>
+              <a:rPr lang="en-US" sz="1400" dirty="0" smtClean="0"/>
+              <a:t>next hop </a:t>
+            </a:r>
+            <a:r>
+              <a:rPr lang="en-US" sz="1400" dirty="0" smtClean="0"/>
+              <a:t>192.168.99.100</a:t>
+            </a:r>
+            <a:endParaRPr lang="en-US" dirty="0"/>
+          </a:p>
+        </p:txBody>
+      </p:sp>
+      <p:cxnSp>
+        <p:nvCxnSpPr>
+          <p:cNvPr id="18" name="Straight Arrow Connector 17"/>
+          <p:cNvCxnSpPr>
+            <a:stCxn id="10" idx="1"/>
+            <a:endCxn id="4" idx="2"/>
+          </p:cNvCxnSpPr>
+          <p:nvPr/>
+        </p:nvCxnSpPr>
+        <p:spPr>
+          <a:xfrm flipH="1" flipV="1">
+            <a:off x="3539939" y="574477"/>
+            <a:ext cx="2632261" cy="853589"/>
+          </a:xfrm>
+          <a:prstGeom prst="straightConnector1">
+            <a:avLst/>
+          </a:prstGeom>
+          <a:ln>
+            <a:tailEnd type="arrow"/>
+          </a:ln>
+        </p:spPr>
+        <p:style>
+          <a:lnRef idx="1">
+            <a:schemeClr val="accent1"/>
+          </a:lnRef>
+          <a:fillRef idx="0">
+            <a:schemeClr val="accent1"/>
+          </a:fillRef>
+          <a:effectRef idx="0">
+            <a:schemeClr val="accent1"/>
+          </a:effectRef>
+          <a:fontRef idx="minor">
+            <a:schemeClr val="tx1"/>
+          </a:fontRef>
+        </p:style>
+      </p:cxnSp>
+      <p:cxnSp>
+        <p:nvCxnSpPr>
+          <p:cNvPr id="20" name="Straight Arrow Connector 19"/>
+          <p:cNvCxnSpPr>
+            <a:stCxn id="4" idx="2"/>
+            <a:endCxn id="12" idx="0"/>
+          </p:cNvCxnSpPr>
+          <p:nvPr/>
+        </p:nvCxnSpPr>
+        <p:spPr>
+          <a:xfrm>
+            <a:off x="3539939" y="574477"/>
+            <a:ext cx="651061" cy="987623"/>
+          </a:xfrm>
+          <a:prstGeom prst="straightConnector1">
+            <a:avLst/>
+          </a:prstGeom>
+          <a:ln>
+            <a:tailEnd type="arrow"/>
+          </a:ln>
+        </p:spPr>
+        <p:style>
+          <a:lnRef idx="1">
+            <a:schemeClr val="accent1"/>
+          </a:lnRef>
+          <a:fillRef idx="0">
+            <a:schemeClr val="accent1"/>
+          </a:fillRef>
+          <a:effectRef idx="0">
+            <a:schemeClr val="accent1"/>
+          </a:effectRef>
+          <a:fontRef idx="minor">
+            <a:schemeClr val="tx1"/>
+          </a:fontRef>
+        </p:style>
+      </p:cxnSp>
+      <p:cxnSp>
+        <p:nvCxnSpPr>
+          <p:cNvPr id="22" name="Straight Arrow Connector 21"/>
+          <p:cNvCxnSpPr/>
+          <p:nvPr/>
+        </p:nvCxnSpPr>
+        <p:spPr>
+          <a:xfrm flipH="1">
+            <a:off x="3886200" y="2476500"/>
+            <a:ext cx="609600" cy="381000"/>
+          </a:xfrm>
+          <a:prstGeom prst="straightConnector1">
+            <a:avLst/>
+          </a:prstGeom>
+          <a:ln>
+            <a:tailEnd type="arrow"/>
+          </a:ln>
+        </p:spPr>
+        <p:style>
+          <a:lnRef idx="1">
+            <a:schemeClr val="accent1"/>
+          </a:lnRef>
+          <a:fillRef idx="0">
+            <a:schemeClr val="accent1"/>
+          </a:fillRef>
+          <a:effectRef idx="0">
+            <a:schemeClr val="accent1"/>
+          </a:effectRef>
+          <a:fontRef idx="minor">
+            <a:schemeClr val="tx1"/>
+          </a:fontRef>
+        </p:style>
+      </p:cxnSp>
+      <p:cxnSp>
+        <p:nvCxnSpPr>
+          <p:cNvPr id="24" name="Straight Arrow Connector 23"/>
+          <p:cNvCxnSpPr>
+            <a:stCxn id="5" idx="2"/>
+            <a:endCxn id="11" idx="0"/>
+          </p:cNvCxnSpPr>
+          <p:nvPr/>
+        </p:nvCxnSpPr>
+        <p:spPr>
+          <a:xfrm>
+            <a:off x="3546662" y="3086100"/>
+            <a:ext cx="3713336" cy="545068"/>
+          </a:xfrm>
+          <a:prstGeom prst="straightConnector1">
+            <a:avLst/>
+          </a:prstGeom>
+          <a:ln>
+            <a:tailEnd type="arrow"/>
+          </a:ln>
+        </p:spPr>
+        <p:style>
+          <a:lnRef idx="1">
+            <a:schemeClr val="accent1"/>
+          </a:lnRef>
+          <a:fillRef idx="0">
+            <a:schemeClr val="accent1"/>
+          </a:fillRef>
+          <a:effectRef idx="0">
+            <a:schemeClr val="accent1"/>
+          </a:effectRef>
+          <a:fontRef idx="minor">
+            <a:schemeClr val="tx1"/>
+          </a:fontRef>
+        </p:style>
+      </p:cxnSp>
+      <p:sp>
+        <p:nvSpPr>
+          <p:cNvPr id="25" name="TextBox 24"/>
+          <p:cNvSpPr txBox="1"/>
+          <p:nvPr/>
+        </p:nvSpPr>
+        <p:spPr>
+          <a:xfrm>
+            <a:off x="2590800" y="1028700"/>
+            <a:ext cx="734432" cy="307777"/>
+          </a:xfrm>
+          <a:prstGeom prst="rect">
+            <a:avLst/>
+          </a:prstGeom>
+          <a:noFill/>
+        </p:spPr>
+        <p:txBody>
+          <a:bodyPr wrap="none" rtlCol="0">
+            <a:spAutoFit/>
+          </a:bodyPr>
+          <a:lstStyle/>
+          <a:p>
+            <a:r>
+              <a:rPr lang="en-US" sz="1400" dirty="0" err="1" smtClean="0"/>
+              <a:t>kubelet</a:t>
+            </a:r>
+            <a:endParaRPr lang="en-US" dirty="0"/>
+          </a:p>
+        </p:txBody>
+      </p:sp>
+      <p:sp>
+        <p:nvSpPr>
+          <p:cNvPr id="26" name="TextBox 25"/>
+          <p:cNvSpPr txBox="1"/>
+          <p:nvPr/>
+        </p:nvSpPr>
+        <p:spPr>
+          <a:xfrm>
+            <a:off x="2667000" y="3009900"/>
+            <a:ext cx="734432" cy="307777"/>
+          </a:xfrm>
+          <a:prstGeom prst="rect">
+            <a:avLst/>
+          </a:prstGeom>
+          <a:noFill/>
+        </p:spPr>
+        <p:txBody>
+          <a:bodyPr wrap="none" rtlCol="0">
+            <a:spAutoFit/>
+          </a:bodyPr>
+          <a:lstStyle/>
+          <a:p>
+            <a:r>
+              <a:rPr lang="en-US" sz="1400" dirty="0" err="1" smtClean="0"/>
+              <a:t>kubelet</a:t>
+            </a:r>
+            <a:endParaRPr lang="en-US" dirty="0"/>
+          </a:p>
+        </p:txBody>
+      </p:sp>
+      <p:sp>
+        <p:nvSpPr>
+          <p:cNvPr id="28" name="TextBox 27"/>
+          <p:cNvSpPr txBox="1"/>
+          <p:nvPr/>
+        </p:nvSpPr>
+        <p:spPr>
+          <a:xfrm>
+            <a:off x="152400" y="5078968"/>
+            <a:ext cx="6451061" cy="369332"/>
+          </a:xfrm>
+          <a:prstGeom prst="rect">
+            <a:avLst/>
+          </a:prstGeom>
+          <a:noFill/>
+        </p:spPr>
+        <p:txBody>
+          <a:bodyPr wrap="none" rtlCol="0">
+            <a:spAutoFit/>
+          </a:bodyPr>
+          <a:lstStyle/>
+          <a:p>
+            <a:r>
+              <a:rPr lang="en-US" dirty="0" err="1" smtClean="0"/>
+              <a:t>Docker</a:t>
+            </a:r>
+            <a:r>
+              <a:rPr lang="en-US" dirty="0" smtClean="0"/>
+              <a:t> –swarm </a:t>
+            </a:r>
+            <a:r>
+              <a:rPr lang="en-US" dirty="0" smtClean="0">
+                <a:sym typeface="Wingdings" pitchFamily="2" charset="2"/>
+              </a:rPr>
+              <a:t> own mesh n/w </a:t>
+            </a:r>
+            <a:r>
+              <a:rPr lang="en-US" dirty="0" err="1" smtClean="0">
+                <a:sym typeface="Wingdings" pitchFamily="2" charset="2"/>
+              </a:rPr>
+              <a:t>inplementation</a:t>
+            </a:r>
+            <a:r>
+              <a:rPr lang="en-US" dirty="0" smtClean="0">
+                <a:sym typeface="Wingdings" pitchFamily="2" charset="2"/>
+              </a:rPr>
+              <a:t> called as overlay</a:t>
+            </a:r>
+            <a:endParaRPr lang="en-US" dirty="0"/>
+          </a:p>
+        </p:txBody>
+      </p:sp>
+    </p:spTree>
+  </p:cSld>
+  <p:clrMapOvr>
+    <a:masterClrMapping/>
+  </p:clrMapOvr>
+</p:sld>
+</file>
+
 <file path=ppt/slides/slide2.xml><?xml version="1.0" encoding="utf-8"?>
 <p:sld xmlns:a="http://schemas.openxmlformats.org/drawingml/2006/main" xmlns:r="http://schemas.openxmlformats.org/officeDocument/2006/relationships" xmlns:p="http://schemas.openxmlformats.org/presentationml/2006/main">
   <p:cSld>
@@ -9835,6 +13966,1065 @@
           </a:p>
         </p:txBody>
       </p:sp>
+    </p:spTree>
+  </p:cSld>
+  <p:clrMapOvr>
+    <a:masterClrMapping/>
+  </p:clrMapOvr>
+</p:sld>
+</file>
+
+<file path=ppt/slides/slide20.xml><?xml version="1.0" encoding="utf-8"?>
+<p:sld xmlns:a="http://schemas.openxmlformats.org/drawingml/2006/main" xmlns:r="http://schemas.openxmlformats.org/officeDocument/2006/relationships" xmlns:p="http://schemas.openxmlformats.org/presentationml/2006/main">
+  <p:cSld>
+    <p:spTree>
+      <p:nvGrpSpPr>
+        <p:cNvPr id="1" name=""/>
+        <p:cNvGrpSpPr/>
+        <p:nvPr/>
+      </p:nvGrpSpPr>
+      <p:grpSpPr>
+        <a:xfrm>
+          <a:off x="0" y="0"/>
+          <a:ext cx="0" cy="0"/>
+          <a:chOff x="0" y="0"/>
+          <a:chExt cx="0" cy="0"/>
+        </a:xfrm>
+      </p:grpSpPr>
+      <p:sp>
+        <p:nvSpPr>
+          <p:cNvPr id="2" name="Rectangle 1"/>
+          <p:cNvSpPr/>
+          <p:nvPr/>
+        </p:nvSpPr>
+        <p:spPr>
+          <a:xfrm>
+            <a:off x="2590800" y="495300"/>
+            <a:ext cx="6172200" cy="1981200"/>
+          </a:xfrm>
+          <a:prstGeom prst="rect">
+            <a:avLst/>
+          </a:prstGeom>
+          <a:noFill/>
+        </p:spPr>
+        <p:style>
+          <a:lnRef idx="2">
+            <a:schemeClr val="accent1">
+              <a:shade val="50000"/>
+            </a:schemeClr>
+          </a:lnRef>
+          <a:fillRef idx="1">
+            <a:schemeClr val="accent1"/>
+          </a:fillRef>
+          <a:effectRef idx="0">
+            <a:schemeClr val="accent1"/>
+          </a:effectRef>
+          <a:fontRef idx="minor">
+            <a:schemeClr val="lt1"/>
+          </a:fontRef>
+        </p:style>
+        <p:txBody>
+          <a:bodyPr rtlCol="0" anchor="ctr"/>
+          <a:lstStyle/>
+          <a:p>
+            <a:pPr algn="ctr"/>
+            <a:endParaRPr lang="en-US" dirty="0"/>
+          </a:p>
+        </p:txBody>
+      </p:sp>
+      <p:sp>
+        <p:nvSpPr>
+          <p:cNvPr id="3" name="TextBox 2"/>
+          <p:cNvSpPr txBox="1"/>
+          <p:nvPr/>
+        </p:nvSpPr>
+        <p:spPr>
+          <a:xfrm>
+            <a:off x="2590800" y="266700"/>
+            <a:ext cx="1898277" cy="307777"/>
+          </a:xfrm>
+          <a:prstGeom prst="rect">
+            <a:avLst/>
+          </a:prstGeom>
+          <a:noFill/>
+        </p:spPr>
+        <p:txBody>
+          <a:bodyPr wrap="none" rtlCol="0">
+            <a:spAutoFit/>
+          </a:bodyPr>
+          <a:lstStyle/>
+          <a:p>
+            <a:r>
+              <a:rPr lang="en-US" sz="1400" dirty="0" smtClean="0"/>
+              <a:t>Node1: 192.168.99.100</a:t>
+            </a:r>
+            <a:endParaRPr lang="en-US" sz="1400" dirty="0"/>
+          </a:p>
+        </p:txBody>
+      </p:sp>
+      <p:sp>
+        <p:nvSpPr>
+          <p:cNvPr id="4" name="TextBox 3"/>
+          <p:cNvSpPr txBox="1"/>
+          <p:nvPr/>
+        </p:nvSpPr>
+        <p:spPr>
+          <a:xfrm>
+            <a:off x="2597523" y="2778323"/>
+            <a:ext cx="1898277" cy="307777"/>
+          </a:xfrm>
+          <a:prstGeom prst="rect">
+            <a:avLst/>
+          </a:prstGeom>
+          <a:noFill/>
+        </p:spPr>
+        <p:txBody>
+          <a:bodyPr wrap="none" rtlCol="0">
+            <a:spAutoFit/>
+          </a:bodyPr>
+          <a:lstStyle/>
+          <a:p>
+            <a:r>
+              <a:rPr lang="en-US" sz="1400" dirty="0" smtClean="0"/>
+              <a:t>Node2: 192.168.99.101</a:t>
+            </a:r>
+            <a:endParaRPr lang="en-US" dirty="0"/>
+          </a:p>
+        </p:txBody>
+      </p:sp>
+      <p:sp>
+        <p:nvSpPr>
+          <p:cNvPr id="5" name="Rectangle 4"/>
+          <p:cNvSpPr/>
+          <p:nvPr/>
+        </p:nvSpPr>
+        <p:spPr>
+          <a:xfrm>
+            <a:off x="152400" y="1562100"/>
+            <a:ext cx="1066800" cy="2057400"/>
+          </a:xfrm>
+          <a:prstGeom prst="rect">
+            <a:avLst/>
+          </a:prstGeom>
+        </p:spPr>
+        <p:style>
+          <a:lnRef idx="2">
+            <a:schemeClr val="accent1">
+              <a:shade val="50000"/>
+            </a:schemeClr>
+          </a:lnRef>
+          <a:fillRef idx="1">
+            <a:schemeClr val="accent1"/>
+          </a:fillRef>
+          <a:effectRef idx="0">
+            <a:schemeClr val="accent1"/>
+          </a:effectRef>
+          <a:fontRef idx="minor">
+            <a:schemeClr val="lt1"/>
+          </a:fontRef>
+        </p:style>
+        <p:txBody>
+          <a:bodyPr rtlCol="0" anchor="ctr"/>
+          <a:lstStyle/>
+          <a:p>
+            <a:pPr algn="ctr"/>
+            <a:r>
+              <a:rPr lang="en-US" dirty="0" smtClean="0"/>
+              <a:t>master</a:t>
+            </a:r>
+            <a:endParaRPr lang="en-US" dirty="0"/>
+          </a:p>
+        </p:txBody>
+      </p:sp>
+      <p:sp>
+        <p:nvSpPr>
+          <p:cNvPr id="6" name="TextBox 5"/>
+          <p:cNvSpPr txBox="1"/>
+          <p:nvPr/>
+        </p:nvSpPr>
+        <p:spPr>
+          <a:xfrm>
+            <a:off x="6172200" y="1104900"/>
+            <a:ext cx="2155590" cy="1231106"/>
+          </a:xfrm>
+          <a:prstGeom prst="rect">
+            <a:avLst/>
+          </a:prstGeom>
+          <a:noFill/>
+        </p:spPr>
+        <p:txBody>
+          <a:bodyPr wrap="none" rtlCol="0">
+            <a:spAutoFit/>
+          </a:bodyPr>
+          <a:lstStyle/>
+          <a:p>
+            <a:r>
+              <a:rPr lang="en-US" dirty="0" smtClean="0"/>
+              <a:t>ghost: 172.17.0.12</a:t>
+            </a:r>
+          </a:p>
+          <a:p>
+            <a:r>
+              <a:rPr lang="en-US" sz="1400" dirty="0" smtClean="0"/>
+              <a:t> 1. db-svc:8888</a:t>
+            </a:r>
+          </a:p>
+          <a:p>
+            <a:r>
+              <a:rPr lang="en-US" sz="1400" dirty="0" smtClean="0"/>
+              <a:t> 2. /etc/</a:t>
+            </a:r>
+            <a:r>
+              <a:rPr lang="en-US" sz="1400" dirty="0" err="1" smtClean="0"/>
+              <a:t>resolv.conf</a:t>
+            </a:r>
+            <a:r>
+              <a:rPr lang="en-US" sz="1400" dirty="0" smtClean="0"/>
+              <a:t> </a:t>
+            </a:r>
+          </a:p>
+          <a:p>
+            <a:r>
+              <a:rPr lang="en-US" sz="1400" dirty="0" smtClean="0"/>
+              <a:t> </a:t>
+            </a:r>
+            <a:r>
+              <a:rPr lang="en-US" sz="1400" dirty="0" smtClean="0"/>
+              <a:t>3. talks to </a:t>
+            </a:r>
+            <a:r>
+              <a:rPr lang="en-US" sz="1400" dirty="0" err="1" smtClean="0"/>
+              <a:t>dns</a:t>
+            </a:r>
+            <a:r>
+              <a:rPr lang="en-US" sz="1400" dirty="0" smtClean="0"/>
+              <a:t> (</a:t>
+            </a:r>
+            <a:r>
+              <a:rPr lang="en-US" sz="1400" dirty="0" smtClean="0"/>
+              <a:t>10.96.0.10)</a:t>
+            </a:r>
+          </a:p>
+          <a:p>
+            <a:r>
+              <a:rPr lang="en-US" sz="1400" dirty="0" smtClean="0"/>
+              <a:t> </a:t>
+            </a:r>
+            <a:r>
+              <a:rPr lang="en-US" sz="1400" dirty="0" smtClean="0"/>
+              <a:t>4. 10.110.144.92:8888</a:t>
+            </a:r>
+            <a:endParaRPr lang="en-US" dirty="0"/>
+          </a:p>
+        </p:txBody>
+      </p:sp>
+      <p:sp>
+        <p:nvSpPr>
+          <p:cNvPr id="7" name="TextBox 6"/>
+          <p:cNvSpPr txBox="1"/>
+          <p:nvPr/>
+        </p:nvSpPr>
+        <p:spPr>
+          <a:xfrm>
+            <a:off x="6172200" y="3631168"/>
+            <a:ext cx="1736373" cy="307777"/>
+          </a:xfrm>
+          <a:prstGeom prst="rect">
+            <a:avLst/>
+          </a:prstGeom>
+          <a:noFill/>
+        </p:spPr>
+        <p:txBody>
+          <a:bodyPr wrap="none" rtlCol="0">
+            <a:spAutoFit/>
+          </a:bodyPr>
+          <a:lstStyle/>
+          <a:p>
+            <a:r>
+              <a:rPr lang="en-US" sz="1400" dirty="0" smtClean="0"/>
+              <a:t>P2: 172.18.0.12:3306</a:t>
+            </a:r>
+            <a:endParaRPr lang="en-US" sz="1400" dirty="0"/>
+          </a:p>
+        </p:txBody>
+      </p:sp>
+      <p:sp>
+        <p:nvSpPr>
+          <p:cNvPr id="8" name="TextBox 7"/>
+          <p:cNvSpPr txBox="1"/>
+          <p:nvPr/>
+        </p:nvSpPr>
+        <p:spPr>
+          <a:xfrm>
+            <a:off x="2590800" y="1562100"/>
+            <a:ext cx="3733800" cy="1446550"/>
+          </a:xfrm>
+          <a:prstGeom prst="rect">
+            <a:avLst/>
+          </a:prstGeom>
+          <a:noFill/>
+        </p:spPr>
+        <p:txBody>
+          <a:bodyPr wrap="square" rtlCol="0">
+            <a:spAutoFit/>
+          </a:bodyPr>
+          <a:lstStyle/>
+          <a:p>
+            <a:r>
+              <a:rPr lang="en-US" sz="1400" dirty="0" smtClean="0"/>
+              <a:t>canal</a:t>
+            </a:r>
+          </a:p>
+          <a:p>
+            <a:r>
+              <a:rPr lang="en-US" sz="1400" dirty="0" err="1" smtClean="0"/>
+              <a:t>Kube</a:t>
+            </a:r>
+            <a:r>
+              <a:rPr lang="en-US" sz="1400" dirty="0" smtClean="0"/>
+              <a:t>-proxy</a:t>
+            </a:r>
+          </a:p>
+          <a:p>
+            <a:r>
+              <a:rPr lang="en-US" sz="1400" dirty="0" smtClean="0"/>
+              <a:t>172.18.0.0 next hop 192.168.99.101</a:t>
+            </a:r>
+          </a:p>
+          <a:p>
+            <a:r>
+              <a:rPr lang="en-US" sz="1400" dirty="0" smtClean="0"/>
+              <a:t>172.17.0.0 </a:t>
+            </a:r>
+            <a:r>
+              <a:rPr lang="en-US" sz="1400" dirty="0" smtClean="0"/>
+              <a:t>next hop </a:t>
+            </a:r>
+            <a:r>
+              <a:rPr lang="en-US" sz="1400" dirty="0" smtClean="0"/>
+              <a:t>192.168.99.100</a:t>
+            </a:r>
+          </a:p>
+          <a:p>
+            <a:r>
+              <a:rPr lang="en-US" sz="1400" dirty="0" smtClean="0"/>
+              <a:t>10.110.144.92:8888 </a:t>
+            </a:r>
+            <a:r>
+              <a:rPr lang="en-US" sz="1400" dirty="0" smtClean="0">
+                <a:sym typeface="Wingdings" pitchFamily="2" charset="2"/>
+              </a:rPr>
+              <a:t> </a:t>
+            </a:r>
+            <a:r>
+              <a:rPr lang="en-US" sz="1400" dirty="0" smtClean="0"/>
+              <a:t>172.18.0.12:3306</a:t>
+            </a:r>
+            <a:endParaRPr lang="en-US" sz="1400" dirty="0" smtClean="0"/>
+          </a:p>
+          <a:p>
+            <a:endParaRPr lang="en-US" dirty="0"/>
+          </a:p>
+        </p:txBody>
+      </p:sp>
+      <p:sp>
+        <p:nvSpPr>
+          <p:cNvPr id="9" name="Cloud 8"/>
+          <p:cNvSpPr/>
+          <p:nvPr/>
+        </p:nvSpPr>
+        <p:spPr>
+          <a:xfrm>
+            <a:off x="990600" y="1181100"/>
+            <a:ext cx="1828800" cy="3124200"/>
+          </a:xfrm>
+          <a:prstGeom prst="cloud">
+            <a:avLst/>
+          </a:prstGeom>
+          <a:noFill/>
+        </p:spPr>
+        <p:style>
+          <a:lnRef idx="2">
+            <a:schemeClr val="accent1">
+              <a:shade val="50000"/>
+            </a:schemeClr>
+          </a:lnRef>
+          <a:fillRef idx="1">
+            <a:schemeClr val="accent1"/>
+          </a:fillRef>
+          <a:effectRef idx="0">
+            <a:schemeClr val="accent1"/>
+          </a:effectRef>
+          <a:fontRef idx="minor">
+            <a:schemeClr val="lt1"/>
+          </a:fontRef>
+        </p:style>
+        <p:txBody>
+          <a:bodyPr rtlCol="0" anchor="ctr"/>
+          <a:lstStyle/>
+          <a:p>
+            <a:pPr algn="ctr"/>
+            <a:endParaRPr lang="en-US"/>
+          </a:p>
+        </p:txBody>
+      </p:sp>
+      <p:sp>
+        <p:nvSpPr>
+          <p:cNvPr id="10" name="TextBox 9"/>
+          <p:cNvSpPr txBox="1"/>
+          <p:nvPr/>
+        </p:nvSpPr>
+        <p:spPr>
+          <a:xfrm>
+            <a:off x="1219200" y="1943100"/>
+            <a:ext cx="1476815" cy="954107"/>
+          </a:xfrm>
+          <a:prstGeom prst="rect">
+            <a:avLst/>
+          </a:prstGeom>
+          <a:noFill/>
+        </p:spPr>
+        <p:txBody>
+          <a:bodyPr wrap="none" rtlCol="0">
+            <a:spAutoFit/>
+          </a:bodyPr>
+          <a:lstStyle/>
+          <a:p>
+            <a:r>
+              <a:rPr lang="en-US" sz="1400" dirty="0" smtClean="0"/>
+              <a:t>Mesh n/w</a:t>
+            </a:r>
+          </a:p>
+          <a:p>
+            <a:pPr marL="342900" indent="-342900">
+              <a:buAutoNum type="arabicPeriod"/>
+            </a:pPr>
+            <a:r>
+              <a:rPr lang="en-US" sz="1400" dirty="0" smtClean="0"/>
+              <a:t>Flannel</a:t>
+            </a:r>
+          </a:p>
+          <a:p>
+            <a:pPr marL="342900" indent="-342900">
+              <a:buAutoNum type="arabicPeriod"/>
+            </a:pPr>
+            <a:r>
+              <a:rPr lang="en-US" sz="1400" dirty="0" smtClean="0"/>
+              <a:t>Calico</a:t>
+            </a:r>
+          </a:p>
+          <a:p>
+            <a:pPr marL="342900" indent="-342900">
+              <a:buAutoNum type="arabicPeriod"/>
+            </a:pPr>
+            <a:r>
+              <a:rPr lang="en-US" sz="1400" dirty="0" smtClean="0"/>
+              <a:t>Cloud-weave</a:t>
+            </a:r>
+            <a:endParaRPr lang="en-US" sz="1400" dirty="0"/>
+          </a:p>
+        </p:txBody>
+      </p:sp>
+      <p:sp>
+        <p:nvSpPr>
+          <p:cNvPr id="11" name="TextBox 10"/>
+          <p:cNvSpPr txBox="1"/>
+          <p:nvPr/>
+        </p:nvSpPr>
+        <p:spPr>
+          <a:xfrm>
+            <a:off x="2590800" y="4076700"/>
+            <a:ext cx="3200400" cy="1169551"/>
+          </a:xfrm>
+          <a:prstGeom prst="rect">
+            <a:avLst/>
+          </a:prstGeom>
+          <a:noFill/>
+        </p:spPr>
+        <p:txBody>
+          <a:bodyPr wrap="square" rtlCol="0">
+            <a:spAutoFit/>
+          </a:bodyPr>
+          <a:lstStyle/>
+          <a:p>
+            <a:r>
+              <a:rPr lang="en-US" sz="1400" dirty="0" smtClean="0"/>
+              <a:t>canal</a:t>
+            </a:r>
+          </a:p>
+          <a:p>
+            <a:r>
+              <a:rPr lang="en-US" sz="1400" dirty="0" err="1" smtClean="0"/>
+              <a:t>Kube</a:t>
+            </a:r>
+            <a:r>
+              <a:rPr lang="en-US" sz="1400" dirty="0" smtClean="0"/>
+              <a:t>-proxy</a:t>
+            </a:r>
+          </a:p>
+          <a:p>
+            <a:r>
+              <a:rPr lang="en-US" sz="1400" dirty="0" smtClean="0"/>
+              <a:t>172.18.0.0 next hop 192.168.99.101</a:t>
+            </a:r>
+          </a:p>
+          <a:p>
+            <a:r>
+              <a:rPr lang="en-US" sz="1400" dirty="0" smtClean="0"/>
+              <a:t>172.17.0.0 </a:t>
+            </a:r>
+            <a:r>
+              <a:rPr lang="en-US" sz="1400" dirty="0" smtClean="0"/>
+              <a:t>next hop </a:t>
+            </a:r>
+            <a:r>
+              <a:rPr lang="en-US" sz="1400" dirty="0" smtClean="0"/>
+              <a:t>192.168.99.100</a:t>
+            </a:r>
+          </a:p>
+          <a:p>
+            <a:r>
+              <a:rPr lang="en-US" sz="1400" dirty="0" smtClean="0"/>
+              <a:t>10.110.144.92:8888 </a:t>
+            </a:r>
+            <a:r>
+              <a:rPr lang="en-US" sz="1400" dirty="0" smtClean="0">
+                <a:sym typeface="Wingdings" pitchFamily="2" charset="2"/>
+              </a:rPr>
+              <a:t> </a:t>
+            </a:r>
+            <a:r>
+              <a:rPr lang="en-US" sz="1400" dirty="0" smtClean="0"/>
+              <a:t>172.18.0.12:3306</a:t>
+            </a:r>
+            <a:endParaRPr lang="en-US" dirty="0"/>
+          </a:p>
+        </p:txBody>
+      </p:sp>
+      <p:sp>
+        <p:nvSpPr>
+          <p:cNvPr id="12" name="TextBox 11"/>
+          <p:cNvSpPr txBox="1"/>
+          <p:nvPr/>
+        </p:nvSpPr>
+        <p:spPr>
+          <a:xfrm>
+            <a:off x="2590800" y="1028700"/>
+            <a:ext cx="734432" cy="307777"/>
+          </a:xfrm>
+          <a:prstGeom prst="rect">
+            <a:avLst/>
+          </a:prstGeom>
+          <a:noFill/>
+        </p:spPr>
+        <p:txBody>
+          <a:bodyPr wrap="none" rtlCol="0">
+            <a:spAutoFit/>
+          </a:bodyPr>
+          <a:lstStyle/>
+          <a:p>
+            <a:r>
+              <a:rPr lang="en-US" sz="1400" dirty="0" err="1" smtClean="0"/>
+              <a:t>kubelet</a:t>
+            </a:r>
+            <a:endParaRPr lang="en-US" dirty="0"/>
+          </a:p>
+        </p:txBody>
+      </p:sp>
+      <p:sp>
+        <p:nvSpPr>
+          <p:cNvPr id="13" name="TextBox 12"/>
+          <p:cNvSpPr txBox="1"/>
+          <p:nvPr/>
+        </p:nvSpPr>
+        <p:spPr>
+          <a:xfrm>
+            <a:off x="2667000" y="3009900"/>
+            <a:ext cx="734432" cy="307777"/>
+          </a:xfrm>
+          <a:prstGeom prst="rect">
+            <a:avLst/>
+          </a:prstGeom>
+          <a:noFill/>
+        </p:spPr>
+        <p:txBody>
+          <a:bodyPr wrap="none" rtlCol="0">
+            <a:spAutoFit/>
+          </a:bodyPr>
+          <a:lstStyle/>
+          <a:p>
+            <a:r>
+              <a:rPr lang="en-US" sz="1400" dirty="0" err="1" smtClean="0"/>
+              <a:t>kubelet</a:t>
+            </a:r>
+            <a:endParaRPr lang="en-US" dirty="0"/>
+          </a:p>
+        </p:txBody>
+      </p:sp>
+      <p:sp>
+        <p:nvSpPr>
+          <p:cNvPr id="15" name="Rectangle 14"/>
+          <p:cNvSpPr/>
+          <p:nvPr/>
+        </p:nvSpPr>
+        <p:spPr>
+          <a:xfrm>
+            <a:off x="2667000" y="3009900"/>
+            <a:ext cx="6172200" cy="1981200"/>
+          </a:xfrm>
+          <a:prstGeom prst="rect">
+            <a:avLst/>
+          </a:prstGeom>
+          <a:noFill/>
+        </p:spPr>
+        <p:style>
+          <a:lnRef idx="2">
+            <a:schemeClr val="accent1">
+              <a:shade val="50000"/>
+            </a:schemeClr>
+          </a:lnRef>
+          <a:fillRef idx="1">
+            <a:schemeClr val="accent1"/>
+          </a:fillRef>
+          <a:effectRef idx="0">
+            <a:schemeClr val="accent1"/>
+          </a:effectRef>
+          <a:fontRef idx="minor">
+            <a:schemeClr val="lt1"/>
+          </a:fontRef>
+        </p:style>
+        <p:txBody>
+          <a:bodyPr rtlCol="0" anchor="ctr"/>
+          <a:lstStyle/>
+          <a:p>
+            <a:pPr algn="ctr"/>
+            <a:endParaRPr lang="en-US" dirty="0"/>
+          </a:p>
+        </p:txBody>
+      </p:sp>
+      <p:sp>
+        <p:nvSpPr>
+          <p:cNvPr id="16" name="Oval 15"/>
+          <p:cNvSpPr/>
+          <p:nvPr/>
+        </p:nvSpPr>
+        <p:spPr>
+          <a:xfrm>
+            <a:off x="8534400" y="1943100"/>
+            <a:ext cx="1752600" cy="990600"/>
+          </a:xfrm>
+          <a:prstGeom prst="ellipse">
+            <a:avLst/>
+          </a:prstGeom>
+        </p:spPr>
+        <p:style>
+          <a:lnRef idx="2">
+            <a:schemeClr val="accent1">
+              <a:shade val="50000"/>
+            </a:schemeClr>
+          </a:lnRef>
+          <a:fillRef idx="1">
+            <a:schemeClr val="accent1"/>
+          </a:fillRef>
+          <a:effectRef idx="0">
+            <a:schemeClr val="accent1"/>
+          </a:effectRef>
+          <a:fontRef idx="minor">
+            <a:schemeClr val="lt1"/>
+          </a:fontRef>
+        </p:style>
+        <p:txBody>
+          <a:bodyPr rtlCol="0" anchor="ctr"/>
+          <a:lstStyle/>
+          <a:p>
+            <a:pPr algn="ctr"/>
+            <a:r>
+              <a:rPr lang="en-US" sz="1200" dirty="0" err="1" smtClean="0"/>
+              <a:t>Dns</a:t>
+            </a:r>
+            <a:endParaRPr lang="en-US" sz="1200" dirty="0" smtClean="0"/>
+          </a:p>
+          <a:p>
+            <a:pPr algn="ctr"/>
+            <a:r>
+              <a:rPr lang="en-US" sz="1400" dirty="0" smtClean="0"/>
+              <a:t>db-svc:</a:t>
+            </a:r>
+            <a:r>
+              <a:rPr lang="en-US" sz="1400" dirty="0" smtClean="0"/>
+              <a:t> </a:t>
+            </a:r>
+            <a:r>
+              <a:rPr lang="en-US" sz="1400" dirty="0" smtClean="0"/>
+              <a:t>10.110.144.92</a:t>
+            </a:r>
+            <a:endParaRPr lang="en-US" dirty="0"/>
+          </a:p>
+        </p:txBody>
+      </p:sp>
+      <p:cxnSp>
+        <p:nvCxnSpPr>
+          <p:cNvPr id="18" name="Straight Arrow Connector 17"/>
+          <p:cNvCxnSpPr/>
+          <p:nvPr/>
+        </p:nvCxnSpPr>
+        <p:spPr>
+          <a:xfrm>
+            <a:off x="7315200" y="1943100"/>
+            <a:ext cx="1219200" cy="228600"/>
+          </a:xfrm>
+          <a:prstGeom prst="straightConnector1">
+            <a:avLst/>
+          </a:prstGeom>
+          <a:ln>
+            <a:tailEnd type="arrow"/>
+          </a:ln>
+        </p:spPr>
+        <p:style>
+          <a:lnRef idx="1">
+            <a:schemeClr val="accent1"/>
+          </a:lnRef>
+          <a:fillRef idx="0">
+            <a:schemeClr val="accent1"/>
+          </a:fillRef>
+          <a:effectRef idx="0">
+            <a:schemeClr val="accent1"/>
+          </a:effectRef>
+          <a:fontRef idx="minor">
+            <a:schemeClr val="tx1"/>
+          </a:fontRef>
+        </p:style>
+      </p:cxnSp>
+      <p:cxnSp>
+        <p:nvCxnSpPr>
+          <p:cNvPr id="20" name="Straight Arrow Connector 19"/>
+          <p:cNvCxnSpPr/>
+          <p:nvPr/>
+        </p:nvCxnSpPr>
+        <p:spPr>
+          <a:xfrm flipH="1" flipV="1">
+            <a:off x="7391400" y="2095500"/>
+            <a:ext cx="1143000" cy="304800"/>
+          </a:xfrm>
+          <a:prstGeom prst="straightConnector1">
+            <a:avLst/>
+          </a:prstGeom>
+          <a:ln>
+            <a:tailEnd type="arrow"/>
+          </a:ln>
+        </p:spPr>
+        <p:style>
+          <a:lnRef idx="1">
+            <a:schemeClr val="accent1"/>
+          </a:lnRef>
+          <a:fillRef idx="0">
+            <a:schemeClr val="accent1"/>
+          </a:fillRef>
+          <a:effectRef idx="0">
+            <a:schemeClr val="accent1"/>
+          </a:effectRef>
+          <a:fontRef idx="minor">
+            <a:schemeClr val="tx1"/>
+          </a:fontRef>
+        </p:style>
+      </p:cxnSp>
+      <p:cxnSp>
+        <p:nvCxnSpPr>
+          <p:cNvPr id="22" name="Straight Arrow Connector 21"/>
+          <p:cNvCxnSpPr>
+            <a:endCxn id="3" idx="2"/>
+          </p:cNvCxnSpPr>
+          <p:nvPr/>
+        </p:nvCxnSpPr>
+        <p:spPr>
+          <a:xfrm flipH="1" flipV="1">
+            <a:off x="3539939" y="574477"/>
+            <a:ext cx="2632261" cy="1597223"/>
+          </a:xfrm>
+          <a:prstGeom prst="straightConnector1">
+            <a:avLst/>
+          </a:prstGeom>
+          <a:ln>
+            <a:tailEnd type="arrow"/>
+          </a:ln>
+        </p:spPr>
+        <p:style>
+          <a:lnRef idx="1">
+            <a:schemeClr val="accent1"/>
+          </a:lnRef>
+          <a:fillRef idx="0">
+            <a:schemeClr val="accent1"/>
+          </a:fillRef>
+          <a:effectRef idx="0">
+            <a:schemeClr val="accent1"/>
+          </a:effectRef>
+          <a:fontRef idx="minor">
+            <a:schemeClr val="tx1"/>
+          </a:fontRef>
+        </p:style>
+      </p:cxnSp>
+      <p:sp>
+        <p:nvSpPr>
+          <p:cNvPr id="23" name="TextBox 22"/>
+          <p:cNvSpPr txBox="1"/>
+          <p:nvPr/>
+        </p:nvSpPr>
+        <p:spPr>
+          <a:xfrm>
+            <a:off x="4876800" y="1257300"/>
+            <a:ext cx="301686" cy="369332"/>
+          </a:xfrm>
+          <a:prstGeom prst="rect">
+            <a:avLst/>
+          </a:prstGeom>
+          <a:noFill/>
+        </p:spPr>
+        <p:txBody>
+          <a:bodyPr wrap="none" rtlCol="0">
+            <a:spAutoFit/>
+          </a:bodyPr>
+          <a:lstStyle/>
+          <a:p>
+            <a:r>
+              <a:rPr lang="en-US" dirty="0" smtClean="0"/>
+              <a:t>5</a:t>
+            </a:r>
+            <a:endParaRPr lang="en-US" dirty="0"/>
+          </a:p>
+        </p:txBody>
+      </p:sp>
+      <p:cxnSp>
+        <p:nvCxnSpPr>
+          <p:cNvPr id="25" name="Straight Arrow Connector 24"/>
+          <p:cNvCxnSpPr/>
+          <p:nvPr/>
+        </p:nvCxnSpPr>
+        <p:spPr>
+          <a:xfrm flipH="1" flipV="1">
+            <a:off x="1752600" y="571500"/>
+            <a:ext cx="1676400" cy="76200"/>
+          </a:xfrm>
+          <a:prstGeom prst="straightConnector1">
+            <a:avLst/>
+          </a:prstGeom>
+          <a:ln>
+            <a:tailEnd type="arrow"/>
+          </a:ln>
+        </p:spPr>
+        <p:style>
+          <a:lnRef idx="1">
+            <a:schemeClr val="accent1"/>
+          </a:lnRef>
+          <a:fillRef idx="0">
+            <a:schemeClr val="accent1"/>
+          </a:fillRef>
+          <a:effectRef idx="0">
+            <a:schemeClr val="accent1"/>
+          </a:effectRef>
+          <a:fontRef idx="minor">
+            <a:schemeClr val="tx1"/>
+          </a:fontRef>
+        </p:style>
+      </p:cxnSp>
+      <p:cxnSp>
+        <p:nvCxnSpPr>
+          <p:cNvPr id="27" name="Straight Arrow Connector 26"/>
+          <p:cNvCxnSpPr/>
+          <p:nvPr/>
+        </p:nvCxnSpPr>
+        <p:spPr>
+          <a:xfrm>
+            <a:off x="2667000" y="647700"/>
+            <a:ext cx="990600" cy="1219200"/>
+          </a:xfrm>
+          <a:prstGeom prst="straightConnector1">
+            <a:avLst/>
+          </a:prstGeom>
+          <a:ln>
+            <a:tailEnd type="arrow"/>
+          </a:ln>
+        </p:spPr>
+        <p:style>
+          <a:lnRef idx="1">
+            <a:schemeClr val="accent1"/>
+          </a:lnRef>
+          <a:fillRef idx="0">
+            <a:schemeClr val="accent1"/>
+          </a:fillRef>
+          <a:effectRef idx="0">
+            <a:schemeClr val="accent1"/>
+          </a:effectRef>
+          <a:fontRef idx="minor">
+            <a:schemeClr val="tx1"/>
+          </a:fontRef>
+        </p:style>
+      </p:cxnSp>
+      <p:sp>
+        <p:nvSpPr>
+          <p:cNvPr id="28" name="TextBox 27"/>
+          <p:cNvSpPr txBox="1"/>
+          <p:nvPr/>
+        </p:nvSpPr>
+        <p:spPr>
+          <a:xfrm>
+            <a:off x="2543395" y="723900"/>
+            <a:ext cx="1321900" cy="276999"/>
+          </a:xfrm>
+          <a:prstGeom prst="rect">
+            <a:avLst/>
+          </a:prstGeom>
+          <a:noFill/>
+        </p:spPr>
+        <p:txBody>
+          <a:bodyPr wrap="none" rtlCol="0">
+            <a:spAutoFit/>
+          </a:bodyPr>
+          <a:lstStyle/>
+          <a:p>
+            <a:r>
+              <a:rPr lang="en-US" sz="1200" dirty="0" smtClean="0"/>
+              <a:t>7.Inflight snagging</a:t>
+            </a:r>
+            <a:endParaRPr lang="en-US" sz="1200" dirty="0"/>
+          </a:p>
+        </p:txBody>
+      </p:sp>
+      <p:sp>
+        <p:nvSpPr>
+          <p:cNvPr id="29" name="TextBox 28"/>
+          <p:cNvSpPr txBox="1"/>
+          <p:nvPr/>
+        </p:nvSpPr>
+        <p:spPr>
+          <a:xfrm>
+            <a:off x="2286000" y="419100"/>
+            <a:ext cx="301686" cy="369332"/>
+          </a:xfrm>
+          <a:prstGeom prst="rect">
+            <a:avLst/>
+          </a:prstGeom>
+          <a:noFill/>
+        </p:spPr>
+        <p:txBody>
+          <a:bodyPr wrap="none" rtlCol="0">
+            <a:spAutoFit/>
+          </a:bodyPr>
+          <a:lstStyle/>
+          <a:p>
+            <a:r>
+              <a:rPr lang="en-US" dirty="0" smtClean="0"/>
+              <a:t>6</a:t>
+            </a:r>
+            <a:endParaRPr lang="en-US" dirty="0"/>
+          </a:p>
+        </p:txBody>
+      </p:sp>
+      <p:sp>
+        <p:nvSpPr>
+          <p:cNvPr id="30" name="TextBox 29"/>
+          <p:cNvSpPr txBox="1"/>
+          <p:nvPr/>
+        </p:nvSpPr>
+        <p:spPr>
+          <a:xfrm>
+            <a:off x="3733800" y="1485900"/>
+            <a:ext cx="2592376" cy="523220"/>
+          </a:xfrm>
+          <a:prstGeom prst="rect">
+            <a:avLst/>
+          </a:prstGeom>
+          <a:noFill/>
+        </p:spPr>
+        <p:txBody>
+          <a:bodyPr wrap="none" rtlCol="0">
+            <a:spAutoFit/>
+          </a:bodyPr>
+          <a:lstStyle/>
+          <a:p>
+            <a:r>
+              <a:rPr lang="en-US" sz="1400" dirty="0" smtClean="0"/>
+              <a:t>8. Convert it to 172.18.0.12:3306</a:t>
+            </a:r>
+          </a:p>
+          <a:p>
+            <a:r>
+              <a:rPr lang="en-US" sz="1400" dirty="0" smtClean="0"/>
+              <a:t>9. Pod – Pod communication</a:t>
+            </a:r>
+            <a:endParaRPr lang="en-US" dirty="0"/>
+          </a:p>
+        </p:txBody>
+      </p:sp>
+      <p:cxnSp>
+        <p:nvCxnSpPr>
+          <p:cNvPr id="32" name="Straight Arrow Connector 31"/>
+          <p:cNvCxnSpPr>
+            <a:endCxn id="8" idx="2"/>
+          </p:cNvCxnSpPr>
+          <p:nvPr/>
+        </p:nvCxnSpPr>
+        <p:spPr>
+          <a:xfrm flipH="1">
+            <a:off x="4457700" y="1943100"/>
+            <a:ext cx="1028700" cy="1065550"/>
+          </a:xfrm>
+          <a:prstGeom prst="straightConnector1">
+            <a:avLst/>
+          </a:prstGeom>
+          <a:ln>
+            <a:tailEnd type="arrow"/>
+          </a:ln>
+        </p:spPr>
+        <p:style>
+          <a:lnRef idx="1">
+            <a:schemeClr val="accent1"/>
+          </a:lnRef>
+          <a:fillRef idx="0">
+            <a:schemeClr val="accent1"/>
+          </a:fillRef>
+          <a:effectRef idx="0">
+            <a:schemeClr val="accent1"/>
+          </a:effectRef>
+          <a:fontRef idx="minor">
+            <a:schemeClr val="tx1"/>
+          </a:fontRef>
+        </p:style>
+      </p:cxnSp>
+      <p:cxnSp>
+        <p:nvCxnSpPr>
+          <p:cNvPr id="34" name="Straight Arrow Connector 33"/>
+          <p:cNvCxnSpPr>
+            <a:endCxn id="7" idx="0"/>
+          </p:cNvCxnSpPr>
+          <p:nvPr/>
+        </p:nvCxnSpPr>
+        <p:spPr>
+          <a:xfrm>
+            <a:off x="4419600" y="3162300"/>
+            <a:ext cx="2620787" cy="468868"/>
+          </a:xfrm>
+          <a:prstGeom prst="straightConnector1">
+            <a:avLst/>
+          </a:prstGeom>
+          <a:ln>
+            <a:tailEnd type="arrow"/>
+          </a:ln>
+        </p:spPr>
+        <p:style>
+          <a:lnRef idx="1">
+            <a:schemeClr val="accent1"/>
+          </a:lnRef>
+          <a:fillRef idx="0">
+            <a:schemeClr val="accent1"/>
+          </a:fillRef>
+          <a:effectRef idx="0">
+            <a:schemeClr val="accent1"/>
+          </a:effectRef>
+          <a:fontRef idx="minor">
+            <a:schemeClr val="tx1"/>
+          </a:fontRef>
+        </p:style>
+      </p:cxnSp>
     </p:spTree>
   </p:cSld>
   <p:clrMapOvr>
